--- a/docs/part1ca/13_DLP/CA_Lecture_13.pptx
+++ b/docs/part1ca/13_DLP/CA_Lecture_13.pptx
@@ -5,32 +5,28 @@
     <p:sldMasterId id="2147483648" r:id="rId1"/>
   </p:sldMasterIdLst>
   <p:notesMasterIdLst>
-    <p:notesMasterId r:id="rId22"/>
+    <p:notesMasterId r:id="rId18"/>
   </p:notesMasterIdLst>
   <p:handoutMasterIdLst>
-    <p:handoutMasterId r:id="rId23"/>
+    <p:handoutMasterId r:id="rId19"/>
   </p:handoutMasterIdLst>
   <p:sldIdLst>
     <p:sldId id="256" r:id="rId2"/>
-    <p:sldId id="274" r:id="rId3"/>
-    <p:sldId id="275" r:id="rId4"/>
-    <p:sldId id="276" r:id="rId5"/>
+    <p:sldId id="285" r:id="rId3"/>
+    <p:sldId id="276" r:id="rId4"/>
+    <p:sldId id="275" r:id="rId5"/>
     <p:sldId id="277" r:id="rId6"/>
     <p:sldId id="278" r:id="rId7"/>
     <p:sldId id="279" r:id="rId8"/>
     <p:sldId id="280" r:id="rId9"/>
     <p:sldId id="281" r:id="rId10"/>
-    <p:sldId id="283" r:id="rId11"/>
-    <p:sldId id="282" r:id="rId12"/>
-    <p:sldId id="284" r:id="rId13"/>
-    <p:sldId id="285" r:id="rId14"/>
-    <p:sldId id="286" r:id="rId15"/>
-    <p:sldId id="287" r:id="rId16"/>
-    <p:sldId id="288" r:id="rId17"/>
-    <p:sldId id="289" r:id="rId18"/>
-    <p:sldId id="290" r:id="rId19"/>
-    <p:sldId id="273" r:id="rId20"/>
-    <p:sldId id="272" r:id="rId21"/>
+    <p:sldId id="282" r:id="rId11"/>
+    <p:sldId id="284" r:id="rId12"/>
+    <p:sldId id="286" r:id="rId13"/>
+    <p:sldId id="287" r:id="rId14"/>
+    <p:sldId id="288" r:id="rId15"/>
+    <p:sldId id="274" r:id="rId16"/>
+    <p:sldId id="272" r:id="rId17"/>
   </p:sldIdLst>
   <p:sldSz cx="12192000" cy="6858000"/>
   <p:notesSz cx="6858000" cy="9144000"/>
@@ -253,7 +249,7 @@
             <a:fld id="{D0106195-8D78-4F6F-B8E4-FA67975ACEF5}" type="datetimeFigureOut">
               <a:rPr lang="ru-RU" smtClean="0"/>
               <a:pPr/>
-              <a:t>17.02.2021</a:t>
+              <a:t>24.02.2021</a:t>
             </a:fld>
             <a:endParaRPr lang="ru-RU"/>
           </a:p>
@@ -421,7 +417,7 @@
             <a:fld id="{878212F1-C3D9-4F2B-8F42-5E960FE8BE51}" type="datetimeFigureOut">
               <a:rPr lang="ru-RU" smtClean="0"/>
               <a:pPr/>
-              <a:t>17.02.2021</a:t>
+              <a:t>24.02.2021</a:t>
             </a:fld>
             <a:endParaRPr lang="ru-RU"/>
           </a:p>
@@ -918,7 +914,7 @@
             <a:fld id="{5583B3A5-99BF-45D9-956B-DC57CC23AD97}" type="slidenum">
               <a:rPr lang="ru-RU" smtClean="0"/>
               <a:pPr/>
-              <a:t>20</a:t>
+              <a:t>16</a:t>
             </a:fld>
             <a:endParaRPr lang="ru-RU"/>
           </a:p>
@@ -4102,11 +4098,11 @@
             </a:r>
             <a:r>
               <a:rPr lang="ru-RU" b="1" dirty="0" smtClean="0"/>
-              <a:t>1</a:t>
+              <a:t>13</a:t>
             </a:r>
             <a:r>
               <a:rPr lang="en-US" b="1" dirty="0" smtClean="0"/>
-              <a:t>2: Virtual Memory</a:t>
+              <a:t>: Data-level parallelism: Vector, SIMD, GPU</a:t>
             </a:r>
             <a:endParaRPr lang="ru-RU" b="1" dirty="0"/>
           </a:p>
@@ -4245,6 +4241,169 @@
       </p:grpSpPr>
       <p:sp>
         <p:nvSpPr>
+          <p:cNvPr id="2" name="Содержимое 1"/>
+          <p:cNvSpPr>
+            <a:spLocks noGrp="1"/>
+          </p:cNvSpPr>
+          <p:nvPr>
+            <p:ph idx="1"/>
+          </p:nvPr>
+        </p:nvSpPr>
+        <p:spPr>
+          <a:xfrm>
+            <a:off x="838200" y="1063752"/>
+            <a:ext cx="10515600" cy="5679948"/>
+          </a:xfrm>
+        </p:spPr>
+        <p:txBody>
+          <a:bodyPr>
+            <a:noAutofit/>
+          </a:bodyPr>
+          <a:lstStyle/>
+          <a:p>
+            <a:pPr>
+              <a:lnSpc>
+                <a:spcPct val="80000"/>
+              </a:lnSpc>
+            </a:pPr>
+            <a:r>
+              <a:rPr lang="en-AU" altLang="en-US" dirty="0" smtClean="0"/>
+              <a:t>Processing is highly data-parallel</a:t>
+            </a:r>
+          </a:p>
+          <a:p>
+            <a:pPr lvl="1">
+              <a:lnSpc>
+                <a:spcPct val="80000"/>
+              </a:lnSpc>
+            </a:pPr>
+            <a:r>
+              <a:rPr lang="en-AU" altLang="en-US" dirty="0" smtClean="0"/>
+              <a:t>GPUs are highly multithreaded</a:t>
+            </a:r>
+          </a:p>
+          <a:p>
+            <a:pPr lvl="1">
+              <a:lnSpc>
+                <a:spcPct val="80000"/>
+              </a:lnSpc>
+            </a:pPr>
+            <a:r>
+              <a:rPr lang="en-AU" altLang="en-US" dirty="0" smtClean="0"/>
+              <a:t>Use thread switching to hide memory latency</a:t>
+            </a:r>
+          </a:p>
+          <a:p>
+            <a:pPr lvl="2">
+              <a:lnSpc>
+                <a:spcPct val="80000"/>
+              </a:lnSpc>
+            </a:pPr>
+            <a:r>
+              <a:rPr lang="en-AU" altLang="en-US" sz="2800" dirty="0" smtClean="0"/>
+              <a:t>Less reliance on multi-level caches</a:t>
+            </a:r>
+          </a:p>
+          <a:p>
+            <a:pPr lvl="1">
+              <a:lnSpc>
+                <a:spcPct val="80000"/>
+              </a:lnSpc>
+            </a:pPr>
+            <a:r>
+              <a:rPr lang="en-AU" altLang="en-US" dirty="0" smtClean="0"/>
+              <a:t>Graphics memory is wide and high-bandwidth</a:t>
+            </a:r>
+          </a:p>
+          <a:p>
+            <a:pPr>
+              <a:lnSpc>
+                <a:spcPct val="80000"/>
+              </a:lnSpc>
+            </a:pPr>
+            <a:r>
+              <a:rPr lang="en-AU" altLang="en-US" dirty="0" smtClean="0"/>
+              <a:t>Trend toward general purpose GPUs</a:t>
+            </a:r>
+          </a:p>
+          <a:p>
+            <a:pPr lvl="1">
+              <a:lnSpc>
+                <a:spcPct val="80000"/>
+              </a:lnSpc>
+            </a:pPr>
+            <a:r>
+              <a:rPr lang="en-AU" altLang="en-US" dirty="0" smtClean="0"/>
+              <a:t>Heterogeneous CPU/GPU systems</a:t>
+            </a:r>
+          </a:p>
+          <a:p>
+            <a:pPr lvl="1">
+              <a:lnSpc>
+                <a:spcPct val="80000"/>
+              </a:lnSpc>
+            </a:pPr>
+            <a:r>
+              <a:rPr lang="en-AU" altLang="en-US" dirty="0" smtClean="0"/>
+              <a:t>CPU for sequential code, GPU for parallel code</a:t>
+            </a:r>
+          </a:p>
+          <a:p>
+            <a:pPr>
+              <a:lnSpc>
+                <a:spcPct val="80000"/>
+              </a:lnSpc>
+            </a:pPr>
+            <a:r>
+              <a:rPr lang="en-AU" altLang="en-US" dirty="0" smtClean="0"/>
+              <a:t>Programming languages/APIs</a:t>
+            </a:r>
+          </a:p>
+          <a:p>
+            <a:pPr lvl="1">
+              <a:lnSpc>
+                <a:spcPct val="80000"/>
+              </a:lnSpc>
+            </a:pPr>
+            <a:r>
+              <a:rPr lang="en-AU" altLang="en-US" dirty="0" smtClean="0"/>
+              <a:t>DirectX, OpenGL</a:t>
+            </a:r>
+          </a:p>
+          <a:p>
+            <a:pPr lvl="1">
+              <a:lnSpc>
+                <a:spcPct val="80000"/>
+              </a:lnSpc>
+            </a:pPr>
+            <a:r>
+              <a:rPr lang="en-AU" altLang="en-US" dirty="0" smtClean="0"/>
+              <a:t>C for Graphics (Cg), High Level </a:t>
+            </a:r>
+            <a:r>
+              <a:rPr lang="en-AU" altLang="en-US" dirty="0" err="1" smtClean="0"/>
+              <a:t>Shader</a:t>
+            </a:r>
+            <a:r>
+              <a:rPr lang="en-AU" altLang="en-US" dirty="0" smtClean="0"/>
+              <a:t> Language (HLSL)</a:t>
+            </a:r>
+          </a:p>
+          <a:p>
+            <a:pPr lvl="1">
+              <a:lnSpc>
+                <a:spcPct val="80000"/>
+              </a:lnSpc>
+            </a:pPr>
+            <a:r>
+              <a:rPr lang="en-AU" altLang="en-US" dirty="0" smtClean="0"/>
+              <a:t>Compute Unified Device Architecture (CUDA)</a:t>
+            </a:r>
+          </a:p>
+        </p:txBody>
+      </p:sp>
+      <p:sp>
+        <p:nvSpPr>
           <p:cNvPr id="3" name="Номер слайда 2"/>
           <p:cNvSpPr>
             <a:spLocks noGrp="1"/>
@@ -4284,45 +4443,13 @@
           <a:lstStyle/>
           <a:p>
             <a:r>
-              <a:rPr lang="en-US" dirty="0" smtClean="0"/>
-              <a:t>Page Mapping</a:t>
+              <a:rPr lang="en-AU" altLang="en-US" dirty="0" smtClean="0"/>
+              <a:t>GPU Architectures</a:t>
             </a:r>
             <a:endParaRPr lang="ru-RU" dirty="0"/>
           </a:p>
         </p:txBody>
       </p:sp>
-      <p:pic>
-        <p:nvPicPr>
-          <p:cNvPr id="5" name="Picture 4" descr="f05-22-P374493"/>
-          <p:cNvPicPr>
-            <a:picLocks noChangeAspect="1" noChangeArrowheads="1"/>
-          </p:cNvPicPr>
-          <p:nvPr/>
-        </p:nvPicPr>
-        <p:blipFill>
-          <a:blip r:embed="rId2" cstate="print"/>
-          <a:srcRect/>
-          <a:stretch>
-            <a:fillRect/>
-          </a:stretch>
-        </p:blipFill>
-        <p:spPr bwMode="auto">
-          <a:xfrm>
-            <a:off x="2441555" y="1176334"/>
-            <a:ext cx="7126238" cy="5462028"/>
-          </a:xfrm>
-          <a:prstGeom prst="rect">
-            <a:avLst/>
-          </a:prstGeom>
-          <a:noFill/>
-          <a:ln w="9525">
-            <a:noFill/>
-            <a:miter lim="800000"/>
-            <a:headEnd/>
-            <a:tailEnd/>
-          </a:ln>
-        </p:spPr>
-      </p:pic>
     </p:spTree>
   </p:cSld>
   <p:clrMapOvr>
@@ -4358,98 +4485,105 @@
             <p:ph idx="1"/>
           </p:nvPr>
         </p:nvSpPr>
-        <p:spPr/>
-        <p:txBody>
-          <a:bodyPr/>
-          <a:lstStyle/>
-          <a:p>
-            <a:pPr>
-              <a:lnSpc>
-                <a:spcPct val="100000"/>
-              </a:lnSpc>
-              <a:spcBef>
-                <a:spcPts val="1200"/>
-              </a:spcBef>
-            </a:pPr>
-            <a:r>
-              <a:rPr lang="en-US" altLang="en-US" dirty="0" smtClean="0"/>
-              <a:t>On page fault, the page must be fetched from disk</a:t>
-            </a:r>
-          </a:p>
-          <a:p>
-            <a:pPr lvl="1">
-              <a:lnSpc>
-                <a:spcPct val="100000"/>
-              </a:lnSpc>
-              <a:spcBef>
-                <a:spcPts val="1200"/>
-              </a:spcBef>
-            </a:pPr>
-            <a:r>
-              <a:rPr lang="en-US" altLang="en-US" dirty="0" smtClean="0"/>
-              <a:t>Takes millions of clock cycles</a:t>
-            </a:r>
-          </a:p>
-          <a:p>
-            <a:pPr lvl="1">
-              <a:lnSpc>
-                <a:spcPct val="100000"/>
-              </a:lnSpc>
-              <a:spcBef>
-                <a:spcPts val="1200"/>
-              </a:spcBef>
-            </a:pPr>
-            <a:r>
-              <a:rPr lang="en-US" altLang="en-US" dirty="0" smtClean="0"/>
-              <a:t>Handled by OS code</a:t>
-            </a:r>
-          </a:p>
-          <a:p>
-            <a:pPr>
-              <a:lnSpc>
-                <a:spcPct val="100000"/>
-              </a:lnSpc>
-              <a:spcBef>
-                <a:spcPts val="1200"/>
-              </a:spcBef>
-            </a:pPr>
-            <a:r>
-              <a:rPr lang="en-US" altLang="en-US" dirty="0" smtClean="0"/>
-              <a:t>Try to minimize page fault rate</a:t>
-            </a:r>
-          </a:p>
-          <a:p>
-            <a:pPr lvl="1">
-              <a:lnSpc>
-                <a:spcPct val="100000"/>
-              </a:lnSpc>
-              <a:spcBef>
-                <a:spcPts val="1200"/>
-              </a:spcBef>
-            </a:pPr>
-            <a:r>
-              <a:rPr lang="en-US" altLang="en-US" dirty="0" smtClean="0"/>
-              <a:t>Fully associative placement</a:t>
-            </a:r>
-          </a:p>
-          <a:p>
-            <a:pPr lvl="1">
-              <a:lnSpc>
-                <a:spcPct val="100000"/>
-              </a:lnSpc>
-              <a:spcBef>
-                <a:spcPts val="1200"/>
-              </a:spcBef>
-            </a:pPr>
-            <a:r>
-              <a:rPr lang="en-US" altLang="en-US" dirty="0" smtClean="0"/>
-              <a:t>Smart replacement </a:t>
-            </a:r>
-            <a:r>
-              <a:rPr lang="en-US" altLang="en-US" dirty="0" smtClean="0"/>
-              <a:t>algorithms</a:t>
-            </a:r>
-            <a:endParaRPr lang="en-US" altLang="en-US" dirty="0" smtClean="0"/>
+        <p:spPr>
+          <a:xfrm>
+            <a:off x="838200" y="1038352"/>
+            <a:ext cx="10464800" cy="5667248"/>
+          </a:xfrm>
+        </p:spPr>
+        <p:txBody>
+          <a:bodyPr>
+            <a:noAutofit/>
+          </a:bodyPr>
+          <a:lstStyle/>
+          <a:p>
+            <a:r>
+              <a:rPr lang="en-AU" altLang="en-US" dirty="0" smtClean="0"/>
+              <a:t>Early video cards</a:t>
+            </a:r>
+          </a:p>
+          <a:p>
+            <a:pPr lvl="1"/>
+            <a:r>
+              <a:rPr lang="en-AU" altLang="en-US" dirty="0" smtClean="0"/>
+              <a:t>Frame buffer memory with address generation for video output</a:t>
+            </a:r>
+          </a:p>
+          <a:p>
+            <a:r>
+              <a:rPr lang="en-AU" altLang="en-US" dirty="0" smtClean="0"/>
+              <a:t>3D graphics processing</a:t>
+            </a:r>
+          </a:p>
+          <a:p>
+            <a:pPr lvl="1"/>
+            <a:r>
+              <a:rPr lang="en-AU" altLang="en-US" dirty="0" smtClean="0"/>
+              <a:t>Originally high-end computers (e.g., SGI)</a:t>
+            </a:r>
+          </a:p>
+          <a:p>
+            <a:pPr lvl="1"/>
+            <a:r>
+              <a:rPr lang="en-AU" altLang="en-US" dirty="0" smtClean="0"/>
+              <a:t>Moore’s Law </a:t>
+            </a:r>
+            <a:r>
+              <a:rPr lang="en-AU" altLang="en-US" dirty="0" smtClean="0">
+                <a:sym typeface="Symbol" pitchFamily="18" charset="2"/>
+              </a:rPr>
+              <a:t> lower cost, higher density</a:t>
+            </a:r>
+          </a:p>
+          <a:p>
+            <a:pPr lvl="1"/>
+            <a:r>
+              <a:rPr lang="en-AU" altLang="en-US" dirty="0" smtClean="0">
+                <a:sym typeface="Symbol" pitchFamily="18" charset="2"/>
+              </a:rPr>
+              <a:t>3D graphics cards for PCs and game consoles</a:t>
+            </a:r>
+          </a:p>
+          <a:p>
+            <a:r>
+              <a:rPr lang="en-AU" altLang="en-US" dirty="0" smtClean="0">
+                <a:sym typeface="Symbol" pitchFamily="18" charset="2"/>
+              </a:rPr>
+              <a:t>Graphics Processing Units</a:t>
+            </a:r>
+          </a:p>
+          <a:p>
+            <a:pPr lvl="1"/>
+            <a:r>
+              <a:rPr lang="en-AU" altLang="en-US" dirty="0" smtClean="0">
+                <a:sym typeface="Symbol" pitchFamily="18" charset="2"/>
+              </a:rPr>
+              <a:t>Processors oriented to 3D graphics tasks</a:t>
+            </a:r>
+          </a:p>
+          <a:p>
+            <a:pPr lvl="1"/>
+            <a:r>
+              <a:rPr lang="en-AU" altLang="en-US" dirty="0" smtClean="0">
+                <a:sym typeface="Symbol" pitchFamily="18" charset="2"/>
+              </a:rPr>
+              <a:t>Vertex/pixel processing, shading, texture mapping,</a:t>
+            </a:r>
+            <a:r>
+              <a:rPr lang="ru-RU" altLang="en-US" dirty="0" smtClean="0">
+                <a:sym typeface="Symbol" pitchFamily="18" charset="2"/>
+              </a:rPr>
+              <a:t> </a:t>
+            </a:r>
+            <a:r>
+              <a:rPr lang="en-AU" altLang="en-US" dirty="0" err="1" smtClean="0">
+                <a:sym typeface="Symbol" pitchFamily="18" charset="2"/>
+              </a:rPr>
+              <a:t>rasterization</a:t>
+            </a:r>
+            <a:endParaRPr lang="en-AU" altLang="en-US" dirty="0" smtClean="0">
+              <a:sym typeface="Symbol" pitchFamily="18" charset="2"/>
+            </a:endParaRPr>
           </a:p>
         </p:txBody>
       </p:sp>
@@ -4494,8 +4628,8 @@
           <a:lstStyle/>
           <a:p>
             <a:r>
-              <a:rPr lang="en-US" altLang="en-US" dirty="0" smtClean="0"/>
-              <a:t>Page Fault Penalty</a:t>
+              <a:rPr lang="en-AU" altLang="en-US" dirty="0" smtClean="0"/>
+              <a:t>History of GPUs</a:t>
             </a:r>
             <a:endParaRPr lang="ru-RU" dirty="0"/>
           </a:p>
@@ -4538,80 +4672,21 @@
         </p:nvSpPr>
         <p:spPr>
           <a:xfrm>
-            <a:off x="838200" y="1178052"/>
-            <a:ext cx="10629900" cy="5387847"/>
+            <a:off x="838200" y="1178053"/>
+            <a:ext cx="10515600" cy="942847"/>
           </a:xfrm>
         </p:spPr>
         <p:txBody>
-          <a:bodyPr>
-            <a:normAutofit/>
-          </a:bodyPr>
-          <a:lstStyle/>
-          <a:p>
-            <a:r>
-              <a:rPr lang="en-US" altLang="en-US" dirty="0" smtClean="0"/>
-              <a:t>To reduce page fault rate, prefer least-recently used (LRU) replacement</a:t>
-            </a:r>
-          </a:p>
-          <a:p>
-            <a:pPr lvl="1"/>
-            <a:r>
-              <a:rPr lang="en-US" altLang="en-US" dirty="0" smtClean="0"/>
-              <a:t>Reference bit (aka use bit) in PTE set to 1 on access to page</a:t>
-            </a:r>
-          </a:p>
-          <a:p>
-            <a:pPr lvl="1"/>
-            <a:r>
-              <a:rPr lang="en-US" altLang="en-US" dirty="0" smtClean="0"/>
-              <a:t>Periodically cleared to 0 by OS</a:t>
-            </a:r>
-          </a:p>
-          <a:p>
-            <a:pPr lvl="1"/>
-            <a:r>
-              <a:rPr lang="en-US" altLang="en-US" dirty="0" smtClean="0"/>
-              <a:t>A page with reference bit = 0 has not been used recently</a:t>
-            </a:r>
-          </a:p>
-          <a:p>
-            <a:r>
-              <a:rPr lang="en-US" altLang="en-US" dirty="0" smtClean="0"/>
-              <a:t>Disk writes take millions of cycles</a:t>
-            </a:r>
-          </a:p>
-          <a:p>
-            <a:pPr lvl="1"/>
-            <a:r>
-              <a:rPr lang="en-US" altLang="en-US" dirty="0" smtClean="0"/>
-              <a:t>Block at once, not individual locations</a:t>
-            </a:r>
-          </a:p>
-          <a:p>
-            <a:pPr lvl="1"/>
-            <a:r>
-              <a:rPr lang="en-US" altLang="en-US" dirty="0" smtClean="0"/>
-              <a:t>Write through is impractical</a:t>
-            </a:r>
-          </a:p>
-          <a:p>
-            <a:pPr lvl="1"/>
-            <a:r>
-              <a:rPr lang="en-US" altLang="en-US" dirty="0" smtClean="0"/>
-              <a:t>Use write-back</a:t>
-            </a:r>
-          </a:p>
-          <a:p>
-            <a:pPr lvl="1"/>
-            <a:r>
-              <a:rPr lang="en-US" altLang="en-US" dirty="0" smtClean="0"/>
-              <a:t>Dirty bit in PTE set when page is </a:t>
-            </a:r>
-            <a:r>
-              <a:rPr lang="en-US" altLang="en-US" dirty="0" smtClean="0"/>
-              <a:t>written</a:t>
-            </a:r>
-            <a:endParaRPr lang="en-AU" altLang="en-US" dirty="0" smtClean="0"/>
+          <a:bodyPr/>
+          <a:lstStyle/>
+          <a:p>
+            <a:r>
+              <a:rPr lang="en-US" dirty="0" smtClean="0"/>
+              <a:t>Multiple SIMD processors, each as shown:</a:t>
+            </a:r>
+          </a:p>
+          <a:p>
+            <a:endParaRPr lang="ru-RU" dirty="0"/>
           </a:p>
         </p:txBody>
       </p:sp>
@@ -4656,13 +4731,45 @@
           <a:lstStyle/>
           <a:p>
             <a:r>
-              <a:rPr lang="en-US" altLang="en-US" dirty="0" smtClean="0"/>
-              <a:t>Replacement and Writes</a:t>
+              <a:rPr lang="en-AU" altLang="en-US" dirty="0" smtClean="0"/>
+              <a:t>Example: NVIDIA Fermi</a:t>
             </a:r>
             <a:endParaRPr lang="ru-RU" dirty="0"/>
           </a:p>
         </p:txBody>
       </p:sp>
+      <p:pic>
+        <p:nvPicPr>
+          <p:cNvPr id="6" name="Picture 1"/>
+          <p:cNvPicPr>
+            <a:picLocks noChangeAspect="1"/>
+          </p:cNvPicPr>
+          <p:nvPr/>
+        </p:nvPicPr>
+        <p:blipFill>
+          <a:blip r:embed="rId2" cstate="print"/>
+          <a:srcRect/>
+          <a:stretch>
+            <a:fillRect/>
+          </a:stretch>
+        </p:blipFill>
+        <p:spPr bwMode="auto">
+          <a:xfrm>
+            <a:off x="2368550" y="2119313"/>
+            <a:ext cx="8112125" cy="4249737"/>
+          </a:xfrm>
+          <a:prstGeom prst="rect">
+            <a:avLst/>
+          </a:prstGeom>
+          <a:noFill/>
+          <a:ln w="9525">
+            <a:noFill/>
+            <a:miter lim="800000"/>
+            <a:headEnd/>
+            <a:tailEnd/>
+          </a:ln>
+        </p:spPr>
+      </p:pic>
     </p:spTree>
   </p:cSld>
   <p:clrMapOvr>
@@ -4698,75 +4805,53 @@
             <p:ph idx="1"/>
           </p:nvPr>
         </p:nvSpPr>
-        <p:spPr>
-          <a:xfrm>
-            <a:off x="838200" y="1178052"/>
-            <a:ext cx="10515600" cy="5464047"/>
-          </a:xfrm>
-        </p:spPr>
-        <p:txBody>
-          <a:bodyPr>
-            <a:normAutofit/>
-          </a:bodyPr>
-          <a:lstStyle/>
-          <a:p>
-            <a:r>
-              <a:rPr lang="en-US" altLang="en-US" dirty="0" smtClean="0"/>
-              <a:t>Address translation would appear to require extra memory references</a:t>
+        <p:spPr/>
+        <p:txBody>
+          <a:bodyPr/>
+          <a:lstStyle/>
+          <a:p>
+            <a:r>
+              <a:rPr lang="en-AU" altLang="en-US" dirty="0" smtClean="0"/>
+              <a:t>SIMD Processor: 16 SIMD lanes</a:t>
+            </a:r>
+          </a:p>
+          <a:p>
+            <a:r>
+              <a:rPr lang="en-AU" altLang="en-US" dirty="0" smtClean="0"/>
+              <a:t>SIMD instruction</a:t>
             </a:r>
           </a:p>
           <a:p>
             <a:pPr lvl="1"/>
             <a:r>
-              <a:rPr lang="en-US" altLang="en-US" dirty="0" smtClean="0"/>
-              <a:t>One to access the PTE</a:t>
+              <a:rPr lang="en-AU" altLang="en-US" dirty="0" smtClean="0"/>
+              <a:t>Operates on 32 element wide threads</a:t>
             </a:r>
           </a:p>
           <a:p>
             <a:pPr lvl="1"/>
             <a:r>
-              <a:rPr lang="en-US" altLang="en-US" dirty="0" smtClean="0"/>
-              <a:t>Then the actual memory access</a:t>
-            </a:r>
-          </a:p>
-          <a:p>
-            <a:r>
-              <a:rPr lang="en-US" altLang="en-US" dirty="0" smtClean="0"/>
-              <a:t>But access to page tables has good locality</a:t>
+              <a:rPr lang="en-AU" altLang="en-US" dirty="0" smtClean="0"/>
+              <a:t>Dynamically scheduled on 16-wide processor over 2 cycles</a:t>
+            </a:r>
+          </a:p>
+          <a:p>
+            <a:r>
+              <a:rPr lang="en-AU" altLang="en-US" dirty="0" smtClean="0"/>
+              <a:t>32K x 32-bit registers spread across lanes</a:t>
             </a:r>
           </a:p>
           <a:p>
             <a:pPr lvl="1"/>
             <a:r>
-              <a:rPr lang="en-US" altLang="en-US" dirty="0" smtClean="0"/>
-              <a:t>So use a fast cache of PTEs within the CPU</a:t>
-            </a:r>
-          </a:p>
-          <a:p>
-            <a:pPr lvl="1"/>
-            <a:r>
-              <a:rPr lang="en-US" altLang="en-US" dirty="0" smtClean="0"/>
-              <a:t>Called a Translation Look-aside Buffer (TLB)</a:t>
-            </a:r>
-          </a:p>
-          <a:p>
-            <a:pPr lvl="1"/>
-            <a:r>
-              <a:rPr lang="en-US" altLang="en-US" dirty="0" smtClean="0"/>
-              <a:t>Typical: 16–512 PTEs, 0.5–1 cycle for hit, 10–100 cycles for miss, 0.01%–1% miss rate</a:t>
-            </a:r>
-          </a:p>
-          <a:p>
-            <a:pPr lvl="1"/>
-            <a:r>
-              <a:rPr lang="en-US" altLang="en-US" dirty="0" smtClean="0"/>
-              <a:t>Misses could be handled by hardware or </a:t>
-            </a:r>
-            <a:r>
-              <a:rPr lang="en-US" altLang="en-US" dirty="0" smtClean="0"/>
-              <a:t>software</a:t>
-            </a:r>
-            <a:endParaRPr lang="en-US" altLang="en-US" dirty="0" smtClean="0"/>
+              <a:rPr lang="en-AU" altLang="en-US" dirty="0" smtClean="0"/>
+              <a:t>64 registers per thread </a:t>
+            </a:r>
+            <a:r>
+              <a:rPr lang="en-AU" altLang="en-US" dirty="0" smtClean="0"/>
+              <a:t>context</a:t>
+            </a:r>
+            <a:endParaRPr lang="en-AU" altLang="en-US" dirty="0" smtClean="0"/>
           </a:p>
         </p:txBody>
       </p:sp>
@@ -4811,8 +4896,8 @@
           <a:lstStyle/>
           <a:p>
             <a:r>
-              <a:rPr lang="en-US" altLang="en-US" dirty="0" smtClean="0"/>
-              <a:t>Fast Translation Using a TLB</a:t>
+              <a:rPr lang="en-AU" altLang="en-US" dirty="0" smtClean="0"/>
+              <a:t>Example: NVIDIA Fermi</a:t>
             </a:r>
             <a:endParaRPr lang="ru-RU" dirty="0"/>
           </a:p>
@@ -4885,7 +4970,7 @@
           <a:p>
             <a:r>
               <a:rPr lang="en-US" altLang="en-US" dirty="0" smtClean="0"/>
-              <a:t>Fast Translation Using a TLB</a:t>
+              <a:t>GPU Memory Structures</a:t>
             </a:r>
             <a:endParaRPr lang="ru-RU" dirty="0"/>
           </a:p>
@@ -4893,7 +4978,7 @@
       </p:sp>
       <p:pic>
         <p:nvPicPr>
-          <p:cNvPr id="5" name="Picture 5" descr="f05-23-P374493"/>
+          <p:cNvPr id="5" name="Picture 2"/>
           <p:cNvPicPr>
             <a:picLocks noChangeAspect="1" noChangeArrowheads="1"/>
           </p:cNvPicPr>
@@ -4908,8 +4993,8 @@
         </p:blipFill>
         <p:spPr bwMode="auto">
           <a:xfrm>
-            <a:off x="2187568" y="1128704"/>
-            <a:ext cx="7834595" cy="5524816"/>
+            <a:off x="3473450" y="1268413"/>
+            <a:ext cx="5538788" cy="4883150"/>
           </a:xfrm>
           <a:prstGeom prst="rect">
             <a:avLst/>
@@ -4960,8 +5045,8 @@
         </p:nvSpPr>
         <p:spPr>
           <a:xfrm>
-            <a:off x="838200" y="1178052"/>
-            <a:ext cx="10515600" cy="5400547"/>
+            <a:off x="838200" y="1178053"/>
+            <a:ext cx="4140200" cy="4997896"/>
           </a:xfrm>
         </p:spPr>
         <p:txBody>
@@ -4969,69 +5054,32 @@
           <a:lstStyle/>
           <a:p>
             <a:r>
+              <a:rPr lang="en-US" altLang="en-US" b="1" dirty="0" smtClean="0">
+                <a:solidFill>
+                  <a:srgbClr val="F7B217"/>
+                </a:solidFill>
+              </a:rPr>
+              <a:t>SIMD</a:t>
+            </a:r>
+            <a:r>
               <a:rPr lang="en-US" altLang="en-US" dirty="0" smtClean="0"/>
-              <a:t>If page is in memory</a:t>
-            </a:r>
-          </a:p>
-          <a:p>
-            <a:pPr lvl="1"/>
+              <a:t> and </a:t>
+            </a:r>
+            <a:r>
+              <a:rPr lang="en-US" altLang="en-US" b="1" dirty="0" smtClean="0">
+                <a:solidFill>
+                  <a:srgbClr val="F7B217"/>
+                </a:solidFill>
+              </a:rPr>
+              <a:t>vector</a:t>
+            </a:r>
             <a:r>
               <a:rPr lang="en-US" altLang="en-US" dirty="0" smtClean="0"/>
-              <a:t>Load the PTE from memory and retry</a:t>
-            </a:r>
-          </a:p>
-          <a:p>
-            <a:pPr lvl="1"/>
-            <a:r>
-              <a:rPr lang="en-US" altLang="en-US" dirty="0" smtClean="0"/>
-              <a:t>Could be handled in hardware</a:t>
-            </a:r>
-          </a:p>
-          <a:p>
-            <a:pPr lvl="2"/>
-            <a:r>
-              <a:rPr lang="en-US" altLang="en-US" sz="2800" dirty="0" smtClean="0"/>
-              <a:t>Can get complex for more complicated page table structures</a:t>
-            </a:r>
-          </a:p>
-          <a:p>
-            <a:pPr lvl="1"/>
-            <a:r>
-              <a:rPr lang="en-US" altLang="en-US" dirty="0" smtClean="0"/>
-              <a:t>Or in software</a:t>
-            </a:r>
-          </a:p>
-          <a:p>
-            <a:pPr lvl="2"/>
-            <a:r>
-              <a:rPr lang="en-US" altLang="en-US" sz="2800" dirty="0" smtClean="0"/>
-              <a:t>Raise a special exception, with optimized handler</a:t>
-            </a:r>
-          </a:p>
-          <a:p>
-            <a:r>
-              <a:rPr lang="en-US" altLang="en-US" dirty="0" smtClean="0"/>
-              <a:t>If page is not in memory (page fault)</a:t>
-            </a:r>
-          </a:p>
-          <a:p>
-            <a:pPr lvl="1"/>
-            <a:r>
-              <a:rPr lang="en-US" altLang="en-US" dirty="0" smtClean="0"/>
-              <a:t>OS handles fetching the page and updating the page table</a:t>
-            </a:r>
-          </a:p>
-          <a:p>
-            <a:pPr lvl="1"/>
-            <a:r>
-              <a:rPr lang="en-US" altLang="en-US" dirty="0" smtClean="0"/>
-              <a:t>Then restart the faulting </a:t>
-            </a:r>
-            <a:r>
-              <a:rPr lang="en-US" altLang="en-US" dirty="0" smtClean="0"/>
-              <a:t>instruction</a:t>
-            </a:r>
-            <a:endParaRPr lang="en-AU" altLang="en-US" dirty="0" smtClean="0"/>
+              <a:t> operations match multimedia applications and are easy to program</a:t>
+            </a:r>
+          </a:p>
+          <a:p>
+            <a:endParaRPr lang="ru-RU" dirty="0"/>
           </a:p>
         </p:txBody>
       </p:sp>
@@ -5077,12 +5125,44 @@
           <a:p>
             <a:r>
               <a:rPr lang="en-US" altLang="en-US" dirty="0" smtClean="0"/>
-              <a:t>TLB Misses</a:t>
+              <a:t>Concluding Remarks</a:t>
             </a:r>
             <a:endParaRPr lang="ru-RU" dirty="0"/>
           </a:p>
         </p:txBody>
       </p:sp>
+      <p:pic>
+        <p:nvPicPr>
+          <p:cNvPr id="5" name="Picture 2"/>
+          <p:cNvPicPr>
+            <a:picLocks noChangeAspect="1" noChangeArrowheads="1"/>
+          </p:cNvPicPr>
+          <p:nvPr/>
+        </p:nvPicPr>
+        <p:blipFill>
+          <a:blip r:embed="rId2" cstate="print"/>
+          <a:srcRect/>
+          <a:stretch>
+            <a:fillRect/>
+          </a:stretch>
+        </p:blipFill>
+        <p:spPr bwMode="auto">
+          <a:xfrm>
+            <a:off x="5411785" y="1055370"/>
+            <a:ext cx="5329714" cy="5574030"/>
+          </a:xfrm>
+          <a:prstGeom prst="rect">
+            <a:avLst/>
+          </a:prstGeom>
+          <a:noFill/>
+          <a:ln w="9525">
+            <a:noFill/>
+            <a:miter lim="800000"/>
+            <a:headEnd/>
+            <a:tailEnd/>
+          </a:ln>
+        </p:spPr>
+      </p:pic>
     </p:spTree>
   </p:cSld>
   <p:clrMapOvr>
@@ -5110,81 +5190,470 @@
       </p:grpSpPr>
       <p:sp>
         <p:nvSpPr>
-          <p:cNvPr id="2" name="Содержимое 1"/>
-          <p:cNvSpPr>
-            <a:spLocks noGrp="1"/>
-          </p:cNvSpPr>
-          <p:nvPr>
-            <p:ph idx="1"/>
+          <p:cNvPr id="4" name="Прямоугольник 3"/>
+          <p:cNvSpPr/>
+          <p:nvPr/>
+        </p:nvSpPr>
+        <p:spPr>
+          <a:xfrm>
+            <a:off x="2664999" y="472120"/>
+            <a:ext cx="7524751" cy="5262979"/>
+          </a:xfrm>
+          <a:prstGeom prst="rect">
+            <a:avLst/>
+          </a:prstGeom>
+          <a:noFill/>
+          <a:ln>
+            <a:noFill/>
+          </a:ln>
+          <a:scene3d>
+            <a:camera prst="perspectiveRelaxed"/>
+            <a:lightRig rig="threePt" dir="t"/>
+          </a:scene3d>
+        </p:spPr>
+        <p:txBody>
+          <a:bodyPr wrap="square" lIns="91440" tIns="45720" rIns="91440" bIns="45720">
+            <a:spAutoFit/>
+          </a:bodyPr>
+          <a:lstStyle/>
+          <a:p>
+            <a:r>
+              <a:rPr lang="en-US" sz="2400" dirty="0" smtClean="0">
+                <a:ln w="0"/>
+                <a:solidFill>
+                  <a:srgbClr val="273272"/>
+                </a:solidFill>
+                <a:effectLst>
+                  <a:reflection blurRad="6350" stA="53000" endA="300" endPos="35500" dir="5400000" sy="-90000" algn="bl" rotWithShape="0"/>
+                </a:effectLst>
+                <a:latin typeface="Courier New" pitchFamily="49" charset="0"/>
+                <a:cs typeface="Courier New" pitchFamily="49" charset="0"/>
+              </a:rPr>
+              <a:t>		</a:t>
+            </a:r>
+          </a:p>
+          <a:p>
+            <a:r>
+              <a:rPr lang="en-US" sz="2400" dirty="0" smtClean="0">
+                <a:ln w="0"/>
+                <a:solidFill>
+                  <a:srgbClr val="273272"/>
+                </a:solidFill>
+                <a:effectLst>
+                  <a:reflection blurRad="6350" stA="53000" endA="300" endPos="35500" dir="5400000" sy="-90000" algn="bl" rotWithShape="0"/>
+                </a:effectLst>
+                <a:latin typeface="Courier New" pitchFamily="49" charset="0"/>
+                <a:cs typeface="Courier New" pitchFamily="49" charset="0"/>
+              </a:rPr>
+              <a:t>		.text</a:t>
+            </a:r>
+          </a:p>
+          <a:p>
+            <a:r>
+              <a:rPr lang="en-US" sz="2400" dirty="0" smtClean="0">
+                <a:ln w="0"/>
+                <a:solidFill>
+                  <a:srgbClr val="273272"/>
+                </a:solidFill>
+                <a:effectLst>
+                  <a:reflection blurRad="6350" stA="53000" endA="300" endPos="35500" dir="5400000" sy="-90000" algn="bl" rotWithShape="0"/>
+                </a:effectLst>
+                <a:latin typeface="Courier New" pitchFamily="49" charset="0"/>
+                <a:cs typeface="Courier New" pitchFamily="49" charset="0"/>
+              </a:rPr>
+              <a:t>__start:	addi t1, zero, 0x18</a:t>
+            </a:r>
+          </a:p>
+          <a:p>
+            <a:r>
+              <a:rPr lang="en-US" sz="2400" dirty="0" smtClean="0">
+                <a:ln w="0"/>
+                <a:solidFill>
+                  <a:srgbClr val="273272"/>
+                </a:solidFill>
+                <a:effectLst>
+                  <a:reflection blurRad="6350" stA="53000" endA="300" endPos="35500" dir="5400000" sy="-90000" algn="bl" rotWithShape="0"/>
+                </a:effectLst>
+                <a:latin typeface="Courier New" pitchFamily="49" charset="0"/>
+                <a:cs typeface="Courier New" pitchFamily="49" charset="0"/>
+              </a:rPr>
+              <a:t>		addi t2, zero, 0x21</a:t>
+            </a:r>
+          </a:p>
+          <a:p>
+            <a:r>
+              <a:rPr lang="en-US" sz="2400" dirty="0" smtClean="0">
+                <a:ln w="0"/>
+                <a:solidFill>
+                  <a:srgbClr val="273272"/>
+                </a:solidFill>
+                <a:effectLst>
+                  <a:reflection blurRad="6350" stA="53000" endA="300" endPos="35500" dir="5400000" sy="-90000" algn="bl" rotWithShape="0"/>
+                </a:effectLst>
+                <a:latin typeface="Courier New" pitchFamily="49" charset="0"/>
+                <a:cs typeface="Courier New" pitchFamily="49" charset="0"/>
+              </a:rPr>
+              <a:t>cycle:	</a:t>
+            </a:r>
+            <a:r>
+              <a:rPr lang="en-US" sz="2400" dirty="0" err="1" smtClean="0">
+                <a:ln w="0"/>
+                <a:solidFill>
+                  <a:srgbClr val="273272"/>
+                </a:solidFill>
+                <a:effectLst>
+                  <a:reflection blurRad="6350" stA="53000" endA="300" endPos="35500" dir="5400000" sy="-90000" algn="bl" rotWithShape="0"/>
+                </a:effectLst>
+                <a:latin typeface="Courier New" pitchFamily="49" charset="0"/>
+                <a:cs typeface="Courier New" pitchFamily="49" charset="0"/>
+              </a:rPr>
+              <a:t>beq</a:t>
+            </a:r>
+            <a:r>
+              <a:rPr lang="en-US" sz="2400" dirty="0" smtClean="0">
+                <a:ln w="0"/>
+                <a:solidFill>
+                  <a:srgbClr val="273272"/>
+                </a:solidFill>
+                <a:effectLst>
+                  <a:reflection blurRad="6350" stA="53000" endA="300" endPos="35500" dir="5400000" sy="-90000" algn="bl" rotWithShape="0"/>
+                </a:effectLst>
+                <a:latin typeface="Courier New" pitchFamily="49" charset="0"/>
+                <a:cs typeface="Courier New" pitchFamily="49" charset="0"/>
+              </a:rPr>
+              <a:t> t1, t2, done</a:t>
+            </a:r>
+          </a:p>
+          <a:p>
+            <a:r>
+              <a:rPr lang="en-US" sz="2400" dirty="0" smtClean="0">
+                <a:ln w="0"/>
+                <a:solidFill>
+                  <a:srgbClr val="273272"/>
+                </a:solidFill>
+                <a:effectLst>
+                  <a:reflection blurRad="6350" stA="53000" endA="300" endPos="35500" dir="5400000" sy="-90000" algn="bl" rotWithShape="0"/>
+                </a:effectLst>
+                <a:latin typeface="Courier New" pitchFamily="49" charset="0"/>
+                <a:cs typeface="Courier New" pitchFamily="49" charset="0"/>
+              </a:rPr>
+              <a:t>		</a:t>
+            </a:r>
+            <a:r>
+              <a:rPr lang="en-US" sz="2400" dirty="0" err="1" smtClean="0">
+                <a:ln w="0"/>
+                <a:solidFill>
+                  <a:srgbClr val="273272"/>
+                </a:solidFill>
+                <a:effectLst>
+                  <a:reflection blurRad="6350" stA="53000" endA="300" endPos="35500" dir="5400000" sy="-90000" algn="bl" rotWithShape="0"/>
+                </a:effectLst>
+                <a:latin typeface="Courier New" pitchFamily="49" charset="0"/>
+                <a:cs typeface="Courier New" pitchFamily="49" charset="0"/>
+              </a:rPr>
+              <a:t>slt</a:t>
+            </a:r>
+            <a:r>
+              <a:rPr lang="en-US" sz="2400" dirty="0" smtClean="0">
+                <a:ln w="0"/>
+                <a:solidFill>
+                  <a:srgbClr val="273272"/>
+                </a:solidFill>
+                <a:effectLst>
+                  <a:reflection blurRad="6350" stA="53000" endA="300" endPos="35500" dir="5400000" sy="-90000" algn="bl" rotWithShape="0"/>
+                </a:effectLst>
+                <a:latin typeface="Courier New" pitchFamily="49" charset="0"/>
+                <a:cs typeface="Courier New" pitchFamily="49" charset="0"/>
+              </a:rPr>
+              <a:t> t0, t1, t2</a:t>
+            </a:r>
+          </a:p>
+          <a:p>
+            <a:r>
+              <a:rPr lang="en-US" sz="2400" dirty="0" smtClean="0">
+                <a:ln w="0"/>
+                <a:solidFill>
+                  <a:srgbClr val="273272"/>
+                </a:solidFill>
+                <a:effectLst>
+                  <a:reflection blurRad="6350" stA="53000" endA="300" endPos="35500" dir="5400000" sy="-90000" algn="bl" rotWithShape="0"/>
+                </a:effectLst>
+                <a:latin typeface="Courier New" pitchFamily="49" charset="0"/>
+                <a:cs typeface="Courier New" pitchFamily="49" charset="0"/>
+              </a:rPr>
+              <a:t>		</a:t>
+            </a:r>
+            <a:r>
+              <a:rPr lang="en-US" sz="2400" dirty="0" err="1" smtClean="0">
+                <a:ln w="0"/>
+                <a:solidFill>
+                  <a:srgbClr val="273272"/>
+                </a:solidFill>
+                <a:effectLst>
+                  <a:reflection blurRad="6350" stA="53000" endA="300" endPos="35500" dir="5400000" sy="-90000" algn="bl" rotWithShape="0"/>
+                </a:effectLst>
+                <a:latin typeface="Courier New" pitchFamily="49" charset="0"/>
+                <a:cs typeface="Courier New" pitchFamily="49" charset="0"/>
+              </a:rPr>
+              <a:t>bne</a:t>
+            </a:r>
+            <a:r>
+              <a:rPr lang="en-US" sz="2400" dirty="0" smtClean="0">
+                <a:ln w="0"/>
+                <a:solidFill>
+                  <a:srgbClr val="273272"/>
+                </a:solidFill>
+                <a:effectLst>
+                  <a:reflection blurRad="6350" stA="53000" endA="300" endPos="35500" dir="5400000" sy="-90000" algn="bl" rotWithShape="0"/>
+                </a:effectLst>
+                <a:latin typeface="Courier New" pitchFamily="49" charset="0"/>
+                <a:cs typeface="Courier New" pitchFamily="49" charset="0"/>
+              </a:rPr>
+              <a:t> t0, zero, </a:t>
+            </a:r>
+            <a:r>
+              <a:rPr lang="en-US" sz="2400" dirty="0" err="1" smtClean="0">
+                <a:ln w="0"/>
+                <a:solidFill>
+                  <a:srgbClr val="273272"/>
+                </a:solidFill>
+                <a:effectLst>
+                  <a:reflection blurRad="6350" stA="53000" endA="300" endPos="35500" dir="5400000" sy="-90000" algn="bl" rotWithShape="0"/>
+                </a:effectLst>
+                <a:latin typeface="Courier New" pitchFamily="49" charset="0"/>
+                <a:cs typeface="Courier New" pitchFamily="49" charset="0"/>
+              </a:rPr>
+              <a:t>if_less</a:t>
+            </a:r>
+            <a:endParaRPr lang="en-US" sz="2400" dirty="0" smtClean="0">
+              <a:ln w="0"/>
+              <a:solidFill>
+                <a:srgbClr val="273272"/>
+              </a:solidFill>
+              <a:effectLst>
+                <a:reflection blurRad="6350" stA="53000" endA="300" endPos="35500" dir="5400000" sy="-90000" algn="bl" rotWithShape="0"/>
+              </a:effectLst>
+              <a:latin typeface="Courier New" pitchFamily="49" charset="0"/>
+              <a:cs typeface="Courier New" pitchFamily="49" charset="0"/>
+            </a:endParaRPr>
+          </a:p>
+          <a:p>
+            <a:r>
+              <a:rPr lang="en-US" sz="2400" dirty="0" smtClean="0">
+                <a:ln w="0"/>
+                <a:solidFill>
+                  <a:srgbClr val="273272"/>
+                </a:solidFill>
+                <a:effectLst>
+                  <a:reflection blurRad="6350" stA="53000" endA="300" endPos="35500" dir="5400000" sy="-90000" algn="bl" rotWithShape="0"/>
+                </a:effectLst>
+                <a:latin typeface="Courier New" pitchFamily="49" charset="0"/>
+                <a:cs typeface="Courier New" pitchFamily="49" charset="0"/>
+              </a:rPr>
+              <a:t>		</a:t>
+            </a:r>
+            <a:r>
+              <a:rPr lang="en-US" sz="2400" dirty="0" err="1" smtClean="0">
+                <a:ln w="0"/>
+                <a:solidFill>
+                  <a:srgbClr val="273272"/>
+                </a:solidFill>
+                <a:effectLst>
+                  <a:reflection blurRad="6350" stA="53000" endA="300" endPos="35500" dir="5400000" sy="-90000" algn="bl" rotWithShape="0"/>
+                </a:effectLst>
+                <a:latin typeface="Courier New" pitchFamily="49" charset="0"/>
+                <a:cs typeface="Courier New" pitchFamily="49" charset="0"/>
+              </a:rPr>
+              <a:t>nop</a:t>
+            </a:r>
+            <a:endParaRPr lang="en-US" sz="2400" dirty="0" smtClean="0">
+              <a:ln w="0"/>
+              <a:solidFill>
+                <a:srgbClr val="273272"/>
+              </a:solidFill>
+              <a:effectLst>
+                <a:reflection blurRad="6350" stA="53000" endA="300" endPos="35500" dir="5400000" sy="-90000" algn="bl" rotWithShape="0"/>
+              </a:effectLst>
+              <a:latin typeface="Courier New" pitchFamily="49" charset="0"/>
+              <a:cs typeface="Courier New" pitchFamily="49" charset="0"/>
+            </a:endParaRPr>
+          </a:p>
+          <a:p>
+            <a:r>
+              <a:rPr lang="en-US" sz="2400" dirty="0" smtClean="0">
+                <a:ln w="0"/>
+                <a:solidFill>
+                  <a:srgbClr val="273272"/>
+                </a:solidFill>
+                <a:effectLst>
+                  <a:reflection blurRad="6350" stA="53000" endA="300" endPos="35500" dir="5400000" sy="-90000" algn="bl" rotWithShape="0"/>
+                </a:effectLst>
+                <a:latin typeface="Courier New" pitchFamily="49" charset="0"/>
+                <a:cs typeface="Courier New" pitchFamily="49" charset="0"/>
+              </a:rPr>
+              <a:t>		sub t1, t1, t2</a:t>
+            </a:r>
+          </a:p>
+          <a:p>
+            <a:r>
+              <a:rPr lang="en-US" sz="2400" dirty="0" smtClean="0">
+                <a:ln w="0"/>
+                <a:solidFill>
+                  <a:srgbClr val="273272"/>
+                </a:solidFill>
+                <a:effectLst>
+                  <a:reflection blurRad="6350" stA="53000" endA="300" endPos="35500" dir="5400000" sy="-90000" algn="bl" rotWithShape="0"/>
+                </a:effectLst>
+                <a:latin typeface="Courier New" pitchFamily="49" charset="0"/>
+                <a:cs typeface="Courier New" pitchFamily="49" charset="0"/>
+              </a:rPr>
+              <a:t>		j cycle</a:t>
+            </a:r>
+          </a:p>
+          <a:p>
+            <a:r>
+              <a:rPr lang="en-US" sz="2400" dirty="0" smtClean="0">
+                <a:ln w="0"/>
+                <a:solidFill>
+                  <a:srgbClr val="273272"/>
+                </a:solidFill>
+                <a:effectLst>
+                  <a:reflection blurRad="6350" stA="53000" endA="300" endPos="35500" dir="5400000" sy="-90000" algn="bl" rotWithShape="0"/>
+                </a:effectLst>
+                <a:latin typeface="Courier New" pitchFamily="49" charset="0"/>
+                <a:cs typeface="Courier New" pitchFamily="49" charset="0"/>
+              </a:rPr>
+              <a:t>		</a:t>
+            </a:r>
+            <a:r>
+              <a:rPr lang="en-US" sz="2400" dirty="0" err="1" smtClean="0">
+                <a:ln w="0"/>
+                <a:solidFill>
+                  <a:srgbClr val="273272"/>
+                </a:solidFill>
+                <a:effectLst>
+                  <a:reflection blurRad="6350" stA="53000" endA="300" endPos="35500" dir="5400000" sy="-90000" algn="bl" rotWithShape="0"/>
+                </a:effectLst>
+                <a:latin typeface="Courier New" pitchFamily="49" charset="0"/>
+                <a:cs typeface="Courier New" pitchFamily="49" charset="0"/>
+              </a:rPr>
+              <a:t>nop</a:t>
+            </a:r>
+            <a:endParaRPr lang="en-US" sz="2400" dirty="0" smtClean="0">
+              <a:ln w="0"/>
+              <a:solidFill>
+                <a:srgbClr val="273272"/>
+              </a:solidFill>
+              <a:effectLst>
+                <a:reflection blurRad="6350" stA="53000" endA="300" endPos="35500" dir="5400000" sy="-90000" algn="bl" rotWithShape="0"/>
+              </a:effectLst>
+              <a:latin typeface="Courier New" pitchFamily="49" charset="0"/>
+              <a:cs typeface="Courier New" pitchFamily="49" charset="0"/>
+            </a:endParaRPr>
+          </a:p>
+          <a:p>
+            <a:r>
+              <a:rPr lang="en-US" sz="2400" dirty="0" err="1" smtClean="0">
+                <a:ln w="0"/>
+                <a:solidFill>
+                  <a:srgbClr val="273272"/>
+                </a:solidFill>
+                <a:effectLst>
+                  <a:reflection blurRad="6350" stA="53000" endA="300" endPos="35500" dir="5400000" sy="-90000" algn="bl" rotWithShape="0"/>
+                </a:effectLst>
+                <a:latin typeface="Courier New" pitchFamily="49" charset="0"/>
+                <a:cs typeface="Courier New" pitchFamily="49" charset="0"/>
+              </a:rPr>
+              <a:t>if_less</a:t>
+            </a:r>
+            <a:r>
+              <a:rPr lang="en-US" sz="2400" dirty="0" smtClean="0">
+                <a:ln w="0"/>
+                <a:solidFill>
+                  <a:srgbClr val="273272"/>
+                </a:solidFill>
+                <a:effectLst>
+                  <a:reflection blurRad="6350" stA="53000" endA="300" endPos="35500" dir="5400000" sy="-90000" algn="bl" rotWithShape="0"/>
+                </a:effectLst>
+                <a:latin typeface="Courier New" pitchFamily="49" charset="0"/>
+                <a:cs typeface="Courier New" pitchFamily="49" charset="0"/>
+              </a:rPr>
+              <a:t>:	sub t2, t2, t1</a:t>
+            </a:r>
+          </a:p>
+          <a:p>
+            <a:r>
+              <a:rPr lang="en-US" sz="2400" dirty="0" smtClean="0">
+                <a:ln w="0"/>
+                <a:solidFill>
+                  <a:srgbClr val="273272"/>
+                </a:solidFill>
+                <a:effectLst>
+                  <a:reflection blurRad="6350" stA="53000" endA="300" endPos="35500" dir="5400000" sy="-90000" algn="bl" rotWithShape="0"/>
+                </a:effectLst>
+                <a:latin typeface="Courier New" pitchFamily="49" charset="0"/>
+                <a:cs typeface="Courier New" pitchFamily="49" charset="0"/>
+              </a:rPr>
+              <a:t>		j cycle</a:t>
+            </a:r>
+          </a:p>
+          <a:p>
+            <a:r>
+              <a:rPr lang="en-US" sz="2400" dirty="0" smtClean="0">
+                <a:ln w="0"/>
+                <a:solidFill>
+                  <a:srgbClr val="273272"/>
+                </a:solidFill>
+                <a:effectLst>
+                  <a:reflection blurRad="6350" stA="53000" endA="300" endPos="35500" dir="5400000" sy="-90000" algn="bl" rotWithShape="0"/>
+                </a:effectLst>
+                <a:latin typeface="Courier New" pitchFamily="49" charset="0"/>
+                <a:cs typeface="Courier New" pitchFamily="49" charset="0"/>
+              </a:rPr>
+              <a:t>done:		add t3, t1, zero</a:t>
+            </a:r>
+            <a:endParaRPr lang="ru-RU" sz="2400" b="0" cap="none" spc="0" dirty="0">
+              <a:ln w="0"/>
+              <a:solidFill>
+                <a:srgbClr val="273272"/>
+              </a:solidFill>
+              <a:effectLst>
+                <a:reflection blurRad="6350" stA="53000" endA="300" endPos="35500" dir="5400000" sy="-90000" algn="bl" rotWithShape="0"/>
+              </a:effectLst>
+              <a:latin typeface="Courier New" pitchFamily="49" charset="0"/>
+              <a:cs typeface="Courier New" pitchFamily="49" charset="0"/>
+            </a:endParaRPr>
+          </a:p>
+        </p:txBody>
+      </p:sp>
+      <p:sp>
+        <p:nvSpPr>
+          <p:cNvPr id="2" name="Заголовок 1"/>
+          <p:cNvSpPr>
+            <a:spLocks noGrp="1"/>
+          </p:cNvSpPr>
+          <p:nvPr>
+            <p:ph type="title"/>
           </p:nvPr>
         </p:nvSpPr>
         <p:spPr/>
         <p:txBody>
-          <a:bodyPr/>
-          <a:lstStyle/>
-          <a:p>
-            <a:r>
-              <a:rPr lang="en-AU" altLang="en-US" dirty="0" smtClean="0"/>
-              <a:t>TLB miss indicates</a:t>
-            </a:r>
-          </a:p>
-          <a:p>
-            <a:pPr lvl="1"/>
-            <a:r>
-              <a:rPr lang="en-AU" altLang="en-US" dirty="0" smtClean="0"/>
-              <a:t>Page present, but PTE not in TLB</a:t>
-            </a:r>
-          </a:p>
-          <a:p>
-            <a:pPr lvl="1"/>
-            <a:r>
-              <a:rPr lang="en-AU" altLang="en-US" dirty="0" smtClean="0"/>
-              <a:t>Page not preset</a:t>
-            </a:r>
-          </a:p>
-          <a:p>
-            <a:r>
-              <a:rPr lang="en-AU" altLang="en-US" dirty="0" smtClean="0"/>
-              <a:t>Must recognize TLB miss before destination register overwritten</a:t>
-            </a:r>
-          </a:p>
-          <a:p>
-            <a:pPr lvl="1"/>
-            <a:r>
-              <a:rPr lang="en-AU" altLang="en-US" dirty="0" smtClean="0"/>
-              <a:t>Raise exception</a:t>
-            </a:r>
-          </a:p>
-          <a:p>
-            <a:r>
-              <a:rPr lang="en-AU" altLang="en-US" dirty="0" smtClean="0"/>
-              <a:t>Handler copies PTE from memory to TLB</a:t>
-            </a:r>
-          </a:p>
-          <a:p>
-            <a:pPr lvl="1"/>
-            <a:r>
-              <a:rPr lang="en-AU" altLang="en-US" dirty="0" smtClean="0"/>
-              <a:t>Then restarts instruction</a:t>
-            </a:r>
-          </a:p>
-          <a:p>
-            <a:pPr lvl="1"/>
-            <a:r>
-              <a:rPr lang="en-AU" altLang="en-US" dirty="0" smtClean="0"/>
-              <a:t>If page not present, page fault will </a:t>
-            </a:r>
-            <a:r>
-              <a:rPr lang="en-AU" altLang="en-US" dirty="0" smtClean="0"/>
-              <a:t>occur</a:t>
-            </a:r>
-            <a:endParaRPr lang="en-AU" altLang="en-US" dirty="0" smtClean="0"/>
-          </a:p>
-        </p:txBody>
-      </p:sp>
-      <p:sp>
-        <p:nvSpPr>
-          <p:cNvPr id="3" name="Номер слайда 2"/>
+          <a:bodyPr>
+            <a:normAutofit/>
+          </a:bodyPr>
+          <a:lstStyle/>
+          <a:p>
+            <a:r>
+              <a:rPr lang="en-US" dirty="0" smtClean="0"/>
+              <a:t>Any Questions?</a:t>
+            </a:r>
+            <a:endParaRPr lang="ru-RU" sz="4000" dirty="0"/>
+          </a:p>
+        </p:txBody>
+      </p:sp>
+      <p:sp>
+        <p:nvSpPr>
+          <p:cNvPr id="6" name="Номер слайда 5"/>
           <p:cNvSpPr>
             <a:spLocks noGrp="1"/>
           </p:cNvSpPr>
@@ -5207,566 +5676,23 @@
           </a:p>
         </p:txBody>
       </p:sp>
-      <p:sp>
-        <p:nvSpPr>
-          <p:cNvPr id="4" name="Заголовок 3"/>
-          <p:cNvSpPr>
-            <a:spLocks noGrp="1"/>
-          </p:cNvSpPr>
-          <p:nvPr>
-            <p:ph type="title"/>
-          </p:nvPr>
-        </p:nvSpPr>
-        <p:spPr/>
-        <p:txBody>
-          <a:bodyPr/>
-          <a:lstStyle/>
-          <a:p>
-            <a:r>
-              <a:rPr lang="en-AU" altLang="en-US" dirty="0" smtClean="0"/>
-              <a:t>TLB Miss Handler</a:t>
-            </a:r>
-            <a:endParaRPr lang="ru-RU" dirty="0"/>
-          </a:p>
-        </p:txBody>
-      </p:sp>
     </p:spTree>
+    <p:extLst>
+      <p:ext uri="{BB962C8B-B14F-4D97-AF65-F5344CB8AC3E}">
+        <p14:creationId xmlns="" xmlns:p14="http://schemas.microsoft.com/office/powerpoint/2010/main" val="4217875043"/>
+      </p:ext>
+    </p:extLst>
   </p:cSld>
   <p:clrMapOvr>
     <a:masterClrMapping/>
   </p:clrMapOvr>
-</p:sld>
-</file>
-
-<file path=ppt/slides/slide17.xml><?xml version="1.0" encoding="utf-8"?>
-<p:sld xmlns:a="http://schemas.openxmlformats.org/drawingml/2006/main" xmlns:r="http://schemas.openxmlformats.org/officeDocument/2006/relationships" xmlns:p="http://schemas.openxmlformats.org/presentationml/2006/main">
-  <p:cSld>
-    <p:spTree>
-      <p:nvGrpSpPr>
-        <p:cNvPr id="1" name=""/>
-        <p:cNvGrpSpPr/>
-        <p:nvPr/>
-      </p:nvGrpSpPr>
-      <p:grpSpPr>
-        <a:xfrm>
-          <a:off x="0" y="0"/>
-          <a:ext cx="0" cy="0"/>
-          <a:chOff x="0" y="0"/>
-          <a:chExt cx="0" cy="0"/>
-        </a:xfrm>
-      </p:grpSpPr>
-      <p:sp>
-        <p:nvSpPr>
-          <p:cNvPr id="2" name="Содержимое 1"/>
-          <p:cNvSpPr>
-            <a:spLocks noGrp="1"/>
-          </p:cNvSpPr>
-          <p:nvPr>
-            <p:ph idx="1"/>
-          </p:nvPr>
-        </p:nvSpPr>
-        <p:spPr>
-          <a:xfrm>
-            <a:off x="838200" y="1190752"/>
-            <a:ext cx="4038600" cy="5324347"/>
-          </a:xfrm>
-        </p:spPr>
-        <p:txBody>
-          <a:bodyPr>
-            <a:normAutofit/>
-          </a:bodyPr>
-          <a:lstStyle/>
-          <a:p>
-            <a:r>
-              <a:rPr lang="en-US" altLang="en-US" sz="3200" dirty="0" smtClean="0"/>
-              <a:t>If cache tag uses </a:t>
-            </a:r>
-            <a:r>
-              <a:rPr lang="en-US" altLang="en-US" sz="3200" b="1" dirty="0" smtClean="0"/>
-              <a:t>physical address</a:t>
-            </a:r>
-          </a:p>
-          <a:p>
-            <a:pPr lvl="1"/>
-            <a:r>
-              <a:rPr lang="en-US" altLang="en-US" sz="2800" dirty="0" smtClean="0"/>
-              <a:t>Need to translate before cache lookup</a:t>
-            </a:r>
-          </a:p>
-          <a:p>
-            <a:r>
-              <a:rPr lang="en-US" altLang="en-US" sz="3200" dirty="0" smtClean="0"/>
-              <a:t>Alternative: use </a:t>
-            </a:r>
-            <a:r>
-              <a:rPr lang="en-US" altLang="en-US" sz="3200" b="1" dirty="0" smtClean="0"/>
-              <a:t>virtual address</a:t>
-            </a:r>
-            <a:r>
-              <a:rPr lang="en-US" altLang="en-US" sz="3200" dirty="0" smtClean="0"/>
-              <a:t> tag</a:t>
-            </a:r>
-          </a:p>
-          <a:p>
-            <a:pPr lvl="1"/>
-            <a:r>
-              <a:rPr lang="en-US" altLang="en-US" sz="2800" dirty="0" smtClean="0"/>
-              <a:t>Complications due to aliasing</a:t>
-            </a:r>
-          </a:p>
-          <a:p>
-            <a:pPr lvl="2"/>
-            <a:r>
-              <a:rPr lang="en-US" altLang="en-US" dirty="0" smtClean="0"/>
-              <a:t>Different virtual addresses for shared physical </a:t>
-            </a:r>
-            <a:r>
-              <a:rPr lang="en-US" altLang="en-US" dirty="0" smtClean="0"/>
-              <a:t>address</a:t>
-            </a:r>
-            <a:endParaRPr lang="ru-RU" sz="2000" dirty="0"/>
-          </a:p>
-        </p:txBody>
-      </p:sp>
-      <p:sp>
-        <p:nvSpPr>
-          <p:cNvPr id="3" name="Номер слайда 2"/>
-          <p:cNvSpPr>
-            <a:spLocks noGrp="1"/>
-          </p:cNvSpPr>
-          <p:nvPr>
-            <p:ph type="sldNum" sz="quarter" idx="12"/>
-          </p:nvPr>
-        </p:nvSpPr>
-        <p:spPr/>
-        <p:txBody>
-          <a:bodyPr/>
-          <a:lstStyle/>
-          <a:p>
-            <a:pPr algn="ctr"/>
-            <a:fld id="{1397BFD8-F312-4EF2-A268-44FB4BDDBBB0}" type="slidenum">
-              <a:rPr lang="ru-RU" smtClean="0"/>
-              <a:pPr algn="ctr"/>
-              <a:t>17</a:t>
-            </a:fld>
-            <a:endParaRPr lang="ru-RU" dirty="0"/>
-          </a:p>
-        </p:txBody>
-      </p:sp>
-      <p:sp>
-        <p:nvSpPr>
-          <p:cNvPr id="4" name="Заголовок 3"/>
-          <p:cNvSpPr>
-            <a:spLocks noGrp="1"/>
-          </p:cNvSpPr>
-          <p:nvPr>
-            <p:ph type="title"/>
-          </p:nvPr>
-        </p:nvSpPr>
-        <p:spPr/>
-        <p:txBody>
-          <a:bodyPr/>
-          <a:lstStyle/>
-          <a:p>
-            <a:r>
-              <a:rPr lang="en-US" altLang="en-US" dirty="0" smtClean="0"/>
-              <a:t>TLB and Cache Interaction</a:t>
-            </a:r>
-            <a:endParaRPr lang="ru-RU" dirty="0"/>
-          </a:p>
-        </p:txBody>
-      </p:sp>
-      <p:pic>
-        <p:nvPicPr>
-          <p:cNvPr id="5" name="Picture 5" descr="f05-24-P374493"/>
-          <p:cNvPicPr>
-            <a:picLocks noChangeAspect="1" noChangeArrowheads="1"/>
-          </p:cNvPicPr>
-          <p:nvPr/>
-        </p:nvPicPr>
-        <p:blipFill>
-          <a:blip r:embed="rId2" cstate="print"/>
-          <a:srcRect/>
-          <a:stretch>
-            <a:fillRect/>
-          </a:stretch>
-        </p:blipFill>
-        <p:spPr bwMode="auto">
-          <a:xfrm>
-            <a:off x="5226048" y="1001711"/>
-            <a:ext cx="5702598" cy="5850779"/>
-          </a:xfrm>
-          <a:prstGeom prst="rect">
-            <a:avLst/>
-          </a:prstGeom>
-          <a:noFill/>
-          <a:ln w="9525">
-            <a:noFill/>
-            <a:miter lim="800000"/>
-            <a:headEnd/>
-            <a:tailEnd/>
-          </a:ln>
-        </p:spPr>
-      </p:pic>
-    </p:spTree>
-  </p:cSld>
-  <p:clrMapOvr>
-    <a:masterClrMapping/>
-  </p:clrMapOvr>
-</p:sld>
-</file>
-
-<file path=ppt/slides/slide18.xml><?xml version="1.0" encoding="utf-8"?>
-<p:sld xmlns:a="http://schemas.openxmlformats.org/drawingml/2006/main" xmlns:r="http://schemas.openxmlformats.org/officeDocument/2006/relationships" xmlns:p="http://schemas.openxmlformats.org/presentationml/2006/main">
-  <p:cSld>
-    <p:spTree>
-      <p:nvGrpSpPr>
-        <p:cNvPr id="1" name=""/>
-        <p:cNvGrpSpPr/>
-        <p:nvPr/>
-      </p:nvGrpSpPr>
-      <p:grpSpPr>
-        <a:xfrm>
-          <a:off x="0" y="0"/>
-          <a:ext cx="0" cy="0"/>
-          <a:chOff x="0" y="0"/>
-          <a:chExt cx="0" cy="0"/>
-        </a:xfrm>
-      </p:grpSpPr>
-      <p:sp>
-        <p:nvSpPr>
-          <p:cNvPr id="2" name="Содержимое 1"/>
-          <p:cNvSpPr>
-            <a:spLocks noGrp="1"/>
-          </p:cNvSpPr>
-          <p:nvPr>
-            <p:ph idx="1"/>
-          </p:nvPr>
-        </p:nvSpPr>
-        <p:spPr>
-          <a:xfrm>
-            <a:off x="838200" y="1178052"/>
-            <a:ext cx="10515600" cy="5375147"/>
-          </a:xfrm>
-        </p:spPr>
-        <p:txBody>
-          <a:bodyPr>
-            <a:normAutofit/>
-          </a:bodyPr>
-          <a:lstStyle/>
-          <a:p>
-            <a:r>
-              <a:rPr lang="en-US" altLang="en-US" dirty="0" smtClean="0"/>
-              <a:t>Different tasks can share parts of their virtual address spaces</a:t>
-            </a:r>
-          </a:p>
-          <a:p>
-            <a:pPr lvl="1"/>
-            <a:r>
-              <a:rPr lang="en-US" altLang="en-US" dirty="0" smtClean="0"/>
-              <a:t>But need to protect against errant access</a:t>
-            </a:r>
-          </a:p>
-          <a:p>
-            <a:pPr lvl="1"/>
-            <a:r>
-              <a:rPr lang="en-US" altLang="en-US" dirty="0" smtClean="0"/>
-              <a:t>Requires OS assistance</a:t>
-            </a:r>
-          </a:p>
-          <a:p>
-            <a:r>
-              <a:rPr lang="en-US" altLang="en-US" dirty="0" smtClean="0"/>
-              <a:t>Hardware support for OS protection</a:t>
-            </a:r>
-          </a:p>
-          <a:p>
-            <a:pPr lvl="1"/>
-            <a:r>
-              <a:rPr lang="en-US" altLang="en-US" dirty="0" smtClean="0"/>
-              <a:t>Privileged supervisor mode (aka kernel mode)</a:t>
-            </a:r>
-          </a:p>
-          <a:p>
-            <a:pPr lvl="1"/>
-            <a:r>
-              <a:rPr lang="en-US" altLang="en-US" dirty="0" smtClean="0"/>
-              <a:t>Privileged instructions</a:t>
-            </a:r>
-          </a:p>
-          <a:p>
-            <a:pPr lvl="1"/>
-            <a:r>
-              <a:rPr lang="en-US" altLang="en-US" dirty="0" smtClean="0"/>
-              <a:t>Page tables and other state information only accessible in supervisor mode</a:t>
-            </a:r>
-          </a:p>
-          <a:p>
-            <a:pPr lvl="1"/>
-            <a:r>
-              <a:rPr lang="en-US" altLang="en-US" dirty="0" smtClean="0"/>
-              <a:t>System call exception (e.g., </a:t>
-            </a:r>
-            <a:r>
-              <a:rPr lang="en-US" altLang="en-US" dirty="0" err="1" smtClean="0"/>
-              <a:t>ecall</a:t>
-            </a:r>
-            <a:r>
-              <a:rPr lang="en-US" altLang="en-US" dirty="0" smtClean="0"/>
-              <a:t> in RISC-V</a:t>
-            </a:r>
-            <a:r>
-              <a:rPr lang="en-US" altLang="en-US" dirty="0" smtClean="0"/>
-              <a:t>)</a:t>
-            </a:r>
-            <a:endParaRPr lang="en-AU" altLang="en-US" dirty="0" smtClean="0"/>
-          </a:p>
-        </p:txBody>
-      </p:sp>
-      <p:sp>
-        <p:nvSpPr>
-          <p:cNvPr id="3" name="Номер слайда 2"/>
-          <p:cNvSpPr>
-            <a:spLocks noGrp="1"/>
-          </p:cNvSpPr>
-          <p:nvPr>
-            <p:ph type="sldNum" sz="quarter" idx="12"/>
-          </p:nvPr>
-        </p:nvSpPr>
-        <p:spPr/>
-        <p:txBody>
-          <a:bodyPr/>
-          <a:lstStyle/>
-          <a:p>
-            <a:pPr algn="ctr"/>
-            <a:fld id="{1397BFD8-F312-4EF2-A268-44FB4BDDBBB0}" type="slidenum">
-              <a:rPr lang="ru-RU" smtClean="0"/>
-              <a:pPr algn="ctr"/>
-              <a:t>18</a:t>
-            </a:fld>
-            <a:endParaRPr lang="ru-RU" dirty="0"/>
-          </a:p>
-        </p:txBody>
-      </p:sp>
-      <p:sp>
-        <p:nvSpPr>
-          <p:cNvPr id="4" name="Заголовок 3"/>
-          <p:cNvSpPr>
-            <a:spLocks noGrp="1"/>
-          </p:cNvSpPr>
-          <p:nvPr>
-            <p:ph type="title"/>
-          </p:nvPr>
-        </p:nvSpPr>
-        <p:spPr/>
-        <p:txBody>
-          <a:bodyPr/>
-          <a:lstStyle/>
-          <a:p>
-            <a:r>
-              <a:rPr lang="en-US" altLang="en-US" dirty="0" smtClean="0"/>
-              <a:t>Memory Protection</a:t>
-            </a:r>
-            <a:endParaRPr lang="ru-RU" dirty="0"/>
-          </a:p>
-        </p:txBody>
-      </p:sp>
-    </p:spTree>
-  </p:cSld>
-  <p:clrMapOvr>
-    <a:masterClrMapping/>
-  </p:clrMapOvr>
-</p:sld>
-</file>
-
-<file path=ppt/slides/slide19.xml><?xml version="1.0" encoding="utf-8"?>
-<p:sld xmlns:a="http://schemas.openxmlformats.org/drawingml/2006/main" xmlns:r="http://schemas.openxmlformats.org/officeDocument/2006/relationships" xmlns:p="http://schemas.openxmlformats.org/presentationml/2006/main">
-  <p:cSld>
-    <p:spTree>
-      <p:nvGrpSpPr>
-        <p:cNvPr id="1" name=""/>
-        <p:cNvGrpSpPr/>
-        <p:nvPr/>
-      </p:nvGrpSpPr>
-      <p:grpSpPr>
-        <a:xfrm>
-          <a:off x="0" y="0"/>
-          <a:ext cx="0" cy="0"/>
-          <a:chOff x="0" y="0"/>
-          <a:chExt cx="0" cy="0"/>
-        </a:xfrm>
-      </p:grpSpPr>
-      <p:sp>
-        <p:nvSpPr>
-          <p:cNvPr id="2" name="Содержимое 1"/>
-          <p:cNvSpPr>
-            <a:spLocks noGrp="1"/>
-          </p:cNvSpPr>
-          <p:nvPr>
-            <p:ph idx="1"/>
-          </p:nvPr>
-        </p:nvSpPr>
-        <p:spPr>
-          <a:xfrm>
-            <a:off x="838200" y="1178052"/>
-            <a:ext cx="10515600" cy="5349747"/>
-          </a:xfrm>
-        </p:spPr>
-        <p:txBody>
-          <a:bodyPr>
-            <a:noAutofit/>
-          </a:bodyPr>
-          <a:lstStyle/>
-          <a:p>
-            <a:pPr>
-              <a:lnSpc>
-                <a:spcPct val="100000"/>
-              </a:lnSpc>
-              <a:spcBef>
-                <a:spcPts val="1200"/>
-              </a:spcBef>
-            </a:pPr>
-            <a:r>
-              <a:rPr lang="en-US" dirty="0" smtClean="0"/>
-              <a:t>Virtual memory increases </a:t>
-            </a:r>
-            <a:r>
-              <a:rPr lang="en-US" b="1" dirty="0" smtClean="0"/>
-              <a:t>capacity</a:t>
-            </a:r>
-          </a:p>
-          <a:p>
-            <a:pPr>
-              <a:lnSpc>
-                <a:spcPct val="100000"/>
-              </a:lnSpc>
-              <a:spcBef>
-                <a:spcPts val="1200"/>
-              </a:spcBef>
-            </a:pPr>
-            <a:r>
-              <a:rPr lang="en-US" dirty="0" smtClean="0"/>
-              <a:t>A subset of virtual pages in physical memory</a:t>
-            </a:r>
-          </a:p>
-          <a:p>
-            <a:pPr>
-              <a:lnSpc>
-                <a:spcPct val="100000"/>
-              </a:lnSpc>
-              <a:spcBef>
-                <a:spcPts val="1200"/>
-              </a:spcBef>
-            </a:pPr>
-            <a:r>
-              <a:rPr lang="en-US" b="1" dirty="0" smtClean="0"/>
-              <a:t>Page table </a:t>
-            </a:r>
-            <a:r>
-              <a:rPr lang="en-US" dirty="0" smtClean="0"/>
-              <a:t>maps virtual pages to physical pages – address translation</a:t>
-            </a:r>
-          </a:p>
-          <a:p>
-            <a:pPr>
-              <a:lnSpc>
-                <a:spcPct val="100000"/>
-              </a:lnSpc>
-              <a:spcBef>
-                <a:spcPts val="1200"/>
-              </a:spcBef>
-            </a:pPr>
-            <a:r>
-              <a:rPr lang="en-US" b="1" dirty="0" smtClean="0"/>
-              <a:t>TLB</a:t>
-            </a:r>
-            <a:r>
-              <a:rPr lang="en-US" dirty="0" smtClean="0"/>
-              <a:t> </a:t>
-            </a:r>
-            <a:r>
-              <a:rPr lang="en-US" dirty="0" smtClean="0"/>
-              <a:t>speeds up address translation</a:t>
-            </a:r>
-          </a:p>
-          <a:p>
-            <a:pPr>
-              <a:lnSpc>
-                <a:spcPct val="100000"/>
-              </a:lnSpc>
-              <a:spcBef>
-                <a:spcPts val="1200"/>
-              </a:spcBef>
-            </a:pPr>
-            <a:r>
-              <a:rPr lang="en-US" dirty="0" smtClean="0"/>
-              <a:t>Different page tables for different programs provides </a:t>
-            </a:r>
-            <a:r>
-              <a:rPr lang="en-US" b="1" dirty="0" smtClean="0"/>
-              <a:t>memory </a:t>
-            </a:r>
-            <a:r>
-              <a:rPr lang="en-US" b="1" dirty="0" smtClean="0"/>
-              <a:t>protection</a:t>
-            </a:r>
-            <a:endParaRPr lang="ru-RU" dirty="0"/>
-          </a:p>
-        </p:txBody>
-      </p:sp>
-      <p:sp>
-        <p:nvSpPr>
-          <p:cNvPr id="3" name="Номер слайда 2"/>
-          <p:cNvSpPr>
-            <a:spLocks noGrp="1"/>
-          </p:cNvSpPr>
-          <p:nvPr>
-            <p:ph type="sldNum" sz="quarter" idx="12"/>
-          </p:nvPr>
-        </p:nvSpPr>
-        <p:spPr/>
-        <p:txBody>
-          <a:bodyPr/>
-          <a:lstStyle/>
-          <a:p>
-            <a:pPr algn="ctr"/>
-            <a:fld id="{1397BFD8-F312-4EF2-A268-44FB4BDDBBB0}" type="slidenum">
-              <a:rPr lang="ru-RU" smtClean="0"/>
-              <a:pPr algn="ctr"/>
-              <a:t>19</a:t>
-            </a:fld>
-            <a:endParaRPr lang="ru-RU" dirty="0"/>
-          </a:p>
-        </p:txBody>
-      </p:sp>
-      <p:sp>
-        <p:nvSpPr>
-          <p:cNvPr id="4" name="Заголовок 3"/>
-          <p:cNvSpPr>
-            <a:spLocks noGrp="1"/>
-          </p:cNvSpPr>
-          <p:nvPr>
-            <p:ph type="title"/>
-          </p:nvPr>
-        </p:nvSpPr>
-        <p:spPr/>
-        <p:txBody>
-          <a:bodyPr/>
-          <a:lstStyle/>
-          <a:p>
-            <a:r>
-              <a:rPr lang="en-US" dirty="0" smtClean="0"/>
-              <a:t>Virtual Memory Summary</a:t>
-            </a:r>
-            <a:endParaRPr lang="ru-RU" dirty="0"/>
-          </a:p>
-        </p:txBody>
-      </p:sp>
-    </p:spTree>
-  </p:cSld>
-  <p:clrMapOvr>
-    <a:masterClrMapping/>
-  </p:clrMapOvr>
+  <p:timing>
+    <p:tnLst>
+      <p:par>
+        <p:cTn id="1" dur="indefinite" restart="never" nodeType="tmRoot"/>
+      </p:par>
+    </p:tnLst>
+  </p:timing>
 </p:sld>
 </file>
 
@@ -5797,74 +5723,83 @@
             <p:ph idx="1"/>
           </p:nvPr>
         </p:nvSpPr>
-        <p:spPr>
-          <a:xfrm>
-            <a:off x="838200" y="1028700"/>
-            <a:ext cx="10515600" cy="5626099"/>
-          </a:xfrm>
-        </p:spPr>
-        <p:txBody>
-          <a:bodyPr>
-            <a:normAutofit lnSpcReduction="10000"/>
-          </a:bodyPr>
-          <a:lstStyle/>
-          <a:p>
-            <a:r>
-              <a:rPr lang="en-US" altLang="en-US" dirty="0" smtClean="0"/>
-              <a:t>Use main memory as a “cache” for secondary (disk) storage</a:t>
-            </a:r>
-          </a:p>
-          <a:p>
-            <a:pPr lvl="1"/>
-            <a:r>
-              <a:rPr lang="en-US" altLang="en-US" dirty="0" smtClean="0"/>
-              <a:t>Managed jointly by CPU hardware and the operating system (OS)</a:t>
-            </a:r>
-          </a:p>
-          <a:p>
-            <a:r>
-              <a:rPr lang="en-US" altLang="en-US" dirty="0" smtClean="0"/>
-              <a:t>Programs share main memory</a:t>
-            </a:r>
-          </a:p>
-          <a:p>
-            <a:pPr lvl="1"/>
-            <a:r>
-              <a:rPr lang="en-US" altLang="en-US" dirty="0" smtClean="0"/>
-              <a:t>Each gets a private virtual address space holding its frequently used code and data</a:t>
-            </a:r>
-          </a:p>
-          <a:p>
-            <a:pPr lvl="1"/>
-            <a:r>
-              <a:rPr lang="en-US" altLang="en-US" dirty="0" smtClean="0"/>
-              <a:t>Protected from other programs</a:t>
-            </a:r>
-          </a:p>
-          <a:p>
-            <a:r>
-              <a:rPr lang="en-US" altLang="en-US" dirty="0" smtClean="0"/>
-              <a:t>CPU and OS translate virtual addresses to physical addresses</a:t>
-            </a:r>
-          </a:p>
-          <a:p>
-            <a:pPr lvl="1"/>
-            <a:r>
-              <a:rPr lang="en-US" altLang="en-US" dirty="0" smtClean="0"/>
-              <a:t>VM “block” is called a page</a:t>
-            </a:r>
-          </a:p>
-          <a:p>
-            <a:pPr lvl="1"/>
-            <a:r>
-              <a:rPr lang="en-US" altLang="en-US" dirty="0" smtClean="0"/>
-              <a:t>VM translation “miss” is called a page </a:t>
-            </a:r>
-            <a:r>
-              <a:rPr lang="en-US" altLang="en-US" dirty="0" smtClean="0"/>
-              <a:t>fault</a:t>
-            </a:r>
-            <a:endParaRPr lang="en-AU" altLang="en-US" dirty="0" smtClean="0"/>
+        <p:spPr/>
+        <p:txBody>
+          <a:bodyPr/>
+          <a:lstStyle/>
+          <a:p>
+            <a:pPr>
+              <a:lnSpc>
+                <a:spcPct val="150000"/>
+              </a:lnSpc>
+            </a:pPr>
+            <a:r>
+              <a:rPr lang="en-US" b="1" dirty="0" smtClean="0"/>
+              <a:t>Data-level parallelism </a:t>
+            </a:r>
+            <a:r>
+              <a:rPr lang="en-US" dirty="0" smtClean="0"/>
+              <a:t>is parallelism </a:t>
+            </a:r>
+            <a:r>
+              <a:rPr lang="en-US" dirty="0" smtClean="0"/>
+              <a:t>achieved by performing the same </a:t>
+            </a:r>
+            <a:r>
+              <a:rPr lang="en-US" dirty="0" smtClean="0"/>
+              <a:t>operation </a:t>
+            </a:r>
+            <a:r>
+              <a:rPr lang="en-US" dirty="0" smtClean="0"/>
+              <a:t>on independent </a:t>
+            </a:r>
+            <a:r>
+              <a:rPr lang="en-US" dirty="0" smtClean="0"/>
+              <a:t>data</a:t>
+            </a:r>
+          </a:p>
+          <a:p>
+            <a:pPr>
+              <a:lnSpc>
+                <a:spcPct val="150000"/>
+              </a:lnSpc>
+            </a:pPr>
+            <a:r>
+              <a:rPr lang="en-US" dirty="0" smtClean="0"/>
+              <a:t>Best in dealing with arrays in for loops and </a:t>
+            </a:r>
+            <a:r>
+              <a:rPr lang="en-US" dirty="0" smtClean="0"/>
+              <a:t>processing </a:t>
+            </a:r>
+            <a:r>
+              <a:rPr lang="en-US" dirty="0" smtClean="0"/>
+              <a:t>other kinds of </a:t>
+            </a:r>
+            <a:r>
+              <a:rPr lang="en-US" b="1" dirty="0" smtClean="0"/>
+              <a:t>identically structured </a:t>
+            </a:r>
+            <a:r>
+              <a:rPr lang="en-US" b="1" dirty="0" smtClean="0"/>
+              <a:t>data</a:t>
+            </a:r>
+          </a:p>
+          <a:p>
+            <a:pPr>
+              <a:lnSpc>
+                <a:spcPct val="150000"/>
+              </a:lnSpc>
+            </a:pPr>
+            <a:r>
+              <a:rPr lang="en-US" dirty="0" smtClean="0"/>
+              <a:t>Unsuitable for </a:t>
+            </a:r>
+            <a:r>
+              <a:rPr lang="en-US" b="1" dirty="0" smtClean="0"/>
+              <a:t>control flow structures</a:t>
+            </a:r>
+            <a:endParaRPr lang="ru-RU" b="1" dirty="0"/>
           </a:p>
         </p:txBody>
       </p:sp>
@@ -5905,12 +5840,14 @@
         </p:nvSpPr>
         <p:spPr/>
         <p:txBody>
-          <a:bodyPr/>
+          <a:bodyPr>
+            <a:normAutofit/>
+          </a:bodyPr>
           <a:lstStyle/>
           <a:p>
             <a:r>
               <a:rPr lang="en-US" dirty="0" smtClean="0"/>
-              <a:t>Virtual Memory</a:t>
+              <a:t>Data-Level Parallelism</a:t>
             </a:r>
             <a:endParaRPr lang="ru-RU" dirty="0"/>
           </a:p>
@@ -5921,531 +5858,6 @@
   <p:clrMapOvr>
     <a:masterClrMapping/>
   </p:clrMapOvr>
-</p:sld>
-</file>
-
-<file path=ppt/slides/slide20.xml><?xml version="1.0" encoding="utf-8"?>
-<p:sld xmlns:a="http://schemas.openxmlformats.org/drawingml/2006/main" xmlns:r="http://schemas.openxmlformats.org/officeDocument/2006/relationships" xmlns:p="http://schemas.openxmlformats.org/presentationml/2006/main">
-  <p:cSld>
-    <p:spTree>
-      <p:nvGrpSpPr>
-        <p:cNvPr id="1" name=""/>
-        <p:cNvGrpSpPr/>
-        <p:nvPr/>
-      </p:nvGrpSpPr>
-      <p:grpSpPr>
-        <a:xfrm>
-          <a:off x="0" y="0"/>
-          <a:ext cx="0" cy="0"/>
-          <a:chOff x="0" y="0"/>
-          <a:chExt cx="0" cy="0"/>
-        </a:xfrm>
-      </p:grpSpPr>
-      <p:sp>
-        <p:nvSpPr>
-          <p:cNvPr id="4" name="Прямоугольник 3"/>
-          <p:cNvSpPr/>
-          <p:nvPr/>
-        </p:nvSpPr>
-        <p:spPr>
-          <a:xfrm>
-            <a:off x="2664999" y="472120"/>
-            <a:ext cx="7524751" cy="5262979"/>
-          </a:xfrm>
-          <a:prstGeom prst="rect">
-            <a:avLst/>
-          </a:prstGeom>
-          <a:noFill/>
-          <a:ln>
-            <a:noFill/>
-          </a:ln>
-          <a:scene3d>
-            <a:camera prst="perspectiveRelaxed"/>
-            <a:lightRig rig="threePt" dir="t"/>
-          </a:scene3d>
-        </p:spPr>
-        <p:txBody>
-          <a:bodyPr wrap="square" lIns="91440" tIns="45720" rIns="91440" bIns="45720">
-            <a:spAutoFit/>
-          </a:bodyPr>
-          <a:lstStyle/>
-          <a:p>
-            <a:r>
-              <a:rPr lang="en-US" sz="2400" dirty="0" smtClean="0">
-                <a:ln w="0"/>
-                <a:solidFill>
-                  <a:srgbClr val="273272"/>
-                </a:solidFill>
-                <a:effectLst>
-                  <a:reflection blurRad="6350" stA="53000" endA="300" endPos="35500" dir="5400000" sy="-90000" algn="bl" rotWithShape="0"/>
-                </a:effectLst>
-                <a:latin typeface="Courier New" pitchFamily="49" charset="0"/>
-                <a:cs typeface="Courier New" pitchFamily="49" charset="0"/>
-              </a:rPr>
-              <a:t>		</a:t>
-            </a:r>
-          </a:p>
-          <a:p>
-            <a:r>
-              <a:rPr lang="en-US" sz="2400" dirty="0" smtClean="0">
-                <a:ln w="0"/>
-                <a:solidFill>
-                  <a:srgbClr val="273272"/>
-                </a:solidFill>
-                <a:effectLst>
-                  <a:reflection blurRad="6350" stA="53000" endA="300" endPos="35500" dir="5400000" sy="-90000" algn="bl" rotWithShape="0"/>
-                </a:effectLst>
-                <a:latin typeface="Courier New" pitchFamily="49" charset="0"/>
-                <a:cs typeface="Courier New" pitchFamily="49" charset="0"/>
-              </a:rPr>
-              <a:t>		.text</a:t>
-            </a:r>
-          </a:p>
-          <a:p>
-            <a:r>
-              <a:rPr lang="en-US" sz="2400" dirty="0" smtClean="0">
-                <a:ln w="0"/>
-                <a:solidFill>
-                  <a:srgbClr val="273272"/>
-                </a:solidFill>
-                <a:effectLst>
-                  <a:reflection blurRad="6350" stA="53000" endA="300" endPos="35500" dir="5400000" sy="-90000" algn="bl" rotWithShape="0"/>
-                </a:effectLst>
-                <a:latin typeface="Courier New" pitchFamily="49" charset="0"/>
-                <a:cs typeface="Courier New" pitchFamily="49" charset="0"/>
-              </a:rPr>
-              <a:t>__start:	addi t1, zero, 0x18</a:t>
-            </a:r>
-          </a:p>
-          <a:p>
-            <a:r>
-              <a:rPr lang="en-US" sz="2400" dirty="0" smtClean="0">
-                <a:ln w="0"/>
-                <a:solidFill>
-                  <a:srgbClr val="273272"/>
-                </a:solidFill>
-                <a:effectLst>
-                  <a:reflection blurRad="6350" stA="53000" endA="300" endPos="35500" dir="5400000" sy="-90000" algn="bl" rotWithShape="0"/>
-                </a:effectLst>
-                <a:latin typeface="Courier New" pitchFamily="49" charset="0"/>
-                <a:cs typeface="Courier New" pitchFamily="49" charset="0"/>
-              </a:rPr>
-              <a:t>		addi t2, zero, 0x21</a:t>
-            </a:r>
-          </a:p>
-          <a:p>
-            <a:r>
-              <a:rPr lang="en-US" sz="2400" dirty="0" smtClean="0">
-                <a:ln w="0"/>
-                <a:solidFill>
-                  <a:srgbClr val="273272"/>
-                </a:solidFill>
-                <a:effectLst>
-                  <a:reflection blurRad="6350" stA="53000" endA="300" endPos="35500" dir="5400000" sy="-90000" algn="bl" rotWithShape="0"/>
-                </a:effectLst>
-                <a:latin typeface="Courier New" pitchFamily="49" charset="0"/>
-                <a:cs typeface="Courier New" pitchFamily="49" charset="0"/>
-              </a:rPr>
-              <a:t>cycle:	</a:t>
-            </a:r>
-            <a:r>
-              <a:rPr lang="en-US" sz="2400" dirty="0" err="1" smtClean="0">
-                <a:ln w="0"/>
-                <a:solidFill>
-                  <a:srgbClr val="273272"/>
-                </a:solidFill>
-                <a:effectLst>
-                  <a:reflection blurRad="6350" stA="53000" endA="300" endPos="35500" dir="5400000" sy="-90000" algn="bl" rotWithShape="0"/>
-                </a:effectLst>
-                <a:latin typeface="Courier New" pitchFamily="49" charset="0"/>
-                <a:cs typeface="Courier New" pitchFamily="49" charset="0"/>
-              </a:rPr>
-              <a:t>beq</a:t>
-            </a:r>
-            <a:r>
-              <a:rPr lang="en-US" sz="2400" dirty="0" smtClean="0">
-                <a:ln w="0"/>
-                <a:solidFill>
-                  <a:srgbClr val="273272"/>
-                </a:solidFill>
-                <a:effectLst>
-                  <a:reflection blurRad="6350" stA="53000" endA="300" endPos="35500" dir="5400000" sy="-90000" algn="bl" rotWithShape="0"/>
-                </a:effectLst>
-                <a:latin typeface="Courier New" pitchFamily="49" charset="0"/>
-                <a:cs typeface="Courier New" pitchFamily="49" charset="0"/>
-              </a:rPr>
-              <a:t> t1, t2, done</a:t>
-            </a:r>
-          </a:p>
-          <a:p>
-            <a:r>
-              <a:rPr lang="en-US" sz="2400" dirty="0" smtClean="0">
-                <a:ln w="0"/>
-                <a:solidFill>
-                  <a:srgbClr val="273272"/>
-                </a:solidFill>
-                <a:effectLst>
-                  <a:reflection blurRad="6350" stA="53000" endA="300" endPos="35500" dir="5400000" sy="-90000" algn="bl" rotWithShape="0"/>
-                </a:effectLst>
-                <a:latin typeface="Courier New" pitchFamily="49" charset="0"/>
-                <a:cs typeface="Courier New" pitchFamily="49" charset="0"/>
-              </a:rPr>
-              <a:t>		</a:t>
-            </a:r>
-            <a:r>
-              <a:rPr lang="en-US" sz="2400" dirty="0" err="1" smtClean="0">
-                <a:ln w="0"/>
-                <a:solidFill>
-                  <a:srgbClr val="273272"/>
-                </a:solidFill>
-                <a:effectLst>
-                  <a:reflection blurRad="6350" stA="53000" endA="300" endPos="35500" dir="5400000" sy="-90000" algn="bl" rotWithShape="0"/>
-                </a:effectLst>
-                <a:latin typeface="Courier New" pitchFamily="49" charset="0"/>
-                <a:cs typeface="Courier New" pitchFamily="49" charset="0"/>
-              </a:rPr>
-              <a:t>slt</a:t>
-            </a:r>
-            <a:r>
-              <a:rPr lang="en-US" sz="2400" dirty="0" smtClean="0">
-                <a:ln w="0"/>
-                <a:solidFill>
-                  <a:srgbClr val="273272"/>
-                </a:solidFill>
-                <a:effectLst>
-                  <a:reflection blurRad="6350" stA="53000" endA="300" endPos="35500" dir="5400000" sy="-90000" algn="bl" rotWithShape="0"/>
-                </a:effectLst>
-                <a:latin typeface="Courier New" pitchFamily="49" charset="0"/>
-                <a:cs typeface="Courier New" pitchFamily="49" charset="0"/>
-              </a:rPr>
-              <a:t> t0, t1, t2</a:t>
-            </a:r>
-          </a:p>
-          <a:p>
-            <a:r>
-              <a:rPr lang="en-US" sz="2400" dirty="0" smtClean="0">
-                <a:ln w="0"/>
-                <a:solidFill>
-                  <a:srgbClr val="273272"/>
-                </a:solidFill>
-                <a:effectLst>
-                  <a:reflection blurRad="6350" stA="53000" endA="300" endPos="35500" dir="5400000" sy="-90000" algn="bl" rotWithShape="0"/>
-                </a:effectLst>
-                <a:latin typeface="Courier New" pitchFamily="49" charset="0"/>
-                <a:cs typeface="Courier New" pitchFamily="49" charset="0"/>
-              </a:rPr>
-              <a:t>		</a:t>
-            </a:r>
-            <a:r>
-              <a:rPr lang="en-US" sz="2400" dirty="0" err="1" smtClean="0">
-                <a:ln w="0"/>
-                <a:solidFill>
-                  <a:srgbClr val="273272"/>
-                </a:solidFill>
-                <a:effectLst>
-                  <a:reflection blurRad="6350" stA="53000" endA="300" endPos="35500" dir="5400000" sy="-90000" algn="bl" rotWithShape="0"/>
-                </a:effectLst>
-                <a:latin typeface="Courier New" pitchFamily="49" charset="0"/>
-                <a:cs typeface="Courier New" pitchFamily="49" charset="0"/>
-              </a:rPr>
-              <a:t>bne</a:t>
-            </a:r>
-            <a:r>
-              <a:rPr lang="en-US" sz="2400" dirty="0" smtClean="0">
-                <a:ln w="0"/>
-                <a:solidFill>
-                  <a:srgbClr val="273272"/>
-                </a:solidFill>
-                <a:effectLst>
-                  <a:reflection blurRad="6350" stA="53000" endA="300" endPos="35500" dir="5400000" sy="-90000" algn="bl" rotWithShape="0"/>
-                </a:effectLst>
-                <a:latin typeface="Courier New" pitchFamily="49" charset="0"/>
-                <a:cs typeface="Courier New" pitchFamily="49" charset="0"/>
-              </a:rPr>
-              <a:t> t0, zero, </a:t>
-            </a:r>
-            <a:r>
-              <a:rPr lang="en-US" sz="2400" dirty="0" err="1" smtClean="0">
-                <a:ln w="0"/>
-                <a:solidFill>
-                  <a:srgbClr val="273272"/>
-                </a:solidFill>
-                <a:effectLst>
-                  <a:reflection blurRad="6350" stA="53000" endA="300" endPos="35500" dir="5400000" sy="-90000" algn="bl" rotWithShape="0"/>
-                </a:effectLst>
-                <a:latin typeface="Courier New" pitchFamily="49" charset="0"/>
-                <a:cs typeface="Courier New" pitchFamily="49" charset="0"/>
-              </a:rPr>
-              <a:t>if_less</a:t>
-            </a:r>
-            <a:endParaRPr lang="en-US" sz="2400" dirty="0" smtClean="0">
-              <a:ln w="0"/>
-              <a:solidFill>
-                <a:srgbClr val="273272"/>
-              </a:solidFill>
-              <a:effectLst>
-                <a:reflection blurRad="6350" stA="53000" endA="300" endPos="35500" dir="5400000" sy="-90000" algn="bl" rotWithShape="0"/>
-              </a:effectLst>
-              <a:latin typeface="Courier New" pitchFamily="49" charset="0"/>
-              <a:cs typeface="Courier New" pitchFamily="49" charset="0"/>
-            </a:endParaRPr>
-          </a:p>
-          <a:p>
-            <a:r>
-              <a:rPr lang="en-US" sz="2400" dirty="0" smtClean="0">
-                <a:ln w="0"/>
-                <a:solidFill>
-                  <a:srgbClr val="273272"/>
-                </a:solidFill>
-                <a:effectLst>
-                  <a:reflection blurRad="6350" stA="53000" endA="300" endPos="35500" dir="5400000" sy="-90000" algn="bl" rotWithShape="0"/>
-                </a:effectLst>
-                <a:latin typeface="Courier New" pitchFamily="49" charset="0"/>
-                <a:cs typeface="Courier New" pitchFamily="49" charset="0"/>
-              </a:rPr>
-              <a:t>		</a:t>
-            </a:r>
-            <a:r>
-              <a:rPr lang="en-US" sz="2400" dirty="0" err="1" smtClean="0">
-                <a:ln w="0"/>
-                <a:solidFill>
-                  <a:srgbClr val="273272"/>
-                </a:solidFill>
-                <a:effectLst>
-                  <a:reflection blurRad="6350" stA="53000" endA="300" endPos="35500" dir="5400000" sy="-90000" algn="bl" rotWithShape="0"/>
-                </a:effectLst>
-                <a:latin typeface="Courier New" pitchFamily="49" charset="0"/>
-                <a:cs typeface="Courier New" pitchFamily="49" charset="0"/>
-              </a:rPr>
-              <a:t>nop</a:t>
-            </a:r>
-            <a:endParaRPr lang="en-US" sz="2400" dirty="0" smtClean="0">
-              <a:ln w="0"/>
-              <a:solidFill>
-                <a:srgbClr val="273272"/>
-              </a:solidFill>
-              <a:effectLst>
-                <a:reflection blurRad="6350" stA="53000" endA="300" endPos="35500" dir="5400000" sy="-90000" algn="bl" rotWithShape="0"/>
-              </a:effectLst>
-              <a:latin typeface="Courier New" pitchFamily="49" charset="0"/>
-              <a:cs typeface="Courier New" pitchFamily="49" charset="0"/>
-            </a:endParaRPr>
-          </a:p>
-          <a:p>
-            <a:r>
-              <a:rPr lang="en-US" sz="2400" dirty="0" smtClean="0">
-                <a:ln w="0"/>
-                <a:solidFill>
-                  <a:srgbClr val="273272"/>
-                </a:solidFill>
-                <a:effectLst>
-                  <a:reflection blurRad="6350" stA="53000" endA="300" endPos="35500" dir="5400000" sy="-90000" algn="bl" rotWithShape="0"/>
-                </a:effectLst>
-                <a:latin typeface="Courier New" pitchFamily="49" charset="0"/>
-                <a:cs typeface="Courier New" pitchFamily="49" charset="0"/>
-              </a:rPr>
-              <a:t>		sub t1, t1, t2</a:t>
-            </a:r>
-          </a:p>
-          <a:p>
-            <a:r>
-              <a:rPr lang="en-US" sz="2400" dirty="0" smtClean="0">
-                <a:ln w="0"/>
-                <a:solidFill>
-                  <a:srgbClr val="273272"/>
-                </a:solidFill>
-                <a:effectLst>
-                  <a:reflection blurRad="6350" stA="53000" endA="300" endPos="35500" dir="5400000" sy="-90000" algn="bl" rotWithShape="0"/>
-                </a:effectLst>
-                <a:latin typeface="Courier New" pitchFamily="49" charset="0"/>
-                <a:cs typeface="Courier New" pitchFamily="49" charset="0"/>
-              </a:rPr>
-              <a:t>		j cycle</a:t>
-            </a:r>
-          </a:p>
-          <a:p>
-            <a:r>
-              <a:rPr lang="en-US" sz="2400" dirty="0" smtClean="0">
-                <a:ln w="0"/>
-                <a:solidFill>
-                  <a:srgbClr val="273272"/>
-                </a:solidFill>
-                <a:effectLst>
-                  <a:reflection blurRad="6350" stA="53000" endA="300" endPos="35500" dir="5400000" sy="-90000" algn="bl" rotWithShape="0"/>
-                </a:effectLst>
-                <a:latin typeface="Courier New" pitchFamily="49" charset="0"/>
-                <a:cs typeface="Courier New" pitchFamily="49" charset="0"/>
-              </a:rPr>
-              <a:t>		</a:t>
-            </a:r>
-            <a:r>
-              <a:rPr lang="en-US" sz="2400" dirty="0" err="1" smtClean="0">
-                <a:ln w="0"/>
-                <a:solidFill>
-                  <a:srgbClr val="273272"/>
-                </a:solidFill>
-                <a:effectLst>
-                  <a:reflection blurRad="6350" stA="53000" endA="300" endPos="35500" dir="5400000" sy="-90000" algn="bl" rotWithShape="0"/>
-                </a:effectLst>
-                <a:latin typeface="Courier New" pitchFamily="49" charset="0"/>
-                <a:cs typeface="Courier New" pitchFamily="49" charset="0"/>
-              </a:rPr>
-              <a:t>nop</a:t>
-            </a:r>
-            <a:endParaRPr lang="en-US" sz="2400" dirty="0" smtClean="0">
-              <a:ln w="0"/>
-              <a:solidFill>
-                <a:srgbClr val="273272"/>
-              </a:solidFill>
-              <a:effectLst>
-                <a:reflection blurRad="6350" stA="53000" endA="300" endPos="35500" dir="5400000" sy="-90000" algn="bl" rotWithShape="0"/>
-              </a:effectLst>
-              <a:latin typeface="Courier New" pitchFamily="49" charset="0"/>
-              <a:cs typeface="Courier New" pitchFamily="49" charset="0"/>
-            </a:endParaRPr>
-          </a:p>
-          <a:p>
-            <a:r>
-              <a:rPr lang="en-US" sz="2400" dirty="0" err="1" smtClean="0">
-                <a:ln w="0"/>
-                <a:solidFill>
-                  <a:srgbClr val="273272"/>
-                </a:solidFill>
-                <a:effectLst>
-                  <a:reflection blurRad="6350" stA="53000" endA="300" endPos="35500" dir="5400000" sy="-90000" algn="bl" rotWithShape="0"/>
-                </a:effectLst>
-                <a:latin typeface="Courier New" pitchFamily="49" charset="0"/>
-                <a:cs typeface="Courier New" pitchFamily="49" charset="0"/>
-              </a:rPr>
-              <a:t>if_less</a:t>
-            </a:r>
-            <a:r>
-              <a:rPr lang="en-US" sz="2400" dirty="0" smtClean="0">
-                <a:ln w="0"/>
-                <a:solidFill>
-                  <a:srgbClr val="273272"/>
-                </a:solidFill>
-                <a:effectLst>
-                  <a:reflection blurRad="6350" stA="53000" endA="300" endPos="35500" dir="5400000" sy="-90000" algn="bl" rotWithShape="0"/>
-                </a:effectLst>
-                <a:latin typeface="Courier New" pitchFamily="49" charset="0"/>
-                <a:cs typeface="Courier New" pitchFamily="49" charset="0"/>
-              </a:rPr>
-              <a:t>:	sub t2, t2, t1</a:t>
-            </a:r>
-          </a:p>
-          <a:p>
-            <a:r>
-              <a:rPr lang="en-US" sz="2400" dirty="0" smtClean="0">
-                <a:ln w="0"/>
-                <a:solidFill>
-                  <a:srgbClr val="273272"/>
-                </a:solidFill>
-                <a:effectLst>
-                  <a:reflection blurRad="6350" stA="53000" endA="300" endPos="35500" dir="5400000" sy="-90000" algn="bl" rotWithShape="0"/>
-                </a:effectLst>
-                <a:latin typeface="Courier New" pitchFamily="49" charset="0"/>
-                <a:cs typeface="Courier New" pitchFamily="49" charset="0"/>
-              </a:rPr>
-              <a:t>		j cycle</a:t>
-            </a:r>
-          </a:p>
-          <a:p>
-            <a:r>
-              <a:rPr lang="en-US" sz="2400" dirty="0" smtClean="0">
-                <a:ln w="0"/>
-                <a:solidFill>
-                  <a:srgbClr val="273272"/>
-                </a:solidFill>
-                <a:effectLst>
-                  <a:reflection blurRad="6350" stA="53000" endA="300" endPos="35500" dir="5400000" sy="-90000" algn="bl" rotWithShape="0"/>
-                </a:effectLst>
-                <a:latin typeface="Courier New" pitchFamily="49" charset="0"/>
-                <a:cs typeface="Courier New" pitchFamily="49" charset="0"/>
-              </a:rPr>
-              <a:t>done:		add t3, t1, zero</a:t>
-            </a:r>
-            <a:endParaRPr lang="ru-RU" sz="2400" b="0" cap="none" spc="0" dirty="0">
-              <a:ln w="0"/>
-              <a:solidFill>
-                <a:srgbClr val="273272"/>
-              </a:solidFill>
-              <a:effectLst>
-                <a:reflection blurRad="6350" stA="53000" endA="300" endPos="35500" dir="5400000" sy="-90000" algn="bl" rotWithShape="0"/>
-              </a:effectLst>
-              <a:latin typeface="Courier New" pitchFamily="49" charset="0"/>
-              <a:cs typeface="Courier New" pitchFamily="49" charset="0"/>
-            </a:endParaRPr>
-          </a:p>
-        </p:txBody>
-      </p:sp>
-      <p:sp>
-        <p:nvSpPr>
-          <p:cNvPr id="2" name="Заголовок 1"/>
-          <p:cNvSpPr>
-            <a:spLocks noGrp="1"/>
-          </p:cNvSpPr>
-          <p:nvPr>
-            <p:ph type="title"/>
-          </p:nvPr>
-        </p:nvSpPr>
-        <p:spPr/>
-        <p:txBody>
-          <a:bodyPr>
-            <a:normAutofit/>
-          </a:bodyPr>
-          <a:lstStyle/>
-          <a:p>
-            <a:r>
-              <a:rPr lang="en-US" dirty="0" smtClean="0"/>
-              <a:t>Any Questions?</a:t>
-            </a:r>
-            <a:endParaRPr lang="ru-RU" sz="4000" dirty="0"/>
-          </a:p>
-        </p:txBody>
-      </p:sp>
-      <p:sp>
-        <p:nvSpPr>
-          <p:cNvPr id="6" name="Номер слайда 5"/>
-          <p:cNvSpPr>
-            <a:spLocks noGrp="1"/>
-          </p:cNvSpPr>
-          <p:nvPr>
-            <p:ph type="sldNum" sz="quarter" idx="12"/>
-          </p:nvPr>
-        </p:nvSpPr>
-        <p:spPr/>
-        <p:txBody>
-          <a:bodyPr/>
-          <a:lstStyle/>
-          <a:p>
-            <a:pPr algn="ctr"/>
-            <a:fld id="{1397BFD8-F312-4EF2-A268-44FB4BDDBBB0}" type="slidenum">
-              <a:rPr lang="ru-RU" smtClean="0"/>
-              <a:pPr algn="ctr"/>
-              <a:t>20</a:t>
-            </a:fld>
-            <a:endParaRPr lang="ru-RU" dirty="0"/>
-          </a:p>
-        </p:txBody>
-      </p:sp>
-    </p:spTree>
-    <p:extLst>
-      <p:ext uri="{BB962C8B-B14F-4D97-AF65-F5344CB8AC3E}">
-        <p14:creationId xmlns="" xmlns:p14="http://schemas.microsoft.com/office/powerpoint/2010/main" val="4217875043"/>
-      </p:ext>
-    </p:extLst>
-  </p:cSld>
-  <p:clrMapOvr>
-    <a:masterClrMapping/>
-  </p:clrMapOvr>
-  <p:timing>
-    <p:tnLst>
-      <p:par>
-        <p:cTn id="1" dur="indefinite" restart="never" nodeType="tmRoot"/>
-      </p:par>
-    </p:tnLst>
-  </p:timing>
 </p:sld>
 </file>
 
@@ -6478,88 +5890,54 @@
         </p:nvSpPr>
         <p:spPr>
           <a:xfrm>
-            <a:off x="838200" y="1051052"/>
-            <a:ext cx="10515600" cy="5476748"/>
+            <a:off x="838200" y="1178052"/>
+            <a:ext cx="10515600" cy="5527548"/>
           </a:xfrm>
         </p:spPr>
         <p:txBody>
           <a:bodyPr>
-            <a:normAutofit fontScale="92500" lnSpcReduction="10000"/>
+            <a:normAutofit/>
           </a:bodyPr>
           <a:lstStyle/>
           <a:p>
             <a:r>
+              <a:rPr lang="en-AU" altLang="en-US" dirty="0" smtClean="0"/>
+              <a:t>An alternate classification</a:t>
+            </a:r>
+          </a:p>
+          <a:p>
+            <a:endParaRPr lang="en-AU" altLang="en-US" dirty="0" smtClean="0"/>
+          </a:p>
+          <a:p>
+            <a:endParaRPr lang="en-AU" altLang="en-US" dirty="0" smtClean="0"/>
+          </a:p>
+          <a:p>
+            <a:endParaRPr lang="en-AU" altLang="en-US" dirty="0" smtClean="0"/>
+          </a:p>
+          <a:p>
+            <a:endParaRPr lang="en-AU" altLang="en-US" dirty="0" smtClean="0"/>
+          </a:p>
+          <a:p>
+            <a:endParaRPr lang="en-AU" altLang="en-US" dirty="0" smtClean="0"/>
+          </a:p>
+          <a:p>
+            <a:r>
               <a:rPr lang="en-US" dirty="0" smtClean="0"/>
-              <a:t>Virtual addresses</a:t>
+              <a:t>SPMD: Single Program Multiple Data</a:t>
             </a:r>
           </a:p>
           <a:p>
             <a:pPr lvl="1"/>
             <a:r>
               <a:rPr lang="en-US" dirty="0" smtClean="0"/>
-              <a:t>Programs use virtual addresses</a:t>
+              <a:t>A parallel program on a MIMD computer</a:t>
             </a:r>
           </a:p>
           <a:p>
             <a:pPr lvl="1"/>
             <a:r>
               <a:rPr lang="en-US" dirty="0" smtClean="0"/>
-              <a:t>Entire virtual address space stored on a hard drive</a:t>
-            </a:r>
-          </a:p>
-          <a:p>
-            <a:pPr lvl="1"/>
-            <a:r>
-              <a:rPr lang="en-US" dirty="0" smtClean="0"/>
-              <a:t>Subset of virtual address data in DRAM</a:t>
-            </a:r>
-          </a:p>
-          <a:p>
-            <a:pPr lvl="1"/>
-            <a:r>
-              <a:rPr lang="en-US" dirty="0" smtClean="0"/>
-              <a:t>CPU translates virtual addresses into physical addresses (DRAM addresses)</a:t>
-            </a:r>
-          </a:p>
-          <a:p>
-            <a:pPr lvl="1"/>
-            <a:r>
-              <a:rPr lang="en-US" dirty="0" smtClean="0"/>
-              <a:t>Data not in DRAM fetched from hard drive</a:t>
-            </a:r>
-          </a:p>
-          <a:p>
-            <a:r>
-              <a:rPr lang="en-US" dirty="0" smtClean="0"/>
-              <a:t>Memory Protection</a:t>
-            </a:r>
-          </a:p>
-          <a:p>
-            <a:pPr lvl="1"/>
-            <a:r>
-              <a:rPr lang="en-US" dirty="0" smtClean="0"/>
-              <a:t>Each program has own virtual to physical mapping</a:t>
-            </a:r>
-          </a:p>
-          <a:p>
-            <a:pPr lvl="1"/>
-            <a:r>
-              <a:rPr lang="en-US" dirty="0" smtClean="0"/>
-              <a:t>Two programs can use same virtual address for different data</a:t>
-            </a:r>
-          </a:p>
-          <a:p>
-            <a:pPr lvl="1"/>
-            <a:r>
-              <a:rPr lang="en-US" dirty="0" smtClean="0"/>
-              <a:t>Programs don’t need to be aware others are running</a:t>
-            </a:r>
-          </a:p>
-          <a:p>
-            <a:pPr lvl="1"/>
-            <a:r>
-              <a:rPr lang="en-US" dirty="0" smtClean="0"/>
-              <a:t>One program (or virus) can’t corrupt memory used by another </a:t>
+              <a:t>Conditional code for different processors</a:t>
             </a:r>
           </a:p>
           <a:p>
@@ -6608,127 +5986,8 @@
           <a:lstStyle/>
           <a:p>
             <a:r>
-              <a:rPr lang="en-US" dirty="0" smtClean="0"/>
-              <a:t>Virtual Address Space</a:t>
-            </a:r>
-            <a:endParaRPr lang="ru-RU" dirty="0"/>
-          </a:p>
-        </p:txBody>
-      </p:sp>
-    </p:spTree>
-  </p:cSld>
-  <p:clrMapOvr>
-    <a:masterClrMapping/>
-  </p:clrMapOvr>
-</p:sld>
-</file>
-
-<file path=ppt/slides/slide4.xml><?xml version="1.0" encoding="utf-8"?>
-<p:sld xmlns:a="http://schemas.openxmlformats.org/drawingml/2006/main" xmlns:r="http://schemas.openxmlformats.org/officeDocument/2006/relationships" xmlns:p="http://schemas.openxmlformats.org/presentationml/2006/main">
-  <p:cSld>
-    <p:spTree>
-      <p:nvGrpSpPr>
-        <p:cNvPr id="1" name=""/>
-        <p:cNvGrpSpPr/>
-        <p:nvPr/>
-      </p:nvGrpSpPr>
-      <p:grpSpPr>
-        <a:xfrm>
-          <a:off x="0" y="0"/>
-          <a:ext cx="0" cy="0"/>
-          <a:chOff x="0" y="0"/>
-          <a:chExt cx="0" cy="0"/>
-        </a:xfrm>
-      </p:grpSpPr>
-      <p:sp>
-        <p:nvSpPr>
-          <p:cNvPr id="2" name="Содержимое 1"/>
-          <p:cNvSpPr>
-            <a:spLocks noGrp="1"/>
-          </p:cNvSpPr>
-          <p:nvPr>
-            <p:ph idx="1"/>
-          </p:nvPr>
-        </p:nvSpPr>
-        <p:spPr>
-          <a:xfrm>
-            <a:off x="838200" y="1178053"/>
-            <a:ext cx="10515600" cy="714247"/>
-          </a:xfrm>
-        </p:spPr>
-        <p:txBody>
-          <a:bodyPr/>
-          <a:lstStyle/>
-          <a:p>
-            <a:pPr algn="ctr">
-              <a:buNone/>
-            </a:pPr>
-            <a:r>
-              <a:rPr lang="en-US" dirty="0" smtClean="0"/>
-              <a:t>Physical memory acts as cache for virtual </a:t>
-            </a:r>
-            <a:r>
-              <a:rPr lang="en-US" dirty="0" smtClean="0"/>
-              <a:t>memory</a:t>
-            </a:r>
-          </a:p>
-          <a:p>
-            <a:pPr marL="742950" indent="-742950">
-              <a:buNone/>
-            </a:pPr>
-            <a:endParaRPr lang="ru-RU" dirty="0"/>
-          </a:p>
-        </p:txBody>
-      </p:sp>
-      <p:sp>
-        <p:nvSpPr>
-          <p:cNvPr id="3" name="Номер слайда 2"/>
-          <p:cNvSpPr>
-            <a:spLocks noGrp="1"/>
-          </p:cNvSpPr>
-          <p:nvPr>
-            <p:ph type="sldNum" sz="quarter" idx="12"/>
-          </p:nvPr>
-        </p:nvSpPr>
-        <p:spPr/>
-        <p:txBody>
-          <a:bodyPr/>
-          <a:lstStyle/>
-          <a:p>
-            <a:pPr algn="ctr"/>
-            <a:fld id="{1397BFD8-F312-4EF2-A268-44FB4BDDBBB0}" type="slidenum">
-              <a:rPr lang="ru-RU" smtClean="0"/>
-              <a:pPr algn="ctr"/>
-              <a:t>4</a:t>
-            </a:fld>
-            <a:endParaRPr lang="ru-RU" dirty="0"/>
-          </a:p>
-        </p:txBody>
-      </p:sp>
-      <p:sp>
-        <p:nvSpPr>
-          <p:cNvPr id="4" name="Заголовок 3"/>
-          <p:cNvSpPr>
-            <a:spLocks noGrp="1"/>
-          </p:cNvSpPr>
-          <p:nvPr>
-            <p:ph type="title"/>
-          </p:nvPr>
-        </p:nvSpPr>
-        <p:spPr/>
-        <p:txBody>
-          <a:bodyPr>
-            <a:normAutofit/>
-          </a:bodyPr>
-          <a:lstStyle/>
-          <a:p>
-            <a:r>
-              <a:rPr lang="en-US" dirty="0" smtClean="0"/>
-              <a:t>Cache/Virtual Memory </a:t>
-            </a:r>
-            <a:r>
-              <a:rPr lang="en-US" dirty="0" smtClean="0"/>
-              <a:t>Analogues</a:t>
+              <a:rPr lang="en-AU" altLang="en-US" dirty="0" smtClean="0"/>
+              <a:t>Instruction and Data Streams</a:t>
             </a:r>
             <a:endParaRPr lang="ru-RU" dirty="0"/>
           </a:p>
@@ -6736,35 +5995,28 @@
       </p:sp>
       <p:graphicFrame>
         <p:nvGraphicFramePr>
-          <p:cNvPr id="7" name="Group 6"/>
+          <p:cNvPr id="5" name="Group 61"/>
           <p:cNvGraphicFramePr>
-            <a:graphicFrameLocks/>
+            <a:graphicFrameLocks noGrp="1"/>
           </p:cNvGraphicFramePr>
-          <p:nvPr>
-            <p:custDataLst>
-              <p:tags r:id="rId1"/>
-            </p:custDataLst>
-            <p:extLst>
-              <p:ext uri="{D42A27DB-BD31-4B8C-83A1-F6EECF244321}">
-                <p14:modId xmlns:p14="http://schemas.microsoft.com/office/powerpoint/2010/main" xmlns="" val="565859680"/>
-              </p:ext>
-            </p:extLst>
-          </p:nvPr>
+          <p:nvPr/>
         </p:nvGraphicFramePr>
         <p:xfrm>
-          <a:off x="2235200" y="1943098"/>
-          <a:ext cx="7378700" cy="4292604"/>
+          <a:off x="1968500" y="1866900"/>
+          <a:ext cx="8991601" cy="2933699"/>
         </p:xfrm>
         <a:graphic>
           <a:graphicData uri="http://schemas.openxmlformats.org/drawingml/2006/table">
             <a:tbl>
               <a:tblPr/>
               <a:tblGrid>
-                <a:gridCol w="3689350"/>
-                <a:gridCol w="3689350"/>
+                <a:gridCol w="1651209"/>
+                <a:gridCol w="1459737"/>
+                <a:gridCol w="2896154"/>
+                <a:gridCol w="2984501"/>
               </a:tblGrid>
-              <a:tr h="715434">
-                <a:tc>
+              <a:tr h="522364">
+                <a:tc rowSpan="2" gridSpan="2">
                   <a:txBody>
                     <a:bodyPr/>
                     <a:lstStyle/>
@@ -6779,29 +6031,237 @@
                         <a:spcAft>
                           <a:spcPct val="0"/>
                         </a:spcAft>
-                        <a:buClrTx/>
-                        <a:buSzTx/>
-                        <a:buFontTx/>
+                        <a:buClr>
+                          <a:schemeClr val="folHlink"/>
+                        </a:buClr>
+                        <a:buSzPct val="60000"/>
+                        <a:buFont typeface="Wingdings" pitchFamily="2" charset="2"/>
+                        <a:buNone/>
+                        <a:tabLst/>
+                      </a:pPr>
+                      <a:endParaRPr kumimoji="0" lang="en-US" sz="2400" b="0" i="0" u="none" strike="noStrike" cap="none" normalizeH="0" baseline="0" dirty="0" smtClean="0">
+                        <a:ln>
+                          <a:noFill/>
+                        </a:ln>
+                        <a:solidFill>
+                          <a:schemeClr val="tx1"/>
+                        </a:solidFill>
+                        <a:effectLst/>
+                        <a:latin typeface="Arial" charset="0"/>
+                      </a:endParaRPr>
+                    </a:p>
+                  </a:txBody>
+                  <a:tcPr marT="45727" marB="45727" horzOverflow="overflow">
+                    <a:lnL w="28575" cap="flat" cmpd="sng" algn="ctr">
+                      <a:solidFill>
+                        <a:schemeClr val="tx1"/>
+                      </a:solidFill>
+                      <a:prstDash val="solid"/>
+                      <a:round/>
+                      <a:headEnd type="none" w="med" len="med"/>
+                      <a:tailEnd type="none" w="med" len="med"/>
+                    </a:lnL>
+                    <a:lnR w="12700" cap="flat" cmpd="sng" algn="ctr">
+                      <a:solidFill>
+                        <a:schemeClr val="tx1"/>
+                      </a:solidFill>
+                      <a:prstDash val="solid"/>
+                      <a:round/>
+                      <a:headEnd type="none" w="med" len="med"/>
+                      <a:tailEnd type="none" w="med" len="med"/>
+                    </a:lnR>
+                    <a:lnT w="28575" cap="flat" cmpd="sng" algn="ctr">
+                      <a:solidFill>
+                        <a:schemeClr val="tx1"/>
+                      </a:solidFill>
+                      <a:prstDash val="solid"/>
+                      <a:round/>
+                      <a:headEnd type="none" w="med" len="med"/>
+                      <a:tailEnd type="none" w="med" len="med"/>
+                    </a:lnT>
+                    <a:lnB w="12700" cap="flat" cmpd="sng" algn="ctr">
+                      <a:solidFill>
+                        <a:schemeClr val="tx1"/>
+                      </a:solidFill>
+                      <a:prstDash val="solid"/>
+                      <a:round/>
+                      <a:headEnd type="none" w="med" len="med"/>
+                      <a:tailEnd type="none" w="med" len="med"/>
+                    </a:lnB>
+                    <a:lnTlToBr>
+                      <a:noFill/>
+                    </a:lnTlToBr>
+                    <a:lnBlToTr>
+                      <a:noFill/>
+                    </a:lnBlToTr>
+                    <a:noFill/>
+                  </a:tcPr>
+                </a:tc>
+                <a:tc rowSpan="2" hMerge="1">
+                  <a:txBody>
+                    <a:bodyPr/>
+                    <a:lstStyle/>
+                    <a:p>
+                      <a:endParaRPr lang="en-US"/>
+                    </a:p>
+                  </a:txBody>
+                  <a:tcPr/>
+                </a:tc>
+                <a:tc gridSpan="2">
+                  <a:txBody>
+                    <a:bodyPr/>
+                    <a:lstStyle/>
+                    <a:p>
+                      <a:pPr marL="0" marR="0" lvl="0" indent="0" algn="ctr" defTabSz="914400" rtl="0" eaLnBrk="1" fontAlgn="base" latinLnBrk="0" hangingPunct="1">
+                        <a:lnSpc>
+                          <a:spcPct val="100000"/>
+                        </a:lnSpc>
+                        <a:spcBef>
+                          <a:spcPct val="20000"/>
+                        </a:spcBef>
+                        <a:spcAft>
+                          <a:spcPct val="0"/>
+                        </a:spcAft>
+                        <a:buClr>
+                          <a:schemeClr val="folHlink"/>
+                        </a:buClr>
+                        <a:buSzPct val="60000"/>
+                        <a:buFont typeface="Wingdings" pitchFamily="2" charset="2"/>
                         <a:buNone/>
                         <a:tabLst/>
                       </a:pPr>
                       <a:r>
-                        <a:rPr kumimoji="0" lang="en-US" sz="3600" b="1" i="0" u="none" strike="noStrike" cap="none" normalizeH="0" baseline="0" dirty="0" smtClean="0">
+                        <a:rPr kumimoji="0" lang="en-AU" sz="2400" b="0" i="0" u="none" strike="noStrike" cap="none" normalizeH="0" baseline="0" dirty="0" smtClean="0">
                           <a:ln>
                             <a:noFill/>
                           </a:ln>
                           <a:solidFill>
-                            <a:srgbClr val="F7B217"/>
+                            <a:srgbClr val="1E3272"/>
                           </a:solidFill>
                           <a:effectLst/>
-                          <a:latin typeface="+mn-lt"/>
-                          <a:cs typeface="Arial" charset="0"/>
+                          <a:latin typeface="Arial" charset="0"/>
                         </a:rPr>
-                        <a:t>Cache</a:t>
+                        <a:t>Data Streams</a:t>
                       </a:r>
                     </a:p>
                   </a:txBody>
-                  <a:tcPr anchor="ctr" horzOverflow="overflow">
+                  <a:tcPr marT="45727" marB="45727" horzOverflow="overflow">
+                    <a:lnL w="12700" cap="flat" cmpd="sng" algn="ctr">
+                      <a:solidFill>
+                        <a:schemeClr val="tx1"/>
+                      </a:solidFill>
+                      <a:prstDash val="solid"/>
+                      <a:round/>
+                      <a:headEnd type="none" w="med" len="med"/>
+                      <a:tailEnd type="none" w="med" len="med"/>
+                    </a:lnL>
+                    <a:lnR w="28575" cap="flat" cmpd="sng" algn="ctr">
+                      <a:solidFill>
+                        <a:schemeClr val="tx1"/>
+                      </a:solidFill>
+                      <a:prstDash val="solid"/>
+                      <a:round/>
+                      <a:headEnd type="none" w="med" len="med"/>
+                      <a:tailEnd type="none" w="med" len="med"/>
+                    </a:lnR>
+                    <a:lnT w="28575" cap="flat" cmpd="sng" algn="ctr">
+                      <a:solidFill>
+                        <a:schemeClr val="tx1"/>
+                      </a:solidFill>
+                      <a:prstDash val="solid"/>
+                      <a:round/>
+                      <a:headEnd type="none" w="med" len="med"/>
+                      <a:tailEnd type="none" w="med" len="med"/>
+                    </a:lnT>
+                    <a:lnB w="12700" cap="flat" cmpd="sng" algn="ctr">
+                      <a:solidFill>
+                        <a:schemeClr val="tx1"/>
+                      </a:solidFill>
+                      <a:prstDash val="solid"/>
+                      <a:round/>
+                      <a:headEnd type="none" w="med" len="med"/>
+                      <a:tailEnd type="none" w="med" len="med"/>
+                    </a:lnB>
+                    <a:lnTlToBr>
+                      <a:noFill/>
+                    </a:lnTlToBr>
+                    <a:lnBlToTr>
+                      <a:noFill/>
+                    </a:lnBlToTr>
+                    <a:noFill/>
+                  </a:tcPr>
+                </a:tc>
+                <a:tc hMerge="1">
+                  <a:txBody>
+                    <a:bodyPr/>
+                    <a:lstStyle/>
+                    <a:p>
+                      <a:endParaRPr lang="en-US"/>
+                    </a:p>
+                  </a:txBody>
+                  <a:tcPr/>
+                </a:tc>
+              </a:tr>
+              <a:tr h="522364">
+                <a:tc gridSpan="2" vMerge="1">
+                  <a:txBody>
+                    <a:bodyPr/>
+                    <a:lstStyle/>
+                    <a:p>
+                      <a:endParaRPr lang="en-US"/>
+                    </a:p>
+                  </a:txBody>
+                  <a:tcPr/>
+                </a:tc>
+                <a:tc hMerge="1" vMerge="1">
+                  <a:txBody>
+                    <a:bodyPr/>
+                    <a:lstStyle/>
+                    <a:p>
+                      <a:endParaRPr lang="en-US"/>
+                    </a:p>
+                  </a:txBody>
+                  <a:tcPr/>
+                </a:tc>
+                <a:tc>
+                  <a:txBody>
+                    <a:bodyPr/>
+                    <a:lstStyle/>
+                    <a:p>
+                      <a:pPr marL="0" marR="0" lvl="0" indent="0" algn="ctr" defTabSz="914400" rtl="0" eaLnBrk="1" fontAlgn="base" latinLnBrk="0" hangingPunct="1">
+                        <a:lnSpc>
+                          <a:spcPct val="100000"/>
+                        </a:lnSpc>
+                        <a:spcBef>
+                          <a:spcPct val="20000"/>
+                        </a:spcBef>
+                        <a:spcAft>
+                          <a:spcPct val="0"/>
+                        </a:spcAft>
+                        <a:buClr>
+                          <a:schemeClr val="folHlink"/>
+                        </a:buClr>
+                        <a:buSzPct val="60000"/>
+                        <a:buFont typeface="Wingdings" pitchFamily="2" charset="2"/>
+                        <a:buNone/>
+                        <a:tabLst/>
+                      </a:pPr>
+                      <a:r>
+                        <a:rPr kumimoji="0" lang="en-AU" sz="2400" b="0" i="0" u="none" strike="noStrike" cap="none" normalizeH="0" baseline="0" dirty="0" smtClean="0">
+                          <a:ln>
+                            <a:noFill/>
+                          </a:ln>
+                          <a:solidFill>
+                            <a:srgbClr val="1E3272"/>
+                          </a:solidFill>
+                          <a:effectLst/>
+                          <a:latin typeface="Arial" charset="0"/>
+                        </a:rPr>
+                        <a:t>Single</a:t>
+                      </a:r>
+                    </a:p>
+                  </a:txBody>
+                  <a:tcPr marT="45727" marB="45727" horzOverflow="overflow">
                     <a:lnL w="12700" cap="flat" cmpd="sng" algn="ctr">
                       <a:solidFill>
                         <a:schemeClr val="tx1"/>
@@ -6844,9 +6304,7 @@
                     <a:lnBlToTr>
                       <a:noFill/>
                     </a:lnBlToTr>
-                    <a:solidFill>
-                      <a:srgbClr val="2F5CB5"/>
-                    </a:solidFill>
+                    <a:noFill/>
                   </a:tcPr>
                 </a:tc>
                 <a:tc>
@@ -6854,7 +6312,7 @@
                     <a:bodyPr/>
                     <a:lstStyle/>
                     <a:p>
-                      <a:pPr marL="0" marR="0" lvl="0" indent="0" algn="l" defTabSz="914400" rtl="0" eaLnBrk="1" fontAlgn="base" latinLnBrk="0" hangingPunct="1">
+                      <a:pPr marL="0" marR="0" lvl="0" indent="0" algn="ctr" defTabSz="914400" rtl="0" eaLnBrk="1" fontAlgn="base" latinLnBrk="0" hangingPunct="1">
                         <a:lnSpc>
                           <a:spcPct val="100000"/>
                         </a:lnSpc>
@@ -6864,29 +6322,30 @@
                         <a:spcAft>
                           <a:spcPct val="0"/>
                         </a:spcAft>
-                        <a:buClrTx/>
-                        <a:buSzTx/>
-                        <a:buFontTx/>
+                        <a:buClr>
+                          <a:schemeClr val="folHlink"/>
+                        </a:buClr>
+                        <a:buSzPct val="60000"/>
+                        <a:buFont typeface="Wingdings" pitchFamily="2" charset="2"/>
                         <a:buNone/>
                         <a:tabLst/>
                       </a:pPr>
                       <a:r>
-                        <a:rPr kumimoji="0" lang="en-US" sz="3600" b="1" i="0" u="none" strike="noStrike" cap="none" normalizeH="0" baseline="0" dirty="0" smtClean="0">
+                        <a:rPr kumimoji="0" lang="en-AU" sz="2400" b="0" i="0" u="none" strike="noStrike" cap="none" normalizeH="0" baseline="0" dirty="0" smtClean="0">
                           <a:ln>
                             <a:noFill/>
                           </a:ln>
                           <a:solidFill>
-                            <a:srgbClr val="F7B217"/>
+                            <a:srgbClr val="1E3272"/>
                           </a:solidFill>
                           <a:effectLst/>
-                          <a:latin typeface="+mn-lt"/>
-                          <a:cs typeface="Arial" charset="0"/>
+                          <a:latin typeface="Arial" charset="0"/>
                         </a:rPr>
-                        <a:t>Virtual Memory</a:t>
+                        <a:t>Multiple</a:t>
                       </a:r>
                     </a:p>
                   </a:txBody>
-                  <a:tcPr anchor="ctr" horzOverflow="overflow">
+                  <a:tcPr marT="45727" marB="45727" horzOverflow="overflow">
                     <a:lnL w="12700" cap="flat" cmpd="sng" algn="ctr">
                       <a:solidFill>
                         <a:schemeClr val="tx1"/>
@@ -6896,7 +6355,7 @@
                       <a:headEnd type="none" w="med" len="med"/>
                       <a:tailEnd type="none" w="med" len="med"/>
                     </a:lnL>
-                    <a:lnR w="12700" cap="flat" cmpd="sng" algn="ctr">
+                    <a:lnR w="28575" cap="flat" cmpd="sng" algn="ctr">
                       <a:solidFill>
                         <a:schemeClr val="tx1"/>
                       </a:solidFill>
@@ -6929,13 +6388,95 @@
                     <a:lnBlToTr>
                       <a:noFill/>
                     </a:lnBlToTr>
-                    <a:solidFill>
-                      <a:srgbClr val="2F5CB5"/>
-                    </a:solidFill>
+                    <a:noFill/>
                   </a:tcPr>
                 </a:tc>
               </a:tr>
-              <a:tr h="715434">
+              <a:tr h="924185">
+                <a:tc rowSpan="2">
+                  <a:txBody>
+                    <a:bodyPr/>
+                    <a:lstStyle/>
+                    <a:p>
+                      <a:pPr marL="0" marR="0" lvl="0" indent="0" algn="l" defTabSz="914400" rtl="0" eaLnBrk="1" fontAlgn="base" latinLnBrk="0" hangingPunct="1">
+                        <a:lnSpc>
+                          <a:spcPct val="100000"/>
+                        </a:lnSpc>
+                        <a:spcBef>
+                          <a:spcPct val="20000"/>
+                        </a:spcBef>
+                        <a:spcAft>
+                          <a:spcPct val="0"/>
+                        </a:spcAft>
+                        <a:buClr>
+                          <a:schemeClr val="folHlink"/>
+                        </a:buClr>
+                        <a:buSzPct val="60000"/>
+                        <a:buFont typeface="Wingdings" pitchFamily="2" charset="2"/>
+                        <a:buNone/>
+                        <a:tabLst/>
+                      </a:pPr>
+                      <a:r>
+                        <a:rPr kumimoji="0" lang="en-AU" sz="2400" b="0" i="0" u="none" strike="noStrike" cap="none" normalizeH="0" baseline="0" dirty="0" smtClean="0">
+                          <a:ln>
+                            <a:noFill/>
+                          </a:ln>
+                          <a:solidFill>
+                            <a:srgbClr val="1E3272"/>
+                          </a:solidFill>
+                          <a:effectLst/>
+                          <a:latin typeface="Arial" charset="0"/>
+                        </a:rPr>
+                        <a:t>Instruction Streams</a:t>
+                      </a:r>
+                    </a:p>
+                  </a:txBody>
+                  <a:tcPr marT="45727" marB="45727" horzOverflow="overflow">
+                    <a:lnL w="28575" cap="flat" cmpd="sng" algn="ctr">
+                      <a:solidFill>
+                        <a:schemeClr val="tx1"/>
+                      </a:solidFill>
+                      <a:prstDash val="solid"/>
+                      <a:round/>
+                      <a:headEnd type="none" w="med" len="med"/>
+                      <a:tailEnd type="none" w="med" len="med"/>
+                    </a:lnL>
+                    <a:lnR w="12700" cap="flat" cmpd="sng" algn="ctr">
+                      <a:solidFill>
+                        <a:schemeClr val="tx1"/>
+                      </a:solidFill>
+                      <a:prstDash val="solid"/>
+                      <a:round/>
+                      <a:headEnd type="none" w="med" len="med"/>
+                      <a:tailEnd type="none" w="med" len="med"/>
+                    </a:lnR>
+                    <a:lnT w="12700" cap="flat" cmpd="sng" algn="ctr">
+                      <a:solidFill>
+                        <a:schemeClr val="tx1"/>
+                      </a:solidFill>
+                      <a:prstDash val="solid"/>
+                      <a:round/>
+                      <a:headEnd type="none" w="med" len="med"/>
+                      <a:tailEnd type="none" w="med" len="med"/>
+                    </a:lnT>
+                    <a:lnB w="28575" cap="flat" cmpd="sng" algn="ctr">
+                      <a:solidFill>
+                        <a:schemeClr val="tx1"/>
+                      </a:solidFill>
+                      <a:prstDash val="solid"/>
+                      <a:round/>
+                      <a:headEnd type="none" w="med" len="med"/>
+                      <a:tailEnd type="none" w="med" len="med"/>
+                    </a:lnB>
+                    <a:lnTlToBr>
+                      <a:noFill/>
+                    </a:lnTlToBr>
+                    <a:lnBlToTr>
+                      <a:noFill/>
+                    </a:lnBlToTr>
+                    <a:noFill/>
+                  </a:tcPr>
+                </a:tc>
                 <a:tc>
                   <a:txBody>
                     <a:bodyPr/>
@@ -6951,14 +6492,16 @@
                         <a:spcAft>
                           <a:spcPct val="0"/>
                         </a:spcAft>
-                        <a:buClrTx/>
-                        <a:buSzTx/>
-                        <a:buFontTx/>
+                        <a:buClr>
+                          <a:schemeClr val="folHlink"/>
+                        </a:buClr>
+                        <a:buSzPct val="60000"/>
+                        <a:buFont typeface="Wingdings" pitchFamily="2" charset="2"/>
                         <a:buNone/>
                         <a:tabLst/>
                       </a:pPr>
                       <a:r>
-                        <a:rPr kumimoji="0" lang="en-US" sz="2800" b="1" i="0" u="none" strike="noStrike" cap="none" normalizeH="0" baseline="0" dirty="0" smtClean="0">
+                        <a:rPr kumimoji="0" lang="en-AU" sz="2400" b="0" i="0" u="none" strike="noStrike" cap="none" normalizeH="0" baseline="0" dirty="0" smtClean="0">
                           <a:ln>
                             <a:noFill/>
                           </a:ln>
@@ -6966,14 +6509,13 @@
                             <a:srgbClr val="1E3272"/>
                           </a:solidFill>
                           <a:effectLst/>
-                          <a:latin typeface="+mn-lt"/>
-                          <a:cs typeface="Arial" charset="0"/>
+                          <a:latin typeface="Arial" charset="0"/>
                         </a:rPr>
-                        <a:t>Block</a:t>
+                        <a:t>Single</a:t>
                       </a:r>
                     </a:p>
                   </a:txBody>
-                  <a:tcPr anchor="ctr" horzOverflow="overflow">
+                  <a:tcPr marT="45727" marB="45727" horzOverflow="overflow">
                     <a:lnL w="12700" cap="flat" cmpd="sng" algn="ctr">
                       <a:solidFill>
                         <a:schemeClr val="tx1"/>
@@ -7034,14 +6576,16 @@
                         <a:spcAft>
                           <a:spcPct val="0"/>
                         </a:spcAft>
-                        <a:buClrTx/>
-                        <a:buSzTx/>
-                        <a:buFontTx/>
+                        <a:buClr>
+                          <a:schemeClr val="folHlink"/>
+                        </a:buClr>
+                        <a:buSzPct val="60000"/>
+                        <a:buFont typeface="Wingdings" pitchFamily="2" charset="2"/>
                         <a:buNone/>
                         <a:tabLst/>
                       </a:pPr>
                       <a:r>
-                        <a:rPr kumimoji="0" lang="en-US" sz="2800" b="1" i="0" u="none" strike="noStrike" cap="none" normalizeH="0" baseline="0" dirty="0" smtClean="0">
+                        <a:rPr kumimoji="0" lang="en-AU" sz="2400" b="1" i="0" u="none" strike="noStrike" cap="none" normalizeH="0" baseline="0" dirty="0" smtClean="0">
                           <a:ln>
                             <a:noFill/>
                           </a:ln>
@@ -7049,84 +6593,12 @@
                             <a:srgbClr val="1E3272"/>
                           </a:solidFill>
                           <a:effectLst/>
-                          <a:latin typeface="+mn-lt"/>
-                          <a:cs typeface="Arial" charset="0"/>
+                          <a:latin typeface="Arial" charset="0"/>
                         </a:rPr>
-                        <a:t>Page</a:t>
+                        <a:t>SISD</a:t>
                       </a:r>
-                    </a:p>
-                  </a:txBody>
-                  <a:tcPr anchor="ctr" horzOverflow="overflow">
-                    <a:lnL w="12700" cap="flat" cmpd="sng" algn="ctr">
-                      <a:solidFill>
-                        <a:schemeClr val="tx1"/>
-                      </a:solidFill>
-                      <a:prstDash val="solid"/>
-                      <a:round/>
-                      <a:headEnd type="none" w="med" len="med"/>
-                      <a:tailEnd type="none" w="med" len="med"/>
-                    </a:lnL>
-                    <a:lnR w="12700" cap="flat" cmpd="sng" algn="ctr">
-                      <a:solidFill>
-                        <a:schemeClr val="tx1"/>
-                      </a:solidFill>
-                      <a:prstDash val="solid"/>
-                      <a:round/>
-                      <a:headEnd type="none" w="med" len="med"/>
-                      <a:tailEnd type="none" w="med" len="med"/>
-                    </a:lnR>
-                    <a:lnT w="12700" cap="flat" cmpd="sng" algn="ctr">
-                      <a:solidFill>
-                        <a:schemeClr val="tx1"/>
-                      </a:solidFill>
-                      <a:prstDash val="solid"/>
-                      <a:round/>
-                      <a:headEnd type="none" w="med" len="med"/>
-                      <a:tailEnd type="none" w="med" len="med"/>
-                    </a:lnT>
-                    <a:lnB w="12700" cap="flat" cmpd="sng" algn="ctr">
-                      <a:solidFill>
-                        <a:schemeClr val="tx1"/>
-                      </a:solidFill>
-                      <a:prstDash val="solid"/>
-                      <a:round/>
-                      <a:headEnd type="none" w="med" len="med"/>
-                      <a:tailEnd type="none" w="med" len="med"/>
-                    </a:lnB>
-                    <a:lnTlToBr>
-                      <a:noFill/>
-                    </a:lnTlToBr>
-                    <a:lnBlToTr>
-                      <a:noFill/>
-                    </a:lnBlToTr>
-                    <a:noFill/>
-                  </a:tcPr>
-                </a:tc>
-              </a:tr>
-              <a:tr h="715434">
-                <a:tc>
-                  <a:txBody>
-                    <a:bodyPr/>
-                    <a:lstStyle/>
-                    <a:p>
-                      <a:pPr marL="0" marR="0" lvl="0" indent="0" algn="l" defTabSz="914400" rtl="0" eaLnBrk="1" fontAlgn="base" latinLnBrk="0" hangingPunct="1">
-                        <a:lnSpc>
-                          <a:spcPct val="100000"/>
-                        </a:lnSpc>
-                        <a:spcBef>
-                          <a:spcPct val="20000"/>
-                        </a:spcBef>
-                        <a:spcAft>
-                          <a:spcPct val="0"/>
-                        </a:spcAft>
-                        <a:buClrTx/>
-                        <a:buSzTx/>
-                        <a:buFontTx/>
-                        <a:buNone/>
-                        <a:tabLst/>
-                      </a:pPr>
                       <a:r>
-                        <a:rPr kumimoji="0" lang="en-US" sz="2800" b="1" i="0" u="none" strike="noStrike" cap="none" normalizeH="0" baseline="0" dirty="0" smtClean="0">
+                        <a:rPr kumimoji="0" lang="en-AU" sz="2400" b="0" i="0" u="none" strike="noStrike" cap="none" normalizeH="0" baseline="0" dirty="0" smtClean="0">
                           <a:ln>
                             <a:noFill/>
                           </a:ln>
@@ -7134,14 +6606,38 @@
                             <a:srgbClr val="1E3272"/>
                           </a:solidFill>
                           <a:effectLst/>
-                          <a:latin typeface="+mn-lt"/>
-                          <a:cs typeface="Arial" charset="0"/>
+                          <a:latin typeface="Arial" charset="0"/>
                         </a:rPr>
-                        <a:t>Block Size</a:t>
+                        <a:t>:</a:t>
+                      </a:r>
+                      <a:br>
+                        <a:rPr kumimoji="0" lang="en-AU" sz="2400" b="0" i="0" u="none" strike="noStrike" cap="none" normalizeH="0" baseline="0" dirty="0" smtClean="0">
+                          <a:ln>
+                            <a:noFill/>
+                          </a:ln>
+                          <a:solidFill>
+                            <a:srgbClr val="1E3272"/>
+                          </a:solidFill>
+                          <a:effectLst/>
+                          <a:latin typeface="Arial" charset="0"/>
+                        </a:rPr>
+                      </a:br>
+                      <a:r>
+                        <a:rPr kumimoji="0" lang="en-AU" sz="2400" b="0" i="0" u="none" strike="noStrike" cap="none" normalizeH="0" baseline="0" dirty="0" smtClean="0">
+                          <a:ln>
+                            <a:noFill/>
+                          </a:ln>
+                          <a:solidFill>
+                            <a:srgbClr val="1E3272"/>
+                          </a:solidFill>
+                          <a:effectLst/>
+                          <a:latin typeface="Arial" charset="0"/>
+                        </a:rPr>
+                        <a:t>Intel Pentium 4</a:t>
                       </a:r>
                     </a:p>
                   </a:txBody>
-                  <a:tcPr anchor="ctr" horzOverflow="overflow">
+                  <a:tcPr marT="45727" marB="45727" horzOverflow="overflow">
                     <a:lnL w="12700" cap="flat" cmpd="sng" algn="ctr">
                       <a:solidFill>
                         <a:schemeClr val="tx1"/>
@@ -7202,14 +6698,16 @@
                         <a:spcAft>
                           <a:spcPct val="0"/>
                         </a:spcAft>
-                        <a:buClrTx/>
-                        <a:buSzTx/>
-                        <a:buFontTx/>
+                        <a:buClr>
+                          <a:schemeClr val="folHlink"/>
+                        </a:buClr>
+                        <a:buSzPct val="60000"/>
+                        <a:buFont typeface="Wingdings" pitchFamily="2" charset="2"/>
                         <a:buNone/>
                         <a:tabLst/>
                       </a:pPr>
                       <a:r>
-                        <a:rPr kumimoji="0" lang="en-US" sz="2800" b="1" i="0" u="none" strike="noStrike" cap="none" normalizeH="0" baseline="0" dirty="0" smtClean="0">
+                        <a:rPr kumimoji="0" lang="en-AU" sz="2400" b="1" i="0" u="none" strike="noStrike" cap="none" normalizeH="0" baseline="0" dirty="0" smtClean="0">
                           <a:ln>
                             <a:noFill/>
                           </a:ln>
@@ -7217,14 +6715,26 @@
                             <a:srgbClr val="1E3272"/>
                           </a:solidFill>
                           <a:effectLst/>
-                          <a:latin typeface="+mn-lt"/>
-                          <a:cs typeface="Arial" charset="0"/>
+                          <a:latin typeface="Arial" charset="0"/>
                         </a:rPr>
-                        <a:t>Page Size</a:t>
+                        <a:t>SIMD</a:t>
+                      </a:r>
+                      <a:r>
+                        <a:rPr kumimoji="0" lang="en-AU" sz="2400" b="0" i="0" u="none" strike="noStrike" cap="none" normalizeH="0" baseline="0" dirty="0" smtClean="0">
+                          <a:ln>
+                            <a:noFill/>
+                          </a:ln>
+                          <a:solidFill>
+                            <a:srgbClr val="1E3272"/>
+                          </a:solidFill>
+                          <a:effectLst/>
+                          <a:latin typeface="Arial" charset="0"/>
+                        </a:rPr>
+                        <a:t>: SSE instructions of x86</a:t>
                       </a:r>
                     </a:p>
                   </a:txBody>
-                  <a:tcPr anchor="ctr" horzOverflow="overflow">
+                  <a:tcPr marT="45727" marB="45727" horzOverflow="overflow">
                     <a:lnL w="12700" cap="flat" cmpd="sng" algn="ctr">
                       <a:solidFill>
                         <a:schemeClr val="tx1"/>
@@ -7234,7 +6744,7 @@
                       <a:headEnd type="none" w="med" len="med"/>
                       <a:tailEnd type="none" w="med" len="med"/>
                     </a:lnL>
-                    <a:lnR w="12700" cap="flat" cmpd="sng" algn="ctr">
+                    <a:lnR w="28575" cap="flat" cmpd="sng" algn="ctr">
                       <a:solidFill>
                         <a:schemeClr val="tx1"/>
                       </a:solidFill>
@@ -7271,7 +6781,17 @@
                   </a:tcPr>
                 </a:tc>
               </a:tr>
-              <a:tr h="715434">
+              <a:tr h="964786">
+                <a:tc vMerge="1">
+                  <a:txBody>
+                    <a:bodyPr/>
+                    <a:lstStyle/>
+                    <a:p>
+                      <a:endParaRPr lang="en-US"/>
+                    </a:p>
+                  </a:txBody>
+                  <a:tcPr/>
+                </a:tc>
                 <a:tc>
                   <a:txBody>
                     <a:bodyPr/>
@@ -7287,14 +6807,16 @@
                         <a:spcAft>
                           <a:spcPct val="0"/>
                         </a:spcAft>
-                        <a:buClrTx/>
-                        <a:buSzTx/>
-                        <a:buFontTx/>
+                        <a:buClr>
+                          <a:schemeClr val="folHlink"/>
+                        </a:buClr>
+                        <a:buSzPct val="60000"/>
+                        <a:buFont typeface="Wingdings" pitchFamily="2" charset="2"/>
                         <a:buNone/>
                         <a:tabLst/>
                       </a:pPr>
                       <a:r>
-                        <a:rPr kumimoji="0" lang="en-US" sz="2800" b="1" i="0" u="none" strike="noStrike" cap="none" normalizeH="0" baseline="0" dirty="0" smtClean="0">
+                        <a:rPr kumimoji="0" lang="en-AU" sz="2400" b="0" i="0" u="none" strike="noStrike" cap="none" normalizeH="0" baseline="0" dirty="0" smtClean="0">
                           <a:ln>
                             <a:noFill/>
                           </a:ln>
@@ -7302,14 +6824,13 @@
                             <a:srgbClr val="1E3272"/>
                           </a:solidFill>
                           <a:effectLst/>
-                          <a:latin typeface="+mn-lt"/>
-                          <a:cs typeface="Arial" charset="0"/>
+                          <a:latin typeface="Arial" charset="0"/>
                         </a:rPr>
-                        <a:t>Block Offset</a:t>
+                        <a:t>Multiple</a:t>
                       </a:r>
                     </a:p>
                   </a:txBody>
-                  <a:tcPr anchor="ctr" horzOverflow="overflow">
+                  <a:tcPr marT="45727" marB="45727" horzOverflow="overflow">
                     <a:lnL w="12700" cap="flat" cmpd="sng" algn="ctr">
                       <a:solidFill>
                         <a:schemeClr val="tx1"/>
@@ -7337,7 +6858,7 @@
                       <a:headEnd type="none" w="med" len="med"/>
                       <a:tailEnd type="none" w="med" len="med"/>
                     </a:lnT>
-                    <a:lnB w="12700" cap="flat" cmpd="sng" algn="ctr">
+                    <a:lnB w="28575" cap="flat" cmpd="sng" algn="ctr">
                       <a:solidFill>
                         <a:schemeClr val="tx1"/>
                       </a:solidFill>
@@ -7370,14 +6891,16 @@
                         <a:spcAft>
                           <a:spcPct val="0"/>
                         </a:spcAft>
-                        <a:buClrTx/>
-                        <a:buSzTx/>
-                        <a:buFontTx/>
+                        <a:buClr>
+                          <a:schemeClr val="folHlink"/>
+                        </a:buClr>
+                        <a:buSzPct val="60000"/>
+                        <a:buFont typeface="Wingdings" pitchFamily="2" charset="2"/>
                         <a:buNone/>
                         <a:tabLst/>
                       </a:pPr>
                       <a:r>
-                        <a:rPr kumimoji="0" lang="en-US" sz="2800" b="1" i="0" u="none" strike="noStrike" cap="none" normalizeH="0" baseline="0" dirty="0" smtClean="0">
+                        <a:rPr kumimoji="0" lang="en-AU" sz="2400" b="1" i="0" u="none" strike="noStrike" cap="none" normalizeH="0" baseline="0" dirty="0" smtClean="0">
                           <a:ln>
                             <a:noFill/>
                           </a:ln>
@@ -7385,14 +6908,51 @@
                             <a:srgbClr val="1E3272"/>
                           </a:solidFill>
                           <a:effectLst/>
-                          <a:latin typeface="+mn-lt"/>
-                          <a:cs typeface="Arial" charset="0"/>
+                          <a:latin typeface="Arial" charset="0"/>
                         </a:rPr>
-                        <a:t>Page Offset</a:t>
+                        <a:t>MISD</a:t>
+                      </a:r>
+                      <a:r>
+                        <a:rPr kumimoji="0" lang="en-AU" sz="2400" b="0" i="0" u="none" strike="noStrike" cap="none" normalizeH="0" baseline="0" dirty="0" smtClean="0">
+                          <a:ln>
+                            <a:noFill/>
+                          </a:ln>
+                          <a:solidFill>
+                            <a:srgbClr val="1E3272"/>
+                          </a:solidFill>
+                          <a:effectLst/>
+                          <a:latin typeface="Arial" charset="0"/>
+                        </a:rPr>
+                        <a:t>:</a:t>
+                      </a:r>
+                      <a:br>
+                        <a:rPr kumimoji="0" lang="en-AU" sz="2400" b="0" i="0" u="none" strike="noStrike" cap="none" normalizeH="0" baseline="0" dirty="0" smtClean="0">
+                          <a:ln>
+                            <a:noFill/>
+                          </a:ln>
+                          <a:solidFill>
+                            <a:srgbClr val="1E3272"/>
+                          </a:solidFill>
+                          <a:effectLst/>
+                          <a:latin typeface="Arial" charset="0"/>
+                        </a:rPr>
+                      </a:br>
+                      <a:r>
+                        <a:rPr kumimoji="0" lang="en-AU" sz="2400" b="0" i="0" u="none" strike="noStrike" cap="none" normalizeH="0" baseline="0" dirty="0" smtClean="0">
+                          <a:ln>
+                            <a:noFill/>
+                          </a:ln>
+                          <a:solidFill>
+                            <a:srgbClr val="1E3272"/>
+                          </a:solidFill>
+                          <a:effectLst/>
+                          <a:latin typeface="Arial" charset="0"/>
+                        </a:rPr>
+                        <a:t>No examples today</a:t>
                       </a:r>
                     </a:p>
                   </a:txBody>
-                  <a:tcPr anchor="ctr" horzOverflow="overflow">
+                  <a:tcPr marT="45727" marB="45727" horzOverflow="overflow">
                     <a:lnL w="12700" cap="flat" cmpd="sng" algn="ctr">
                       <a:solidFill>
                         <a:schemeClr val="tx1"/>
@@ -7420,92 +6980,7 @@
                       <a:headEnd type="none" w="med" len="med"/>
                       <a:tailEnd type="none" w="med" len="med"/>
                     </a:lnT>
-                    <a:lnB w="12700" cap="flat" cmpd="sng" algn="ctr">
-                      <a:solidFill>
-                        <a:schemeClr val="tx1"/>
-                      </a:solidFill>
-                      <a:prstDash val="solid"/>
-                      <a:round/>
-                      <a:headEnd type="none" w="med" len="med"/>
-                      <a:tailEnd type="none" w="med" len="med"/>
-                    </a:lnB>
-                    <a:lnTlToBr>
-                      <a:noFill/>
-                    </a:lnTlToBr>
-                    <a:lnBlToTr>
-                      <a:noFill/>
-                    </a:lnBlToTr>
-                    <a:noFill/>
-                  </a:tcPr>
-                </a:tc>
-              </a:tr>
-              <a:tr h="715434">
-                <a:tc>
-                  <a:txBody>
-                    <a:bodyPr/>
-                    <a:lstStyle/>
-                    <a:p>
-                      <a:pPr marL="0" marR="0" lvl="0" indent="0" algn="l" defTabSz="914400" rtl="0" eaLnBrk="1" fontAlgn="base" latinLnBrk="0" hangingPunct="1">
-                        <a:lnSpc>
-                          <a:spcPct val="100000"/>
-                        </a:lnSpc>
-                        <a:spcBef>
-                          <a:spcPct val="20000"/>
-                        </a:spcBef>
-                        <a:spcAft>
-                          <a:spcPct val="0"/>
-                        </a:spcAft>
-                        <a:buClrTx/>
-                        <a:buSzTx/>
-                        <a:buFontTx/>
-                        <a:buNone/>
-                        <a:tabLst/>
-                      </a:pPr>
-                      <a:r>
-                        <a:rPr kumimoji="0" lang="en-US" sz="2800" b="1" i="0" u="none" strike="noStrike" cap="none" normalizeH="0" baseline="0" dirty="0" smtClean="0">
-                          <a:ln>
-                            <a:noFill/>
-                          </a:ln>
-                          <a:solidFill>
-                            <a:srgbClr val="1E3272"/>
-                          </a:solidFill>
-                          <a:effectLst/>
-                          <a:latin typeface="+mn-lt"/>
-                          <a:cs typeface="Arial" charset="0"/>
-                        </a:rPr>
-                        <a:t>Miss</a:t>
-                      </a:r>
-                    </a:p>
-                  </a:txBody>
-                  <a:tcPr anchor="ctr" horzOverflow="overflow">
-                    <a:lnL w="12700" cap="flat" cmpd="sng" algn="ctr">
-                      <a:solidFill>
-                        <a:schemeClr val="tx1"/>
-                      </a:solidFill>
-                      <a:prstDash val="solid"/>
-                      <a:round/>
-                      <a:headEnd type="none" w="med" len="med"/>
-                      <a:tailEnd type="none" w="med" len="med"/>
-                    </a:lnL>
-                    <a:lnR w="12700" cap="flat" cmpd="sng" algn="ctr">
-                      <a:solidFill>
-                        <a:schemeClr val="tx1"/>
-                      </a:solidFill>
-                      <a:prstDash val="solid"/>
-                      <a:round/>
-                      <a:headEnd type="none" w="med" len="med"/>
-                      <a:tailEnd type="none" w="med" len="med"/>
-                    </a:lnR>
-                    <a:lnT w="12700" cap="flat" cmpd="sng" algn="ctr">
-                      <a:solidFill>
-                        <a:schemeClr val="tx1"/>
-                      </a:solidFill>
-                      <a:prstDash val="solid"/>
-                      <a:round/>
-                      <a:headEnd type="none" w="med" len="med"/>
-                      <a:tailEnd type="none" w="med" len="med"/>
-                    </a:lnT>
-                    <a:lnB w="12700" cap="flat" cmpd="sng" algn="ctr">
+                    <a:lnB w="28575" cap="flat" cmpd="sng" algn="ctr">
                       <a:solidFill>
                         <a:schemeClr val="tx1"/>
                       </a:solidFill>
@@ -7538,14 +7013,16 @@
                         <a:spcAft>
                           <a:spcPct val="0"/>
                         </a:spcAft>
-                        <a:buClrTx/>
-                        <a:buSzTx/>
-                        <a:buFontTx/>
+                        <a:buClr>
+                          <a:schemeClr val="folHlink"/>
+                        </a:buClr>
+                        <a:buSzPct val="60000"/>
+                        <a:buFont typeface="Wingdings" pitchFamily="2" charset="2"/>
                         <a:buNone/>
                         <a:tabLst/>
                       </a:pPr>
                       <a:r>
-                        <a:rPr kumimoji="0" lang="en-US" sz="2800" b="1" i="0" u="none" strike="noStrike" cap="none" normalizeH="0" baseline="0" dirty="0" smtClean="0">
+                        <a:rPr kumimoji="0" lang="en-AU" sz="2400" b="1" i="0" u="none" strike="noStrike" cap="none" normalizeH="0" baseline="0" dirty="0" smtClean="0">
                           <a:ln>
                             <a:noFill/>
                           </a:ln>
@@ -7553,14 +7030,51 @@
                             <a:srgbClr val="1E3272"/>
                           </a:solidFill>
                           <a:effectLst/>
-                          <a:latin typeface="+mn-lt"/>
-                          <a:cs typeface="Arial" charset="0"/>
+                          <a:latin typeface="Arial" charset="0"/>
                         </a:rPr>
-                        <a:t>Page Fault</a:t>
+                        <a:t>MIMD</a:t>
+                      </a:r>
+                      <a:r>
+                        <a:rPr kumimoji="0" lang="en-AU" sz="2400" b="0" i="0" u="none" strike="noStrike" cap="none" normalizeH="0" baseline="0" dirty="0" smtClean="0">
+                          <a:ln>
+                            <a:noFill/>
+                          </a:ln>
+                          <a:solidFill>
+                            <a:srgbClr val="1E3272"/>
+                          </a:solidFill>
+                          <a:effectLst/>
+                          <a:latin typeface="Arial" charset="0"/>
+                        </a:rPr>
+                        <a:t>:</a:t>
+                      </a:r>
+                      <a:br>
+                        <a:rPr kumimoji="0" lang="en-AU" sz="2400" b="0" i="0" u="none" strike="noStrike" cap="none" normalizeH="0" baseline="0" dirty="0" smtClean="0">
+                          <a:ln>
+                            <a:noFill/>
+                          </a:ln>
+                          <a:solidFill>
+                            <a:srgbClr val="1E3272"/>
+                          </a:solidFill>
+                          <a:effectLst/>
+                          <a:latin typeface="Arial" charset="0"/>
+                        </a:rPr>
+                      </a:br>
+                      <a:r>
+                        <a:rPr kumimoji="0" lang="en-AU" sz="2400" b="0" i="0" u="none" strike="noStrike" cap="none" normalizeH="0" baseline="0" dirty="0" smtClean="0">
+                          <a:ln>
+                            <a:noFill/>
+                          </a:ln>
+                          <a:solidFill>
+                            <a:srgbClr val="1E3272"/>
+                          </a:solidFill>
+                          <a:effectLst/>
+                          <a:latin typeface="Arial" charset="0"/>
+                        </a:rPr>
+                        <a:t>Intel Xeon e5345</a:t>
                       </a:r>
                     </a:p>
                   </a:txBody>
-                  <a:tcPr anchor="ctr" horzOverflow="overflow">
+                  <a:tcPr marT="45727" marB="45727" horzOverflow="overflow">
                     <a:lnL w="12700" cap="flat" cmpd="sng" algn="ctr">
                       <a:solidFill>
                         <a:schemeClr val="tx1"/>
@@ -7570,7 +7084,7 @@
                       <a:headEnd type="none" w="med" len="med"/>
                       <a:tailEnd type="none" w="med" len="med"/>
                     </a:lnL>
-                    <a:lnR w="12700" cap="flat" cmpd="sng" algn="ctr">
+                    <a:lnR w="28575" cap="flat" cmpd="sng" algn="ctr">
                       <a:solidFill>
                         <a:schemeClr val="tx1"/>
                       </a:solidFill>
@@ -7588,175 +7102,7 @@
                       <a:headEnd type="none" w="med" len="med"/>
                       <a:tailEnd type="none" w="med" len="med"/>
                     </a:lnT>
-                    <a:lnB w="12700" cap="flat" cmpd="sng" algn="ctr">
-                      <a:solidFill>
-                        <a:schemeClr val="tx1"/>
-                      </a:solidFill>
-                      <a:prstDash val="solid"/>
-                      <a:round/>
-                      <a:headEnd type="none" w="med" len="med"/>
-                      <a:tailEnd type="none" w="med" len="med"/>
-                    </a:lnB>
-                    <a:lnTlToBr>
-                      <a:noFill/>
-                    </a:lnTlToBr>
-                    <a:lnBlToTr>
-                      <a:noFill/>
-                    </a:lnBlToTr>
-                    <a:noFill/>
-                  </a:tcPr>
-                </a:tc>
-              </a:tr>
-              <a:tr h="715434">
-                <a:tc>
-                  <a:txBody>
-                    <a:bodyPr/>
-                    <a:lstStyle/>
-                    <a:p>
-                      <a:pPr marL="0" marR="0" lvl="0" indent="0" algn="l" defTabSz="914400" rtl="0" eaLnBrk="1" fontAlgn="base" latinLnBrk="0" hangingPunct="1">
-                        <a:lnSpc>
-                          <a:spcPct val="100000"/>
-                        </a:lnSpc>
-                        <a:spcBef>
-                          <a:spcPct val="20000"/>
-                        </a:spcBef>
-                        <a:spcAft>
-                          <a:spcPct val="0"/>
-                        </a:spcAft>
-                        <a:buClrTx/>
-                        <a:buSzTx/>
-                        <a:buFontTx/>
-                        <a:buNone/>
-                        <a:tabLst/>
-                      </a:pPr>
-                      <a:r>
-                        <a:rPr kumimoji="0" lang="en-US" sz="2800" b="1" i="0" u="none" strike="noStrike" cap="none" normalizeH="0" baseline="0" dirty="0" smtClean="0">
-                          <a:ln>
-                            <a:noFill/>
-                          </a:ln>
-                          <a:solidFill>
-                            <a:srgbClr val="1E3272"/>
-                          </a:solidFill>
-                          <a:effectLst/>
-                          <a:latin typeface="+mn-lt"/>
-                          <a:cs typeface="Arial" charset="0"/>
-                        </a:rPr>
-                        <a:t>Tag</a:t>
-                      </a:r>
-                    </a:p>
-                  </a:txBody>
-                  <a:tcPr anchor="ctr" horzOverflow="overflow">
-                    <a:lnL w="12700" cap="flat" cmpd="sng" algn="ctr">
-                      <a:solidFill>
-                        <a:schemeClr val="tx1"/>
-                      </a:solidFill>
-                      <a:prstDash val="solid"/>
-                      <a:round/>
-                      <a:headEnd type="none" w="med" len="med"/>
-                      <a:tailEnd type="none" w="med" len="med"/>
-                    </a:lnL>
-                    <a:lnR w="12700" cap="flat" cmpd="sng" algn="ctr">
-                      <a:solidFill>
-                        <a:schemeClr val="tx1"/>
-                      </a:solidFill>
-                      <a:prstDash val="solid"/>
-                      <a:round/>
-                      <a:headEnd type="none" w="med" len="med"/>
-                      <a:tailEnd type="none" w="med" len="med"/>
-                    </a:lnR>
-                    <a:lnT w="12700" cap="flat" cmpd="sng" algn="ctr">
-                      <a:solidFill>
-                        <a:schemeClr val="tx1"/>
-                      </a:solidFill>
-                      <a:prstDash val="solid"/>
-                      <a:round/>
-                      <a:headEnd type="none" w="med" len="med"/>
-                      <a:tailEnd type="none" w="med" len="med"/>
-                    </a:lnT>
-                    <a:lnB w="12700" cap="flat" cmpd="sng" algn="ctr">
-                      <a:solidFill>
-                        <a:schemeClr val="tx1"/>
-                      </a:solidFill>
-                      <a:prstDash val="solid"/>
-                      <a:round/>
-                      <a:headEnd type="none" w="med" len="med"/>
-                      <a:tailEnd type="none" w="med" len="med"/>
-                    </a:lnB>
-                    <a:lnTlToBr>
-                      <a:noFill/>
-                    </a:lnTlToBr>
-                    <a:lnBlToTr>
-                      <a:noFill/>
-                    </a:lnBlToTr>
-                    <a:noFill/>
-                  </a:tcPr>
-                </a:tc>
-                <a:tc>
-                  <a:txBody>
-                    <a:bodyPr/>
-                    <a:lstStyle/>
-                    <a:p>
-                      <a:pPr marL="0" marR="0" lvl="0" indent="0" algn="l" defTabSz="914400" rtl="0" eaLnBrk="1" fontAlgn="base" latinLnBrk="0" hangingPunct="1">
-                        <a:lnSpc>
-                          <a:spcPct val="100000"/>
-                        </a:lnSpc>
-                        <a:spcBef>
-                          <a:spcPct val="20000"/>
-                        </a:spcBef>
-                        <a:spcAft>
-                          <a:spcPct val="0"/>
-                        </a:spcAft>
-                        <a:buClrTx/>
-                        <a:buSzTx/>
-                        <a:buFontTx/>
-                        <a:buNone/>
-                        <a:tabLst/>
-                      </a:pPr>
-                      <a:r>
-                        <a:rPr kumimoji="0" lang="en-US" sz="2800" b="1" i="0" u="none" strike="noStrike" cap="none" normalizeH="0" baseline="0" dirty="0" smtClean="0">
-                          <a:ln>
-                            <a:noFill/>
-                          </a:ln>
-                          <a:solidFill>
-                            <a:srgbClr val="1E3272"/>
-                          </a:solidFill>
-                          <a:effectLst/>
-                          <a:latin typeface="+mn-lt"/>
-                          <a:cs typeface="Arial" charset="0"/>
-                        </a:rPr>
-                        <a:t>Virtual Page Number</a:t>
-                      </a:r>
-                    </a:p>
-                  </a:txBody>
-                  <a:tcPr anchor="ctr" horzOverflow="overflow">
-                    <a:lnL w="12700" cap="flat" cmpd="sng" algn="ctr">
-                      <a:solidFill>
-                        <a:schemeClr val="tx1"/>
-                      </a:solidFill>
-                      <a:prstDash val="solid"/>
-                      <a:round/>
-                      <a:headEnd type="none" w="med" len="med"/>
-                      <a:tailEnd type="none" w="med" len="med"/>
-                    </a:lnL>
-                    <a:lnR w="12700" cap="flat" cmpd="sng" algn="ctr">
-                      <a:solidFill>
-                        <a:schemeClr val="tx1"/>
-                      </a:solidFill>
-                      <a:prstDash val="solid"/>
-                      <a:round/>
-                      <a:headEnd type="none" w="med" len="med"/>
-                      <a:tailEnd type="none" w="med" len="med"/>
-                    </a:lnR>
-                    <a:lnT w="12700" cap="flat" cmpd="sng" algn="ctr">
-                      <a:solidFill>
-                        <a:schemeClr val="tx1"/>
-                      </a:solidFill>
-                      <a:prstDash val="solid"/>
-                      <a:round/>
-                      <a:headEnd type="none" w="med" len="med"/>
-                      <a:tailEnd type="none" w="med" len="med"/>
-                    </a:lnT>
-                    <a:lnB w="12700" cap="flat" cmpd="sng" algn="ctr">
+                    <a:lnB w="28575" cap="flat" cmpd="sng" algn="ctr">
                       <a:solidFill>
                         <a:schemeClr val="tx1"/>
                       </a:solidFill>
@@ -7787,6 +7133,151 @@
 </p:sld>
 </file>
 
+<file path=ppt/slides/slide4.xml><?xml version="1.0" encoding="utf-8"?>
+<p:sld xmlns:a="http://schemas.openxmlformats.org/drawingml/2006/main" xmlns:r="http://schemas.openxmlformats.org/officeDocument/2006/relationships" xmlns:p="http://schemas.openxmlformats.org/presentationml/2006/main">
+  <p:cSld>
+    <p:spTree>
+      <p:nvGrpSpPr>
+        <p:cNvPr id="1" name=""/>
+        <p:cNvGrpSpPr/>
+        <p:nvPr/>
+      </p:nvGrpSpPr>
+      <p:grpSpPr>
+        <a:xfrm>
+          <a:off x="0" y="0"/>
+          <a:ext cx="0" cy="0"/>
+          <a:chOff x="0" y="0"/>
+          <a:chExt cx="0" cy="0"/>
+        </a:xfrm>
+      </p:grpSpPr>
+      <p:sp>
+        <p:nvSpPr>
+          <p:cNvPr id="2" name="Содержимое 1"/>
+          <p:cNvSpPr>
+            <a:spLocks noGrp="1"/>
+          </p:cNvSpPr>
+          <p:nvPr>
+            <p:ph idx="1"/>
+          </p:nvPr>
+        </p:nvSpPr>
+        <p:spPr>
+          <a:xfrm>
+            <a:off x="698500" y="974852"/>
+            <a:ext cx="10858500" cy="5413248"/>
+          </a:xfrm>
+        </p:spPr>
+        <p:txBody>
+          <a:bodyPr>
+            <a:noAutofit/>
+          </a:bodyPr>
+          <a:lstStyle/>
+          <a:p>
+            <a:r>
+              <a:rPr lang="en-US" sz="2800" b="1" dirty="0" smtClean="0"/>
+              <a:t>Single instruction, single data (SISD) stream</a:t>
+            </a:r>
+            <a:r>
+              <a:rPr lang="en-US" sz="2800" dirty="0" smtClean="0"/>
+              <a:t>: A single processor executes a single instruction stream to operate on data stored in a single memory. </a:t>
+            </a:r>
+            <a:r>
+              <a:rPr lang="en-US" sz="2800" dirty="0" err="1" smtClean="0"/>
+              <a:t>Uniprocessors</a:t>
+            </a:r>
+            <a:r>
+              <a:rPr lang="en-US" sz="2800" dirty="0" smtClean="0"/>
+              <a:t> fall into this category.</a:t>
+            </a:r>
+          </a:p>
+          <a:p>
+            <a:r>
+              <a:rPr lang="en-US" sz="2800" b="1" dirty="0" smtClean="0"/>
+              <a:t>Single instruction, multiple data (SIMD) stream</a:t>
+            </a:r>
+            <a:r>
+              <a:rPr lang="en-US" sz="2800" dirty="0" smtClean="0"/>
+              <a:t>: A single machine instruction controls the simultaneous execution of a number of processing elements on a lockstep basis. Each has an associated data memory, so that instructions are executed on different sets of data by different processors. Vector and array processors fall into this category.</a:t>
+            </a:r>
+          </a:p>
+          <a:p>
+            <a:r>
+              <a:rPr lang="en-US" sz="2800" b="1" dirty="0" smtClean="0"/>
+              <a:t>Multiple instruction, single data (MISD) stream</a:t>
+            </a:r>
+            <a:r>
+              <a:rPr lang="en-US" sz="2800" dirty="0" smtClean="0"/>
+              <a:t>: A sequence of data is transmitted to a set of processors, each of which executes a different instruction sequence. Not commercially implemented.</a:t>
+            </a:r>
+          </a:p>
+          <a:p>
+            <a:r>
+              <a:rPr lang="en-US" sz="2800" b="1" dirty="0" smtClean="0"/>
+              <a:t>Multiple instruction, multiple data (MIMD) stream</a:t>
+            </a:r>
+            <a:r>
+              <a:rPr lang="en-US" sz="2800" dirty="0" smtClean="0"/>
+              <a:t>: A set of processors simultaneously execute different instruction sequences on different data sets. SMPs, clusters, and NUMA systems fit into this category.</a:t>
+            </a:r>
+            <a:endParaRPr lang="ru-RU" sz="2800" dirty="0"/>
+          </a:p>
+        </p:txBody>
+      </p:sp>
+      <p:sp>
+        <p:nvSpPr>
+          <p:cNvPr id="3" name="Номер слайда 2"/>
+          <p:cNvSpPr>
+            <a:spLocks noGrp="1"/>
+          </p:cNvSpPr>
+          <p:nvPr>
+            <p:ph type="sldNum" sz="quarter" idx="12"/>
+          </p:nvPr>
+        </p:nvSpPr>
+        <p:spPr/>
+        <p:txBody>
+          <a:bodyPr/>
+          <a:lstStyle/>
+          <a:p>
+            <a:pPr algn="ctr"/>
+            <a:fld id="{1397BFD8-F312-4EF2-A268-44FB4BDDBBB0}" type="slidenum">
+              <a:rPr lang="ru-RU" smtClean="0"/>
+              <a:pPr algn="ctr"/>
+              <a:t>4</a:t>
+            </a:fld>
+            <a:endParaRPr lang="ru-RU" dirty="0"/>
+          </a:p>
+        </p:txBody>
+      </p:sp>
+      <p:sp>
+        <p:nvSpPr>
+          <p:cNvPr id="4" name="Заголовок 3"/>
+          <p:cNvSpPr>
+            <a:spLocks noGrp="1"/>
+          </p:cNvSpPr>
+          <p:nvPr>
+            <p:ph type="title"/>
+          </p:nvPr>
+        </p:nvSpPr>
+        <p:spPr/>
+        <p:txBody>
+          <a:bodyPr/>
+          <a:lstStyle/>
+          <a:p>
+            <a:r>
+              <a:rPr lang="en-US" dirty="0" smtClean="0"/>
+              <a:t>Types of Parallel Processing</a:t>
+            </a:r>
+            <a:endParaRPr lang="ru-RU" dirty="0"/>
+          </a:p>
+        </p:txBody>
+      </p:sp>
+    </p:spTree>
+  </p:cSld>
+  <p:clrMapOvr>
+    <a:masterClrMapping/>
+  </p:clrMapOvr>
+</p:sld>
+</file>
+
 <file path=ppt/slides/slide5.xml><?xml version="1.0" encoding="utf-8"?>
 <p:sld xmlns:a="http://schemas.openxmlformats.org/drawingml/2006/main" xmlns:r="http://schemas.openxmlformats.org/officeDocument/2006/relationships" xmlns:p="http://schemas.openxmlformats.org/presentationml/2006/main">
   <p:cSld>
@@ -7816,33 +7307,149 @@
         </p:nvSpPr>
         <p:spPr>
           <a:xfrm>
-            <a:off x="838200" y="1178053"/>
-            <a:ext cx="10515600" cy="1260347"/>
+            <a:off x="838200" y="990600"/>
+            <a:ext cx="10515600" cy="5715000"/>
           </a:xfrm>
         </p:spPr>
         <p:txBody>
-          <a:bodyPr/>
-          <a:lstStyle/>
-          <a:p>
-            <a:r>
-              <a:rPr lang="en-US" dirty="0" smtClean="0"/>
-              <a:t>Most accesses hit in physical memory</a:t>
-            </a:r>
-          </a:p>
-          <a:p>
-            <a:r>
-              <a:rPr lang="en-US" dirty="0" smtClean="0"/>
-              <a:t>But programs have </a:t>
-            </a:r>
-            <a:r>
-              <a:rPr lang="en-US" dirty="0" smtClean="0"/>
-              <a:t>a large </a:t>
-            </a:r>
-            <a:r>
-              <a:rPr lang="en-US" dirty="0" smtClean="0"/>
-              <a:t>capacity of virtual memory</a:t>
-            </a:r>
-            <a:endParaRPr lang="ru-RU" dirty="0"/>
+          <a:bodyPr>
+            <a:noAutofit/>
+          </a:bodyPr>
+          <a:lstStyle/>
+          <a:p>
+            <a:r>
+              <a:rPr lang="en-AU" altLang="en-US" dirty="0" smtClean="0"/>
+              <a:t>Highly pipelined function units</a:t>
+            </a:r>
+          </a:p>
+          <a:p>
+            <a:r>
+              <a:rPr lang="en-AU" altLang="en-US" dirty="0" smtClean="0"/>
+              <a:t>Stream data from/to vector registers to units</a:t>
+            </a:r>
+          </a:p>
+          <a:p>
+            <a:pPr lvl="1"/>
+            <a:r>
+              <a:rPr lang="en-AU" altLang="en-US" dirty="0" smtClean="0"/>
+              <a:t>Data collected from memory into registers</a:t>
+            </a:r>
+          </a:p>
+          <a:p>
+            <a:pPr lvl="1"/>
+            <a:r>
+              <a:rPr lang="en-AU" altLang="en-US" dirty="0" smtClean="0"/>
+              <a:t>Results stored from registers to memory</a:t>
+            </a:r>
+          </a:p>
+          <a:p>
+            <a:r>
+              <a:rPr lang="en-AU" altLang="en-US" dirty="0" smtClean="0"/>
+              <a:t>Example: Vector extension to RISC-V</a:t>
+            </a:r>
+          </a:p>
+          <a:p>
+            <a:pPr lvl="1"/>
+            <a:r>
+              <a:rPr lang="en-US" altLang="en-US" dirty="0" smtClean="0">
+                <a:cs typeface="Arial" charset="0"/>
+              </a:rPr>
+              <a:t>v0 to v31: </a:t>
+            </a:r>
+            <a:r>
+              <a:rPr lang="en-AU" altLang="en-US" dirty="0" smtClean="0"/>
+              <a:t>32 </a:t>
+            </a:r>
+            <a:r>
+              <a:rPr lang="en-US" altLang="en-US" dirty="0" smtClean="0">
+                <a:cs typeface="Arial" charset="0"/>
+              </a:rPr>
+              <a:t>× 64-element registers, (64-bit elements)</a:t>
+            </a:r>
+          </a:p>
+          <a:p>
+            <a:pPr lvl="1"/>
+            <a:r>
+              <a:rPr lang="en-US" altLang="en-US" dirty="0" smtClean="0">
+                <a:cs typeface="Arial" charset="0"/>
+              </a:rPr>
+              <a:t>Vector instructions</a:t>
+            </a:r>
+          </a:p>
+          <a:p>
+            <a:pPr lvl="2"/>
+            <a:r>
+              <a:rPr lang="en-US" altLang="en-US" sz="2800" dirty="0" err="1" smtClean="0">
+                <a:latin typeface="Lucida Console" pitchFamily="49" charset="0"/>
+                <a:cs typeface="Arial" charset="0"/>
+              </a:rPr>
+              <a:t>fld.v</a:t>
+            </a:r>
+            <a:r>
+              <a:rPr lang="en-US" altLang="en-US" sz="2800" dirty="0" smtClean="0">
+                <a:cs typeface="Arial" charset="0"/>
+              </a:rPr>
+              <a:t>, </a:t>
+            </a:r>
+            <a:r>
+              <a:rPr lang="en-US" altLang="en-US" sz="2800" dirty="0" err="1" smtClean="0">
+                <a:cs typeface="Arial" charset="0"/>
+              </a:rPr>
+              <a:t>f</a:t>
+            </a:r>
+            <a:r>
+              <a:rPr lang="en-US" altLang="en-US" sz="2800" dirty="0" err="1" smtClean="0">
+                <a:latin typeface="Lucida Console" pitchFamily="49" charset="0"/>
+                <a:cs typeface="Arial" charset="0"/>
+              </a:rPr>
+              <a:t>sd.v</a:t>
+            </a:r>
+            <a:r>
+              <a:rPr lang="en-US" altLang="en-US" sz="2800" dirty="0" smtClean="0">
+                <a:cs typeface="Arial" charset="0"/>
+              </a:rPr>
+              <a:t>: load/store vector</a:t>
+            </a:r>
+          </a:p>
+          <a:p>
+            <a:pPr lvl="2"/>
+            <a:r>
+              <a:rPr lang="en-US" altLang="en-US" sz="2800" dirty="0" err="1" smtClean="0">
+                <a:latin typeface="Lucida Console" pitchFamily="49" charset="0"/>
+                <a:cs typeface="Arial" charset="0"/>
+              </a:rPr>
+              <a:t>fadd.d.v</a:t>
+            </a:r>
+            <a:r>
+              <a:rPr lang="en-US" altLang="en-US" sz="2800" dirty="0" smtClean="0">
+                <a:cs typeface="Arial" charset="0"/>
+              </a:rPr>
+              <a:t>: add vectors of double</a:t>
+            </a:r>
+          </a:p>
+          <a:p>
+            <a:pPr lvl="2"/>
+            <a:r>
+              <a:rPr lang="en-US" altLang="en-US" sz="2800" dirty="0" err="1" smtClean="0">
+                <a:latin typeface="Lucida Console" pitchFamily="49" charset="0"/>
+                <a:cs typeface="Arial" charset="0"/>
+              </a:rPr>
+              <a:t>fadd.d.vs</a:t>
+            </a:r>
+            <a:r>
+              <a:rPr lang="en-US" altLang="en-US" sz="2800" dirty="0" smtClean="0">
+                <a:cs typeface="Arial" charset="0"/>
+              </a:rPr>
+              <a:t>: add scalar to each element of vector of double</a:t>
+            </a:r>
+          </a:p>
+          <a:p>
+            <a:r>
+              <a:rPr lang="en-US" altLang="en-US" dirty="0" smtClean="0">
+                <a:cs typeface="Arial" charset="0"/>
+              </a:rPr>
+              <a:t>Significantly reduces instruction-fetch bandwidth</a:t>
+            </a:r>
           </a:p>
         </p:txBody>
       </p:sp>
@@ -7883,139 +7490,14 @@
         </p:nvSpPr>
         <p:spPr/>
         <p:txBody>
-          <a:bodyPr>
-            <a:normAutofit/>
-          </a:bodyPr>
-          <a:lstStyle/>
-          <a:p>
-            <a:r>
-              <a:rPr lang="en-US" dirty="0" smtClean="0"/>
-              <a:t>Virtual </a:t>
-            </a:r>
-            <a:r>
-              <a:rPr lang="en-US" dirty="0" smtClean="0"/>
-              <a:t>and </a:t>
-            </a:r>
-            <a:r>
-              <a:rPr lang="en-US" dirty="0" smtClean="0"/>
-              <a:t>Physical </a:t>
-            </a:r>
-            <a:r>
-              <a:rPr lang="en-US" dirty="0" smtClean="0"/>
-              <a:t>Addresses</a:t>
+          <a:bodyPr/>
+          <a:lstStyle/>
+          <a:p>
+            <a:r>
+              <a:rPr lang="en-AU" altLang="en-US" dirty="0" smtClean="0"/>
+              <a:t>Vector Processors</a:t>
             </a:r>
             <a:endParaRPr lang="ru-RU" dirty="0"/>
-          </a:p>
-        </p:txBody>
-      </p:sp>
-      <p:pic>
-        <p:nvPicPr>
-          <p:cNvPr id="5" name="Picture 6" descr="Fig8_20"/>
-          <p:cNvPicPr>
-            <a:picLocks noChangeAspect="1" noChangeArrowheads="1"/>
-          </p:cNvPicPr>
-          <p:nvPr>
-            <p:custDataLst>
-              <p:tags r:id="rId1"/>
-            </p:custDataLst>
-          </p:nvPr>
-        </p:nvPicPr>
-        <p:blipFill>
-          <a:blip r:embed="rId3" cstate="print">
-            <a:extLst>
-              <a:ext uri="{28A0092B-C50C-407E-A947-70E740481C1C}">
-                <a14:useLocalDpi xmlns:a14="http://schemas.microsoft.com/office/drawing/2010/main" xmlns="" val="0"/>
-              </a:ext>
-            </a:extLst>
-          </a:blip>
-          <a:srcRect/>
-          <a:stretch>
-            <a:fillRect/>
-          </a:stretch>
-        </p:blipFill>
-        <p:spPr>
-          <a:xfrm>
-            <a:off x="1701798" y="2544037"/>
-            <a:ext cx="8943518" cy="3906545"/>
-          </a:xfrm>
-          <a:prstGeom prst="rect">
-            <a:avLst/>
-          </a:prstGeom>
-          <a:noFill/>
-          <a:ln/>
-          <a:extLst>
-            <a:ext uri="{909E8E84-426E-40DD-AFC4-6F175D3DCCD1}">
-              <a14:hiddenFill xmlns:a14="http://schemas.microsoft.com/office/drawing/2010/main" xmlns="">
-                <a:solidFill>
-                  <a:srgbClr val="FFFFFF"/>
-                </a:solidFill>
-              </a14:hiddenFill>
-            </a:ext>
-            <a:ext uri="{91240B29-F687-4F45-9708-019B960494DF}">
-              <a14:hiddenLine xmlns:a14="http://schemas.microsoft.com/office/drawing/2010/main" xmlns="" w="9525">
-                <a:solidFill>
-                  <a:srgbClr val="000000"/>
-                </a:solidFill>
-                <a:miter lim="800000"/>
-                <a:headEnd/>
-                <a:tailEnd/>
-              </a14:hiddenLine>
-            </a:ext>
-            <a:ext uri="{AF507438-7753-43E0-B8FC-AC1667EBCBE1}">
-              <a14:hiddenEffects xmlns:a14="http://schemas.microsoft.com/office/drawing/2010/main" xmlns="">
-                <a:effectLst>
-                  <a:outerShdw dist="35921" dir="2700000" algn="ctr" rotWithShape="0">
-                    <a:srgbClr val="808080"/>
-                  </a:outerShdw>
-                </a:effectLst>
-              </a14:hiddenEffects>
-            </a:ext>
-          </a:extLst>
-        </p:spPr>
-      </p:pic>
-      <p:sp>
-        <p:nvSpPr>
-          <p:cNvPr id="6" name="Прямоугольник 5"/>
-          <p:cNvSpPr/>
-          <p:nvPr/>
-        </p:nvSpPr>
-        <p:spPr>
-          <a:xfrm>
-            <a:off x="5118100" y="6299200"/>
-            <a:ext cx="2146300" cy="279400"/>
-          </a:xfrm>
-          <a:prstGeom prst="rect">
-            <a:avLst/>
-          </a:prstGeom>
-          <a:solidFill>
-            <a:schemeClr val="bg1"/>
-          </a:solidFill>
-          <a:ln>
-            <a:noFill/>
-          </a:ln>
-        </p:spPr>
-        <p:style>
-          <a:lnRef idx="2">
-            <a:schemeClr val="accent1">
-              <a:shade val="50000"/>
-            </a:schemeClr>
-          </a:lnRef>
-          <a:fillRef idx="1">
-            <a:schemeClr val="accent1"/>
-          </a:fillRef>
-          <a:effectRef idx="0">
-            <a:schemeClr val="accent1"/>
-          </a:effectRef>
-          <a:fontRef idx="minor">
-            <a:schemeClr val="lt1"/>
-          </a:fontRef>
-        </p:style>
-        <p:txBody>
-          <a:bodyPr rtlCol="0" anchor="ctr"/>
-          <a:lstStyle/>
-          <a:p>
-            <a:pPr algn="ctr"/>
-            <a:endParaRPr lang="ru-RU"/>
           </a:p>
         </p:txBody>
       </p:sp>
@@ -8056,25 +7538,738 @@
         </p:nvSpPr>
         <p:spPr>
           <a:xfrm>
-            <a:off x="838200" y="1178053"/>
-            <a:ext cx="10515600" cy="561847"/>
+            <a:off x="838200" y="990600"/>
+            <a:ext cx="10515600" cy="5753100"/>
           </a:xfrm>
         </p:spPr>
         <p:txBody>
           <a:bodyPr>
-            <a:normAutofit lnSpcReduction="10000"/>
+            <a:noAutofit/>
           </a:bodyPr>
           <a:lstStyle/>
           <a:p>
-            <a:r>
-              <a:rPr lang="en-US" altLang="en-US" dirty="0" smtClean="0"/>
-              <a:t>Fixed-size pages (e.g., 4K</a:t>
-            </a:r>
-            <a:r>
-              <a:rPr lang="en-US" altLang="en-US" dirty="0" smtClean="0"/>
-              <a:t>)</a:t>
-            </a:r>
-            <a:endParaRPr lang="en-AU" altLang="en-US" dirty="0" smtClean="0"/>
+            <a:pPr marL="0" indent="0">
+              <a:spcBef>
+                <a:spcPts val="500"/>
+              </a:spcBef>
+              <a:spcAft>
+                <a:spcPts val="1200"/>
+              </a:spcAft>
+              <a:defRPr/>
+            </a:pPr>
+            <a:r>
+              <a:rPr lang="en-AU" altLang="en-US" sz="2800" dirty="0" smtClean="0"/>
+              <a:t> </a:t>
+            </a:r>
+            <a:r>
+              <a:rPr lang="en-AU" altLang="en-US" sz="3200" dirty="0" smtClean="0"/>
+              <a:t>Conventional RISC-V code:</a:t>
+            </a:r>
+            <a:endParaRPr lang="en-AU" altLang="en-US" sz="2800" dirty="0" smtClean="0"/>
+          </a:p>
+          <a:p>
+            <a:pPr marL="746125" indent="-746125">
+              <a:spcBef>
+                <a:spcPts val="0"/>
+              </a:spcBef>
+              <a:buNone/>
+              <a:defRPr/>
+            </a:pPr>
+            <a:r>
+              <a:rPr lang="en-AU" altLang="en-US" sz="2000" dirty="0" smtClean="0">
+                <a:latin typeface="Lucida Console" panose="020B0609040504020204" pitchFamily="49" charset="0"/>
+              </a:rPr>
+              <a:t>       </a:t>
+            </a:r>
+            <a:r>
+              <a:rPr lang="en-AU" altLang="en-US" sz="2000" dirty="0" err="1" smtClean="0">
+                <a:latin typeface="Lucida Console" panose="020B0609040504020204" pitchFamily="49" charset="0"/>
+              </a:rPr>
+              <a:t>fld</a:t>
+            </a:r>
+            <a:r>
+              <a:rPr lang="en-AU" altLang="en-US" sz="2000" dirty="0" smtClean="0">
+                <a:latin typeface="Lucida Console" panose="020B0609040504020204" pitchFamily="49" charset="0"/>
+              </a:rPr>
+              <a:t>       f0,a(x3)     </a:t>
+            </a:r>
+            <a:r>
+              <a:rPr lang="en-AU" altLang="en-US" sz="2000" dirty="0" smtClean="0">
+                <a:solidFill>
+                  <a:srgbClr val="00B050"/>
+                </a:solidFill>
+                <a:latin typeface="Lucida Console" panose="020B0609040504020204" pitchFamily="49" charset="0"/>
+              </a:rPr>
+              <a:t># load scalar a</a:t>
+            </a:r>
+          </a:p>
+          <a:p>
+            <a:pPr marL="746125" indent="-746125">
+              <a:spcBef>
+                <a:spcPts val="0"/>
+              </a:spcBef>
+              <a:buNone/>
+              <a:defRPr/>
+            </a:pPr>
+            <a:r>
+              <a:rPr lang="en-AU" altLang="en-US" sz="2000" dirty="0" smtClean="0">
+                <a:latin typeface="Lucida Console" panose="020B0609040504020204" pitchFamily="49" charset="0"/>
+              </a:rPr>
+              <a:t>       </a:t>
+            </a:r>
+            <a:r>
+              <a:rPr lang="en-AU" altLang="en-US" sz="2000" dirty="0" err="1" smtClean="0">
+                <a:latin typeface="Lucida Console" panose="020B0609040504020204" pitchFamily="49" charset="0"/>
+              </a:rPr>
+              <a:t>addi</a:t>
+            </a:r>
+            <a:r>
+              <a:rPr lang="en-AU" altLang="en-US" sz="2000" dirty="0" smtClean="0">
+                <a:latin typeface="Lucida Console" panose="020B0609040504020204" pitchFamily="49" charset="0"/>
+              </a:rPr>
+              <a:t>      x5,x19,512   </a:t>
+            </a:r>
+            <a:r>
+              <a:rPr lang="en-AU" altLang="en-US" sz="2000" dirty="0" smtClean="0">
+                <a:solidFill>
+                  <a:srgbClr val="00B050"/>
+                </a:solidFill>
+                <a:latin typeface="Lucida Console" panose="020B0609040504020204" pitchFamily="49" charset="0"/>
+              </a:rPr>
+              <a:t># end of array X</a:t>
+            </a:r>
+          </a:p>
+          <a:p>
+            <a:pPr marL="746125" indent="-746125">
+              <a:spcBef>
+                <a:spcPts val="0"/>
+              </a:spcBef>
+              <a:buNone/>
+              <a:defRPr/>
+            </a:pPr>
+            <a:r>
+              <a:rPr lang="en-AU" altLang="en-US" sz="2000" dirty="0" smtClean="0">
+                <a:latin typeface="Lucida Console" panose="020B0609040504020204" pitchFamily="49" charset="0"/>
+              </a:rPr>
+              <a:t> loop: </a:t>
+            </a:r>
+            <a:r>
+              <a:rPr lang="en-AU" altLang="en-US" sz="2000" dirty="0" err="1" smtClean="0">
+                <a:latin typeface="Lucida Console" panose="020B0609040504020204" pitchFamily="49" charset="0"/>
+              </a:rPr>
+              <a:t>fld</a:t>
+            </a:r>
+            <a:r>
+              <a:rPr lang="en-AU" altLang="en-US" sz="2000" dirty="0" smtClean="0">
+                <a:latin typeface="Lucida Console" panose="020B0609040504020204" pitchFamily="49" charset="0"/>
+              </a:rPr>
+              <a:t>       f1,0(x19)    </a:t>
+            </a:r>
+            <a:r>
+              <a:rPr lang="en-AU" altLang="en-US" sz="2000" dirty="0" smtClean="0">
+                <a:solidFill>
+                  <a:srgbClr val="00B050"/>
+                </a:solidFill>
+                <a:latin typeface="Lucida Console" panose="020B0609040504020204" pitchFamily="49" charset="0"/>
+              </a:rPr>
+              <a:t># load x[</a:t>
+            </a:r>
+            <a:r>
+              <a:rPr lang="en-AU" altLang="en-US" sz="2000" dirty="0" err="1" smtClean="0">
+                <a:solidFill>
+                  <a:srgbClr val="00B050"/>
+                </a:solidFill>
+                <a:latin typeface="Lucida Console" panose="020B0609040504020204" pitchFamily="49" charset="0"/>
+              </a:rPr>
+              <a:t>i</a:t>
+            </a:r>
+            <a:r>
+              <a:rPr lang="en-AU" altLang="en-US" sz="2000" dirty="0" smtClean="0">
+                <a:solidFill>
+                  <a:srgbClr val="00B050"/>
+                </a:solidFill>
+                <a:latin typeface="Lucida Console" panose="020B0609040504020204" pitchFamily="49" charset="0"/>
+              </a:rPr>
+              <a:t>]</a:t>
+            </a:r>
+          </a:p>
+          <a:p>
+            <a:pPr marL="746125" indent="-746125">
+              <a:spcBef>
+                <a:spcPts val="0"/>
+              </a:spcBef>
+              <a:buNone/>
+              <a:defRPr/>
+            </a:pPr>
+            <a:r>
+              <a:rPr lang="en-AU" altLang="en-US" sz="2000" dirty="0" smtClean="0">
+                <a:latin typeface="Lucida Console" panose="020B0609040504020204" pitchFamily="49" charset="0"/>
+              </a:rPr>
+              <a:t>       </a:t>
+            </a:r>
+            <a:r>
+              <a:rPr lang="en-AU" altLang="en-US" sz="2000" dirty="0" err="1" smtClean="0">
+                <a:latin typeface="Lucida Console" panose="020B0609040504020204" pitchFamily="49" charset="0"/>
+              </a:rPr>
+              <a:t>fmul.d</a:t>
+            </a:r>
+            <a:r>
+              <a:rPr lang="en-AU" altLang="en-US" sz="2000" dirty="0" smtClean="0">
+                <a:latin typeface="Lucida Console" panose="020B0609040504020204" pitchFamily="49" charset="0"/>
+              </a:rPr>
+              <a:t>    f1,f1,f0     </a:t>
+            </a:r>
+            <a:r>
+              <a:rPr lang="en-AU" altLang="en-US" sz="2000" dirty="0" smtClean="0">
+                <a:solidFill>
+                  <a:srgbClr val="00B050"/>
+                </a:solidFill>
+                <a:latin typeface="Lucida Console" panose="020B0609040504020204" pitchFamily="49" charset="0"/>
+              </a:rPr>
+              <a:t># a * x[</a:t>
+            </a:r>
+            <a:r>
+              <a:rPr lang="en-AU" altLang="en-US" sz="2000" dirty="0" err="1" smtClean="0">
+                <a:solidFill>
+                  <a:srgbClr val="00B050"/>
+                </a:solidFill>
+                <a:latin typeface="Lucida Console" panose="020B0609040504020204" pitchFamily="49" charset="0"/>
+              </a:rPr>
+              <a:t>i</a:t>
+            </a:r>
+            <a:r>
+              <a:rPr lang="en-AU" altLang="en-US" sz="2000" dirty="0" smtClean="0">
+                <a:solidFill>
+                  <a:srgbClr val="00B050"/>
+                </a:solidFill>
+                <a:latin typeface="Lucida Console" panose="020B0609040504020204" pitchFamily="49" charset="0"/>
+              </a:rPr>
+              <a:t>]</a:t>
+            </a:r>
+          </a:p>
+          <a:p>
+            <a:pPr marL="746125" indent="-746125">
+              <a:spcBef>
+                <a:spcPts val="0"/>
+              </a:spcBef>
+              <a:buNone/>
+              <a:defRPr/>
+            </a:pPr>
+            <a:r>
+              <a:rPr lang="en-AU" altLang="en-US" sz="2000" dirty="0" smtClean="0">
+                <a:latin typeface="Lucida Console" panose="020B0609040504020204" pitchFamily="49" charset="0"/>
+              </a:rPr>
+              <a:t>       </a:t>
+            </a:r>
+            <a:r>
+              <a:rPr lang="en-AU" altLang="en-US" sz="2000" dirty="0" err="1" smtClean="0">
+                <a:latin typeface="Lucida Console" panose="020B0609040504020204" pitchFamily="49" charset="0"/>
+              </a:rPr>
+              <a:t>fld</a:t>
+            </a:r>
+            <a:r>
+              <a:rPr lang="en-AU" altLang="en-US" sz="2000" dirty="0" smtClean="0">
+                <a:latin typeface="Lucida Console" panose="020B0609040504020204" pitchFamily="49" charset="0"/>
+              </a:rPr>
+              <a:t>       f2,0(x20)    </a:t>
+            </a:r>
+            <a:r>
+              <a:rPr lang="en-AU" altLang="en-US" sz="2000" dirty="0" smtClean="0">
+                <a:solidFill>
+                  <a:srgbClr val="00B050"/>
+                </a:solidFill>
+                <a:latin typeface="Lucida Console" panose="020B0609040504020204" pitchFamily="49" charset="0"/>
+              </a:rPr>
+              <a:t># load y[</a:t>
+            </a:r>
+            <a:r>
+              <a:rPr lang="en-AU" altLang="en-US" sz="2000" dirty="0" err="1" smtClean="0">
+                <a:solidFill>
+                  <a:srgbClr val="00B050"/>
+                </a:solidFill>
+                <a:latin typeface="Lucida Console" panose="020B0609040504020204" pitchFamily="49" charset="0"/>
+              </a:rPr>
+              <a:t>i</a:t>
+            </a:r>
+            <a:r>
+              <a:rPr lang="en-AU" altLang="en-US" sz="2000" dirty="0" smtClean="0">
+                <a:solidFill>
+                  <a:srgbClr val="00B050"/>
+                </a:solidFill>
+                <a:latin typeface="Lucida Console" panose="020B0609040504020204" pitchFamily="49" charset="0"/>
+              </a:rPr>
+              <a:t>]</a:t>
+            </a:r>
+          </a:p>
+          <a:p>
+            <a:pPr marL="746125" indent="-746125">
+              <a:spcBef>
+                <a:spcPts val="0"/>
+              </a:spcBef>
+              <a:buNone/>
+              <a:defRPr/>
+            </a:pPr>
+            <a:r>
+              <a:rPr lang="en-AU" altLang="en-US" sz="2000" dirty="0" smtClean="0">
+                <a:latin typeface="Lucida Console" panose="020B0609040504020204" pitchFamily="49" charset="0"/>
+              </a:rPr>
+              <a:t>       </a:t>
+            </a:r>
+            <a:r>
+              <a:rPr lang="en-AU" altLang="en-US" sz="2000" dirty="0" err="1" smtClean="0">
+                <a:latin typeface="Lucida Console" panose="020B0609040504020204" pitchFamily="49" charset="0"/>
+              </a:rPr>
+              <a:t>fadd.d</a:t>
+            </a:r>
+            <a:r>
+              <a:rPr lang="en-AU" altLang="en-US" sz="2000" dirty="0" smtClean="0">
+                <a:latin typeface="Lucida Console" panose="020B0609040504020204" pitchFamily="49" charset="0"/>
+              </a:rPr>
+              <a:t>    f2,f2,f1     </a:t>
+            </a:r>
+            <a:r>
+              <a:rPr lang="en-AU" altLang="en-US" sz="2000" dirty="0" smtClean="0">
+                <a:solidFill>
+                  <a:srgbClr val="00B050"/>
+                </a:solidFill>
+                <a:latin typeface="Lucida Console" panose="020B0609040504020204" pitchFamily="49" charset="0"/>
+              </a:rPr>
+              <a:t># a * x[</a:t>
+            </a:r>
+            <a:r>
+              <a:rPr lang="en-AU" altLang="en-US" sz="2000" dirty="0" err="1" smtClean="0">
+                <a:solidFill>
+                  <a:srgbClr val="00B050"/>
+                </a:solidFill>
+                <a:latin typeface="Lucida Console" panose="020B0609040504020204" pitchFamily="49" charset="0"/>
+              </a:rPr>
+              <a:t>i</a:t>
+            </a:r>
+            <a:r>
+              <a:rPr lang="en-AU" altLang="en-US" sz="2000" dirty="0" smtClean="0">
+                <a:solidFill>
+                  <a:srgbClr val="00B050"/>
+                </a:solidFill>
+                <a:latin typeface="Lucida Console" panose="020B0609040504020204" pitchFamily="49" charset="0"/>
+              </a:rPr>
+              <a:t>] + y[</a:t>
+            </a:r>
+            <a:r>
+              <a:rPr lang="en-AU" altLang="en-US" sz="2000" dirty="0" err="1" smtClean="0">
+                <a:solidFill>
+                  <a:srgbClr val="00B050"/>
+                </a:solidFill>
+                <a:latin typeface="Lucida Console" panose="020B0609040504020204" pitchFamily="49" charset="0"/>
+              </a:rPr>
+              <a:t>i</a:t>
+            </a:r>
+            <a:r>
+              <a:rPr lang="en-AU" altLang="en-US" sz="2000" dirty="0" smtClean="0">
+                <a:solidFill>
+                  <a:srgbClr val="00B050"/>
+                </a:solidFill>
+                <a:latin typeface="Lucida Console" panose="020B0609040504020204" pitchFamily="49" charset="0"/>
+              </a:rPr>
+              <a:t>]</a:t>
+            </a:r>
+          </a:p>
+          <a:p>
+            <a:pPr marL="746125" indent="-746125">
+              <a:spcBef>
+                <a:spcPts val="0"/>
+              </a:spcBef>
+              <a:buNone/>
+              <a:defRPr/>
+            </a:pPr>
+            <a:r>
+              <a:rPr lang="en-AU" altLang="en-US" sz="2000" dirty="0" smtClean="0">
+                <a:latin typeface="Lucida Console" panose="020B0609040504020204" pitchFamily="49" charset="0"/>
+              </a:rPr>
+              <a:t>       </a:t>
+            </a:r>
+            <a:r>
+              <a:rPr lang="en-AU" altLang="en-US" sz="2000" dirty="0" err="1" smtClean="0">
+                <a:latin typeface="Lucida Console" panose="020B0609040504020204" pitchFamily="49" charset="0"/>
+              </a:rPr>
+              <a:t>fsd</a:t>
+            </a:r>
+            <a:r>
+              <a:rPr lang="en-AU" altLang="en-US" sz="2000" dirty="0" smtClean="0">
+                <a:latin typeface="Lucida Console" panose="020B0609040504020204" pitchFamily="49" charset="0"/>
+              </a:rPr>
+              <a:t>       f2,0(x20)    </a:t>
+            </a:r>
+            <a:r>
+              <a:rPr lang="en-AU" altLang="en-US" sz="2000" dirty="0" smtClean="0">
+                <a:solidFill>
+                  <a:srgbClr val="00B050"/>
+                </a:solidFill>
+                <a:latin typeface="Lucida Console" panose="020B0609040504020204" pitchFamily="49" charset="0"/>
+              </a:rPr>
+              <a:t># store y[</a:t>
+            </a:r>
+            <a:r>
+              <a:rPr lang="en-AU" altLang="en-US" sz="2000" dirty="0" err="1" smtClean="0">
+                <a:solidFill>
+                  <a:srgbClr val="00B050"/>
+                </a:solidFill>
+                <a:latin typeface="Lucida Console" panose="020B0609040504020204" pitchFamily="49" charset="0"/>
+              </a:rPr>
+              <a:t>i</a:t>
+            </a:r>
+            <a:r>
+              <a:rPr lang="en-AU" altLang="en-US" sz="2000" dirty="0" smtClean="0">
+                <a:solidFill>
+                  <a:srgbClr val="00B050"/>
+                </a:solidFill>
+                <a:latin typeface="Lucida Console" panose="020B0609040504020204" pitchFamily="49" charset="0"/>
+              </a:rPr>
+              <a:t>]</a:t>
+            </a:r>
+          </a:p>
+          <a:p>
+            <a:pPr marL="746125" indent="-746125">
+              <a:spcBef>
+                <a:spcPts val="0"/>
+              </a:spcBef>
+              <a:buNone/>
+              <a:defRPr/>
+            </a:pPr>
+            <a:r>
+              <a:rPr lang="en-AU" altLang="en-US" sz="2000" dirty="0" smtClean="0">
+                <a:latin typeface="Lucida Console" panose="020B0609040504020204" pitchFamily="49" charset="0"/>
+              </a:rPr>
+              <a:t>       </a:t>
+            </a:r>
+            <a:r>
+              <a:rPr lang="en-AU" altLang="en-US" sz="2000" dirty="0" err="1" smtClean="0">
+                <a:latin typeface="Lucida Console" panose="020B0609040504020204" pitchFamily="49" charset="0"/>
+              </a:rPr>
+              <a:t>addi</a:t>
+            </a:r>
+            <a:r>
+              <a:rPr lang="en-AU" altLang="en-US" sz="2000" dirty="0" smtClean="0">
+                <a:latin typeface="Lucida Console" panose="020B0609040504020204" pitchFamily="49" charset="0"/>
+              </a:rPr>
+              <a:t>      x19,x19,8    </a:t>
+            </a:r>
+            <a:r>
+              <a:rPr lang="en-AU" altLang="en-US" sz="2000" dirty="0" smtClean="0">
+                <a:solidFill>
+                  <a:srgbClr val="00B050"/>
+                </a:solidFill>
+                <a:latin typeface="Lucida Console" panose="020B0609040504020204" pitchFamily="49" charset="0"/>
+              </a:rPr>
+              <a:t># increment index to x</a:t>
+            </a:r>
+          </a:p>
+          <a:p>
+            <a:pPr marL="746125" indent="-746125">
+              <a:spcBef>
+                <a:spcPts val="0"/>
+              </a:spcBef>
+              <a:buNone/>
+              <a:defRPr/>
+            </a:pPr>
+            <a:r>
+              <a:rPr lang="en-AU" altLang="en-US" sz="2000" dirty="0" smtClean="0">
+                <a:latin typeface="Lucida Console" panose="020B0609040504020204" pitchFamily="49" charset="0"/>
+              </a:rPr>
+              <a:t>       </a:t>
+            </a:r>
+            <a:r>
+              <a:rPr lang="en-AU" altLang="en-US" sz="2000" dirty="0" err="1" smtClean="0">
+                <a:latin typeface="Lucida Console" panose="020B0609040504020204" pitchFamily="49" charset="0"/>
+              </a:rPr>
+              <a:t>addi</a:t>
+            </a:r>
+            <a:r>
+              <a:rPr lang="en-AU" altLang="en-US" sz="2000" dirty="0" smtClean="0">
+                <a:latin typeface="Lucida Console" panose="020B0609040504020204" pitchFamily="49" charset="0"/>
+              </a:rPr>
+              <a:t>      x20,x20,8    </a:t>
+            </a:r>
+            <a:r>
+              <a:rPr lang="en-AU" altLang="en-US" sz="2000" dirty="0" smtClean="0">
+                <a:solidFill>
+                  <a:srgbClr val="00B050"/>
+                </a:solidFill>
+                <a:latin typeface="Lucida Console" panose="020B0609040504020204" pitchFamily="49" charset="0"/>
+              </a:rPr>
+              <a:t># increment index to y</a:t>
+            </a:r>
+          </a:p>
+          <a:p>
+            <a:pPr marL="746125" indent="-746125">
+              <a:spcBef>
+                <a:spcPts val="0"/>
+              </a:spcBef>
+              <a:buNone/>
+              <a:defRPr/>
+            </a:pPr>
+            <a:r>
+              <a:rPr lang="en-AU" altLang="en-US" sz="2000" dirty="0" smtClean="0">
+                <a:latin typeface="Lucida Console" panose="020B0609040504020204" pitchFamily="49" charset="0"/>
+              </a:rPr>
+              <a:t>       </a:t>
+            </a:r>
+            <a:r>
+              <a:rPr lang="en-AU" altLang="en-US" sz="2000" dirty="0" err="1" smtClean="0">
+                <a:latin typeface="Lucida Console" panose="020B0609040504020204" pitchFamily="49" charset="0"/>
+              </a:rPr>
+              <a:t>bltu</a:t>
+            </a:r>
+            <a:r>
+              <a:rPr lang="en-AU" altLang="en-US" sz="2000" dirty="0" smtClean="0">
+                <a:latin typeface="Lucida Console" panose="020B0609040504020204" pitchFamily="49" charset="0"/>
+              </a:rPr>
+              <a:t>      x19,x5,loop  </a:t>
+            </a:r>
+            <a:r>
+              <a:rPr lang="en-AU" altLang="en-US" sz="2000" dirty="0" smtClean="0">
+                <a:solidFill>
+                  <a:srgbClr val="00B050"/>
+                </a:solidFill>
+                <a:latin typeface="Lucida Console" panose="020B0609040504020204" pitchFamily="49" charset="0"/>
+              </a:rPr>
+              <a:t># repeat if not done</a:t>
+            </a:r>
+          </a:p>
+          <a:p>
+            <a:pPr marL="0" indent="0">
+              <a:spcBef>
+                <a:spcPts val="500"/>
+              </a:spcBef>
+              <a:spcAft>
+                <a:spcPts val="1200"/>
+              </a:spcAft>
+              <a:defRPr/>
+            </a:pPr>
+            <a:r>
+              <a:rPr lang="en-AU" altLang="en-US" sz="3200" dirty="0" smtClean="0"/>
+              <a:t> Vector RISC-V code:</a:t>
+            </a:r>
+          </a:p>
+          <a:p>
+            <a:pPr marL="746125" indent="-746125">
+              <a:spcBef>
+                <a:spcPts val="0"/>
+              </a:spcBef>
+              <a:buNone/>
+              <a:defRPr/>
+            </a:pPr>
+            <a:r>
+              <a:rPr lang="en-AU" altLang="en-US" sz="2000" dirty="0" smtClean="0">
+                <a:latin typeface="Lucida Console" panose="020B0609040504020204" pitchFamily="49" charset="0"/>
+              </a:rPr>
+              <a:t>       </a:t>
+            </a:r>
+            <a:r>
+              <a:rPr lang="en-AU" altLang="en-US" sz="2000" dirty="0" err="1" smtClean="0">
+                <a:latin typeface="Lucida Console" panose="020B0609040504020204" pitchFamily="49" charset="0"/>
+              </a:rPr>
+              <a:t>fld</a:t>
+            </a:r>
+            <a:r>
+              <a:rPr lang="en-AU" altLang="en-US" sz="2000" dirty="0" smtClean="0">
+                <a:latin typeface="Lucida Console" panose="020B0609040504020204" pitchFamily="49" charset="0"/>
+              </a:rPr>
+              <a:t>       f0,a(x3)     </a:t>
+            </a:r>
+            <a:r>
+              <a:rPr lang="en-AU" altLang="en-US" sz="2000" dirty="0" smtClean="0">
+                <a:solidFill>
+                  <a:srgbClr val="00B050"/>
+                </a:solidFill>
+                <a:latin typeface="Lucida Console" panose="020B0609040504020204" pitchFamily="49" charset="0"/>
+              </a:rPr>
+              <a:t># load scalar a</a:t>
+            </a:r>
+          </a:p>
+          <a:p>
+            <a:pPr marL="746125" indent="-746125">
+              <a:spcBef>
+                <a:spcPts val="0"/>
+              </a:spcBef>
+              <a:buNone/>
+              <a:defRPr/>
+            </a:pPr>
+            <a:r>
+              <a:rPr lang="en-AU" altLang="en-US" sz="2000" dirty="0" smtClean="0">
+                <a:latin typeface="Lucida Console" panose="020B0609040504020204" pitchFamily="49" charset="0"/>
+              </a:rPr>
+              <a:t>       </a:t>
+            </a:r>
+            <a:r>
+              <a:rPr lang="en-AU" altLang="en-US" sz="2000" dirty="0" err="1" smtClean="0">
+                <a:latin typeface="Lucida Console" panose="020B0609040504020204" pitchFamily="49" charset="0"/>
+              </a:rPr>
+              <a:t>fld.v</a:t>
+            </a:r>
+            <a:r>
+              <a:rPr lang="en-AU" altLang="en-US" sz="2000" dirty="0" smtClean="0">
+                <a:latin typeface="Lucida Console" panose="020B0609040504020204" pitchFamily="49" charset="0"/>
+              </a:rPr>
+              <a:t>     v0,0(x19)    </a:t>
+            </a:r>
+            <a:r>
+              <a:rPr lang="en-AU" altLang="en-US" sz="2000" dirty="0" smtClean="0">
+                <a:solidFill>
+                  <a:srgbClr val="00B050"/>
+                </a:solidFill>
+                <a:latin typeface="Lucida Console" panose="020B0609040504020204" pitchFamily="49" charset="0"/>
+              </a:rPr>
+              <a:t># load vector x</a:t>
+            </a:r>
+          </a:p>
+          <a:p>
+            <a:pPr marL="746125" indent="-746125">
+              <a:spcBef>
+                <a:spcPts val="0"/>
+              </a:spcBef>
+              <a:buNone/>
+              <a:defRPr/>
+            </a:pPr>
+            <a:r>
+              <a:rPr lang="en-AU" altLang="en-US" sz="2000" dirty="0" smtClean="0">
+                <a:latin typeface="Lucida Console" panose="020B0609040504020204" pitchFamily="49" charset="0"/>
+              </a:rPr>
+              <a:t>       </a:t>
+            </a:r>
+            <a:r>
+              <a:rPr lang="en-AU" altLang="en-US" sz="2000" dirty="0" err="1" smtClean="0">
+                <a:latin typeface="Lucida Console" panose="020B0609040504020204" pitchFamily="49" charset="0"/>
+              </a:rPr>
+              <a:t>fmul.d.vs</a:t>
+            </a:r>
+            <a:r>
+              <a:rPr lang="en-AU" altLang="en-US" sz="2000" dirty="0" smtClean="0">
+                <a:latin typeface="Lucida Console" panose="020B0609040504020204" pitchFamily="49" charset="0"/>
+              </a:rPr>
+              <a:t> v0,v0,f0     </a:t>
+            </a:r>
+            <a:r>
+              <a:rPr lang="en-AU" altLang="en-US" sz="2000" dirty="0" smtClean="0">
+                <a:solidFill>
+                  <a:srgbClr val="00B050"/>
+                </a:solidFill>
+                <a:latin typeface="Lucida Console" panose="020B0609040504020204" pitchFamily="49" charset="0"/>
+              </a:rPr>
+              <a:t># vector-scalar multiply</a:t>
+            </a:r>
+          </a:p>
+          <a:p>
+            <a:pPr marL="746125" indent="-746125">
+              <a:spcBef>
+                <a:spcPts val="0"/>
+              </a:spcBef>
+              <a:buNone/>
+              <a:defRPr/>
+            </a:pPr>
+            <a:r>
+              <a:rPr lang="en-AU" altLang="en-US" sz="2000" dirty="0" smtClean="0">
+                <a:latin typeface="Lucida Console" panose="020B0609040504020204" pitchFamily="49" charset="0"/>
+              </a:rPr>
+              <a:t>       </a:t>
+            </a:r>
+            <a:r>
+              <a:rPr lang="en-AU" altLang="en-US" sz="2000" dirty="0" err="1" smtClean="0">
+                <a:latin typeface="Lucida Console" panose="020B0609040504020204" pitchFamily="49" charset="0"/>
+              </a:rPr>
+              <a:t>fld.v</a:t>
+            </a:r>
+            <a:r>
+              <a:rPr lang="en-AU" altLang="en-US" sz="2000" dirty="0" smtClean="0">
+                <a:latin typeface="Lucida Console" panose="020B0609040504020204" pitchFamily="49" charset="0"/>
+              </a:rPr>
+              <a:t>     v1,0(x20)    </a:t>
+            </a:r>
+            <a:r>
+              <a:rPr lang="en-AU" altLang="en-US" sz="2000" dirty="0" smtClean="0">
+                <a:solidFill>
+                  <a:srgbClr val="00B050"/>
+                </a:solidFill>
+                <a:latin typeface="Lucida Console" panose="020B0609040504020204" pitchFamily="49" charset="0"/>
+              </a:rPr>
+              <a:t># load vector y</a:t>
+            </a:r>
+          </a:p>
+          <a:p>
+            <a:pPr marL="746125" indent="-746125">
+              <a:spcBef>
+                <a:spcPts val="0"/>
+              </a:spcBef>
+              <a:buNone/>
+              <a:defRPr/>
+            </a:pPr>
+            <a:r>
+              <a:rPr lang="en-AU" altLang="en-US" sz="2000" dirty="0" smtClean="0">
+                <a:latin typeface="Lucida Console" panose="020B0609040504020204" pitchFamily="49" charset="0"/>
+              </a:rPr>
+              <a:t>       </a:t>
+            </a:r>
+            <a:r>
+              <a:rPr lang="en-AU" altLang="en-US" sz="2000" dirty="0" err="1" smtClean="0">
+                <a:latin typeface="Lucida Console" panose="020B0609040504020204" pitchFamily="49" charset="0"/>
+              </a:rPr>
+              <a:t>fadd.d.v</a:t>
+            </a:r>
+            <a:r>
+              <a:rPr lang="en-AU" altLang="en-US" sz="2000" dirty="0" smtClean="0">
+                <a:latin typeface="Lucida Console" panose="020B0609040504020204" pitchFamily="49" charset="0"/>
+              </a:rPr>
+              <a:t>  v1,v1,v0     </a:t>
+            </a:r>
+            <a:r>
+              <a:rPr lang="en-AU" altLang="en-US" sz="2000" dirty="0" smtClean="0">
+                <a:solidFill>
+                  <a:srgbClr val="00B050"/>
+                </a:solidFill>
+                <a:latin typeface="Lucida Console" panose="020B0609040504020204" pitchFamily="49" charset="0"/>
+              </a:rPr>
+              <a:t># vector-vector add</a:t>
+            </a:r>
+          </a:p>
+          <a:p>
+            <a:pPr marL="746125" indent="-746125">
+              <a:spcBef>
+                <a:spcPts val="0"/>
+              </a:spcBef>
+              <a:buNone/>
+              <a:defRPr/>
+            </a:pPr>
+            <a:r>
+              <a:rPr lang="en-AU" altLang="en-US" sz="2000" dirty="0" smtClean="0">
+                <a:latin typeface="Lucida Console" panose="020B0609040504020204" pitchFamily="49" charset="0"/>
+              </a:rPr>
+              <a:t>       </a:t>
+            </a:r>
+            <a:r>
+              <a:rPr lang="en-AU" altLang="en-US" sz="2000" dirty="0" err="1" smtClean="0">
+                <a:latin typeface="Lucida Console" panose="020B0609040504020204" pitchFamily="49" charset="0"/>
+              </a:rPr>
+              <a:t>fsd.v</a:t>
+            </a:r>
+            <a:r>
+              <a:rPr lang="en-AU" altLang="en-US" sz="2000" dirty="0" smtClean="0">
+                <a:latin typeface="Lucida Console" panose="020B0609040504020204" pitchFamily="49" charset="0"/>
+              </a:rPr>
+              <a:t>     v1,0(x20)    </a:t>
+            </a:r>
+            <a:r>
+              <a:rPr lang="en-AU" altLang="en-US" sz="2000" dirty="0" smtClean="0">
+                <a:solidFill>
+                  <a:srgbClr val="00B050"/>
+                </a:solidFill>
+                <a:latin typeface="Lucida Console" panose="020B0609040504020204" pitchFamily="49" charset="0"/>
+              </a:rPr>
+              <a:t># store vector y</a:t>
+            </a:r>
+            <a:endParaRPr lang="ru-RU" sz="2000" dirty="0">
+              <a:solidFill>
+                <a:srgbClr val="00B050"/>
+              </a:solidFill>
+            </a:endParaRPr>
           </a:p>
         </p:txBody>
       </p:sp>
@@ -8119,121 +8314,10 @@
           <a:lstStyle/>
           <a:p>
             <a:r>
-              <a:rPr lang="en-US" dirty="0" smtClean="0"/>
-              <a:t>Address Translation</a:t>
+              <a:rPr lang="en-AU" altLang="en-US" dirty="0" smtClean="0"/>
+              <a:t>Example: DAXPY (Y = a × X + Y)</a:t>
             </a:r>
             <a:endParaRPr lang="ru-RU" dirty="0"/>
-          </a:p>
-        </p:txBody>
-      </p:sp>
-      <p:pic>
-        <p:nvPicPr>
-          <p:cNvPr id="5" name="Picture 5" descr="Fig8_22"/>
-          <p:cNvPicPr>
-            <a:picLocks noChangeAspect="1" noChangeArrowheads="1"/>
-          </p:cNvPicPr>
-          <p:nvPr>
-            <p:custDataLst>
-              <p:tags r:id="rId1"/>
-            </p:custDataLst>
-          </p:nvPr>
-        </p:nvPicPr>
-        <p:blipFill>
-          <a:blip r:embed="rId3" cstate="print">
-            <a:extLst>
-              <a:ext uri="{28A0092B-C50C-407E-A947-70E740481C1C}">
-                <a14:useLocalDpi xmlns:a14="http://schemas.microsoft.com/office/drawing/2010/main" xmlns="" val="0"/>
-              </a:ext>
-            </a:extLst>
-          </a:blip>
-          <a:srcRect/>
-          <a:stretch>
-            <a:fillRect/>
-          </a:stretch>
-        </p:blipFill>
-        <p:spPr>
-          <a:xfrm>
-            <a:off x="2679697" y="2019296"/>
-            <a:ext cx="6214595" cy="4394107"/>
-          </a:xfrm>
-          <a:prstGeom prst="rect">
-            <a:avLst/>
-          </a:prstGeom>
-          <a:noFill/>
-          <a:ln/>
-          <a:extLst>
-            <a:ext uri="{909E8E84-426E-40DD-AFC4-6F175D3DCCD1}">
-              <a14:hiddenFill xmlns:a14="http://schemas.microsoft.com/office/drawing/2010/main" xmlns="">
-                <a:solidFill>
-                  <a:srgbClr val="FFFFFF"/>
-                </a:solidFill>
-              </a14:hiddenFill>
-            </a:ext>
-            <a:ext uri="{91240B29-F687-4F45-9708-019B960494DF}">
-              <a14:hiddenLine xmlns:a14="http://schemas.microsoft.com/office/drawing/2010/main" xmlns="" w="9525">
-                <a:solidFill>
-                  <a:srgbClr val="000000"/>
-                </a:solidFill>
-                <a:miter lim="800000"/>
-                <a:headEnd/>
-                <a:tailEnd/>
-              </a14:hiddenLine>
-            </a:ext>
-            <a:ext uri="{AF507438-7753-43E0-B8FC-AC1667EBCBE1}">
-              <a14:hiddenEffects xmlns:a14="http://schemas.microsoft.com/office/drawing/2010/main" xmlns="">
-                <a:effectLst>
-                  <a:outerShdw dist="35921" dir="2700000" algn="ctr" rotWithShape="0">
-                    <a:srgbClr val="808080"/>
-                  </a:outerShdw>
-                </a:effectLst>
-              </a14:hiddenEffects>
-            </a:ext>
-          </a:extLst>
-        </p:spPr>
-      </p:pic>
-      <p:sp>
-        <p:nvSpPr>
-          <p:cNvPr id="6" name="Прямоугольник 5"/>
-          <p:cNvSpPr/>
-          <p:nvPr/>
-        </p:nvSpPr>
-        <p:spPr>
-          <a:xfrm>
-            <a:off x="4978400" y="6286500"/>
-            <a:ext cx="2146300" cy="279400"/>
-          </a:xfrm>
-          <a:prstGeom prst="rect">
-            <a:avLst/>
-          </a:prstGeom>
-          <a:solidFill>
-            <a:schemeClr val="bg1"/>
-          </a:solidFill>
-          <a:ln>
-            <a:noFill/>
-          </a:ln>
-        </p:spPr>
-        <p:style>
-          <a:lnRef idx="2">
-            <a:schemeClr val="accent1">
-              <a:shade val="50000"/>
-            </a:schemeClr>
-          </a:lnRef>
-          <a:fillRef idx="1">
-            <a:schemeClr val="accent1"/>
-          </a:fillRef>
-          <a:effectRef idx="0">
-            <a:schemeClr val="accent1"/>
-          </a:effectRef>
-          <a:fontRef idx="minor">
-            <a:schemeClr val="lt1"/>
-          </a:fontRef>
-        </p:style>
-        <p:txBody>
-          <a:bodyPr rtlCol="0" anchor="ctr"/>
-          <a:lstStyle/>
-          <a:p>
-            <a:pPr algn="ctr"/>
-            <a:endParaRPr lang="ru-RU"/>
           </a:p>
         </p:txBody>
       </p:sp>
@@ -8274,249 +8358,102 @@
         </p:nvSpPr>
         <p:spPr>
           <a:xfrm>
-            <a:off x="838200" y="1178052"/>
-            <a:ext cx="10515600" cy="5387847"/>
+            <a:off x="800100" y="1066800"/>
+            <a:ext cx="10617200" cy="5613400"/>
           </a:xfrm>
         </p:spPr>
         <p:txBody>
           <a:bodyPr>
-            <a:noAutofit/>
+            <a:normAutofit/>
           </a:bodyPr>
           <a:lstStyle/>
           <a:p>
-            <a:r>
-              <a:rPr lang="en-US" b="1" dirty="0" smtClean="0">
-                <a:solidFill>
-                  <a:srgbClr val="1E3272"/>
-                </a:solidFill>
-              </a:rPr>
-              <a:t>System</a:t>
-            </a:r>
-            <a:endParaRPr lang="en-US" b="1" dirty="0" smtClean="0">
-              <a:solidFill>
-                <a:schemeClr val="accent1"/>
-              </a:solidFill>
-            </a:endParaRPr>
-          </a:p>
-          <a:p>
-            <a:pPr lvl="1"/>
-            <a:r>
-              <a:rPr lang="en-US" dirty="0" smtClean="0"/>
-              <a:t>Virtual memory size: 2 GB = 2</a:t>
-            </a:r>
-            <a:r>
-              <a:rPr lang="en-US" b="1" baseline="30000" dirty="0" smtClean="0">
-                <a:solidFill>
-                  <a:srgbClr val="1E3272"/>
-                </a:solidFill>
-              </a:rPr>
-              <a:t>31</a:t>
-            </a:r>
-            <a:r>
-              <a:rPr lang="en-US" dirty="0" smtClean="0"/>
-              <a:t> bytes</a:t>
-            </a:r>
-          </a:p>
-          <a:p>
-            <a:pPr lvl="1"/>
-            <a:r>
-              <a:rPr lang="en-US" dirty="0" smtClean="0"/>
-              <a:t>Physical memory size: 128 MB = 2</a:t>
-            </a:r>
-            <a:r>
-              <a:rPr lang="en-US" b="1" baseline="30000" dirty="0" smtClean="0">
-                <a:solidFill>
-                  <a:srgbClr val="1E3272"/>
-                </a:solidFill>
-              </a:rPr>
-              <a:t>27</a:t>
-            </a:r>
-            <a:r>
-              <a:rPr lang="en-US" dirty="0" smtClean="0"/>
-              <a:t> bytes</a:t>
-            </a:r>
-          </a:p>
-          <a:p>
-            <a:pPr lvl="1"/>
-            <a:r>
-              <a:rPr lang="en-US" dirty="0" smtClean="0"/>
-              <a:t>Page size: 4 KB = 2</a:t>
-            </a:r>
-            <a:r>
-              <a:rPr lang="en-US" b="1" baseline="30000" dirty="0" smtClean="0">
-                <a:solidFill>
-                  <a:srgbClr val="1E3272"/>
-                </a:solidFill>
-              </a:rPr>
-              <a:t>12</a:t>
-            </a:r>
-            <a:r>
-              <a:rPr lang="en-US" dirty="0" smtClean="0">
-                <a:solidFill>
-                  <a:schemeClr val="accent1"/>
-                </a:solidFill>
-              </a:rPr>
-              <a:t> </a:t>
-            </a:r>
-            <a:r>
-              <a:rPr lang="en-US" dirty="0" smtClean="0"/>
-              <a:t>bytes</a:t>
-            </a:r>
-          </a:p>
-          <a:p>
-            <a:r>
-              <a:rPr lang="en-US" b="1" dirty="0" smtClean="0">
-                <a:solidFill>
-                  <a:srgbClr val="1E3272"/>
-                </a:solidFill>
-              </a:rPr>
-              <a:t>Organization</a:t>
-            </a:r>
-            <a:endParaRPr lang="en-US" b="1" dirty="0" smtClean="0">
-              <a:solidFill>
-                <a:schemeClr val="accent1"/>
-              </a:solidFill>
-            </a:endParaRPr>
-          </a:p>
-          <a:p>
-            <a:pPr lvl="1"/>
-            <a:r>
-              <a:rPr lang="en-US" dirty="0" smtClean="0"/>
-              <a:t>Virtual address: </a:t>
-            </a:r>
-            <a:r>
-              <a:rPr lang="en-US" b="1" dirty="0" smtClean="0">
-                <a:solidFill>
-                  <a:srgbClr val="1E3272"/>
-                </a:solidFill>
-              </a:rPr>
-              <a:t>31</a:t>
-            </a:r>
-            <a:r>
-              <a:rPr lang="en-US" dirty="0" smtClean="0">
-                <a:solidFill>
-                  <a:schemeClr val="accent1"/>
-                </a:solidFill>
-              </a:rPr>
-              <a:t> </a:t>
-            </a:r>
-            <a:r>
-              <a:rPr lang="en-US" dirty="0" smtClean="0"/>
-              <a:t>bits</a:t>
-            </a:r>
-          </a:p>
-          <a:p>
-            <a:pPr lvl="1"/>
-            <a:r>
-              <a:rPr lang="en-US" dirty="0" smtClean="0"/>
-              <a:t>Physical address: </a:t>
-            </a:r>
-            <a:r>
-              <a:rPr lang="en-US" b="1" dirty="0" smtClean="0">
-                <a:solidFill>
-                  <a:srgbClr val="1E3272"/>
-                </a:solidFill>
-              </a:rPr>
-              <a:t>27</a:t>
-            </a:r>
-            <a:r>
-              <a:rPr lang="en-US" dirty="0" smtClean="0"/>
-              <a:t> bits</a:t>
-            </a:r>
-          </a:p>
-          <a:p>
-            <a:pPr lvl="1"/>
-            <a:r>
-              <a:rPr lang="en-US" dirty="0" smtClean="0"/>
-              <a:t>Page offset: </a:t>
-            </a:r>
-            <a:r>
-              <a:rPr lang="en-US" b="1" dirty="0" smtClean="0">
-                <a:solidFill>
-                  <a:srgbClr val="1E3272"/>
-                </a:solidFill>
-              </a:rPr>
-              <a:t>12</a:t>
-            </a:r>
-            <a:r>
-              <a:rPr lang="en-US" dirty="0" smtClean="0"/>
-              <a:t> bits</a:t>
-            </a:r>
-          </a:p>
-          <a:p>
-            <a:pPr lvl="1"/>
-            <a:r>
-              <a:rPr lang="en-US" dirty="0" smtClean="0"/>
-              <a:t># Virtual pages = 2</a:t>
-            </a:r>
-            <a:r>
-              <a:rPr lang="en-US" baseline="30000" dirty="0" smtClean="0"/>
-              <a:t>31</a:t>
-            </a:r>
-            <a:r>
-              <a:rPr lang="en-US" dirty="0" smtClean="0"/>
-              <a:t>/2</a:t>
-            </a:r>
-            <a:r>
-              <a:rPr lang="en-US" baseline="30000" dirty="0" smtClean="0"/>
-              <a:t>12</a:t>
-            </a:r>
-            <a:r>
-              <a:rPr lang="en-US" dirty="0" smtClean="0"/>
-              <a:t> = </a:t>
-            </a:r>
-            <a:r>
-              <a:rPr lang="en-US" b="1" dirty="0" smtClean="0"/>
-              <a:t>2</a:t>
-            </a:r>
-            <a:r>
-              <a:rPr lang="en-US" b="1" baseline="30000" dirty="0" smtClean="0"/>
-              <a:t>19</a:t>
-            </a:r>
-            <a:r>
-              <a:rPr lang="en-US" dirty="0" smtClean="0"/>
-              <a:t>  (VPN = 19 bits)</a:t>
-            </a:r>
-          </a:p>
-          <a:p>
-            <a:pPr lvl="1"/>
-            <a:r>
-              <a:rPr lang="en-US" dirty="0" smtClean="0"/>
-              <a:t># Physical pages = 2</a:t>
-            </a:r>
-            <a:r>
-              <a:rPr lang="en-US" baseline="30000" dirty="0" smtClean="0"/>
-              <a:t>27</a:t>
-            </a:r>
-            <a:r>
-              <a:rPr lang="en-US" dirty="0" smtClean="0"/>
-              <a:t>/2</a:t>
-            </a:r>
-            <a:r>
-              <a:rPr lang="en-US" baseline="30000" dirty="0" smtClean="0"/>
-              <a:t>12</a:t>
-            </a:r>
-            <a:r>
-              <a:rPr lang="en-US" dirty="0" smtClean="0"/>
-              <a:t> = </a:t>
-            </a:r>
-            <a:r>
-              <a:rPr lang="en-US" b="1" dirty="0" smtClean="0"/>
-              <a:t>2</a:t>
-            </a:r>
-            <a:r>
-              <a:rPr lang="en-US" b="1" baseline="30000" dirty="0" smtClean="0"/>
-              <a:t>15</a:t>
-            </a:r>
-            <a:r>
-              <a:rPr lang="en-US" dirty="0" smtClean="0"/>
-              <a:t> (PPN = 15 bits</a:t>
-            </a:r>
-            <a:r>
-              <a:rPr lang="en-US" dirty="0" smtClean="0"/>
-              <a:t>)</a:t>
-            </a:r>
-            <a:endParaRPr lang="en-US" dirty="0" smtClean="0"/>
+            <a:pPr>
+              <a:lnSpc>
+                <a:spcPct val="100000"/>
+              </a:lnSpc>
+            </a:pPr>
+            <a:r>
+              <a:rPr lang="en-AU" altLang="en-US" dirty="0" smtClean="0"/>
+              <a:t>Vector architectures and compilers</a:t>
+            </a:r>
+          </a:p>
+          <a:p>
+            <a:pPr lvl="1">
+              <a:lnSpc>
+                <a:spcPct val="100000"/>
+              </a:lnSpc>
+            </a:pPr>
+            <a:r>
+              <a:rPr lang="en-AU" altLang="en-US" dirty="0" smtClean="0"/>
+              <a:t>Simplify data-parallel programming</a:t>
+            </a:r>
+          </a:p>
+          <a:p>
+            <a:pPr lvl="1">
+              <a:lnSpc>
+                <a:spcPct val="100000"/>
+              </a:lnSpc>
+            </a:pPr>
+            <a:r>
+              <a:rPr lang="en-AU" altLang="en-US" dirty="0" smtClean="0"/>
+              <a:t>Explicit statement of absence of loop-carried dependences</a:t>
+            </a:r>
+          </a:p>
+          <a:p>
+            <a:pPr lvl="2">
+              <a:lnSpc>
+                <a:spcPct val="100000"/>
+              </a:lnSpc>
+            </a:pPr>
+            <a:r>
+              <a:rPr lang="en-AU" altLang="en-US" sz="2800" dirty="0" smtClean="0"/>
+              <a:t>Reduced checking in hardware</a:t>
+            </a:r>
+          </a:p>
+          <a:p>
+            <a:pPr lvl="1">
+              <a:lnSpc>
+                <a:spcPct val="100000"/>
+              </a:lnSpc>
+            </a:pPr>
+            <a:r>
+              <a:rPr lang="en-AU" altLang="en-US" dirty="0" smtClean="0"/>
+              <a:t>Regular access patterns benefit from interleaved and burst memory</a:t>
+            </a:r>
+          </a:p>
+          <a:p>
+            <a:pPr lvl="1">
+              <a:lnSpc>
+                <a:spcPct val="100000"/>
+              </a:lnSpc>
+            </a:pPr>
+            <a:r>
+              <a:rPr lang="en-AU" altLang="en-US" dirty="0" smtClean="0"/>
+              <a:t>Avoid control hazards by avoiding loops</a:t>
+            </a:r>
+          </a:p>
+          <a:p>
+            <a:pPr>
+              <a:lnSpc>
+                <a:spcPct val="100000"/>
+              </a:lnSpc>
+            </a:pPr>
+            <a:r>
+              <a:rPr lang="en-AU" altLang="en-US" dirty="0" smtClean="0"/>
+              <a:t>More general than ad-hoc media extensions (such as MMX, SSE)</a:t>
+            </a:r>
+          </a:p>
+          <a:p>
+            <a:pPr lvl="1">
+              <a:lnSpc>
+                <a:spcPct val="100000"/>
+              </a:lnSpc>
+            </a:pPr>
+            <a:r>
+              <a:rPr lang="en-AU" altLang="en-US" dirty="0" smtClean="0"/>
+              <a:t>Better match with compiler technology</a:t>
+            </a:r>
           </a:p>
         </p:txBody>
       </p:sp>
@@ -8561,8 +8498,8 @@
           <a:lstStyle/>
           <a:p>
             <a:r>
-              <a:rPr lang="en-US" dirty="0" smtClean="0"/>
-              <a:t>Virtual Memory Example</a:t>
+              <a:rPr lang="en-AU" altLang="en-US" dirty="0" smtClean="0"/>
+              <a:t>Vector vs. Scalar</a:t>
             </a:r>
             <a:endParaRPr lang="ru-RU" dirty="0"/>
           </a:p>
@@ -8593,51 +8530,6 @@
           <a:chExt cx="0" cy="0"/>
         </a:xfrm>
       </p:grpSpPr>
-      <p:pic>
-        <p:nvPicPr>
-          <p:cNvPr id="5" name="Picture 6" descr="Fig8_21"/>
-          <p:cNvPicPr>
-            <a:picLocks noChangeAspect="1" noChangeArrowheads="1"/>
-          </p:cNvPicPr>
-          <p:nvPr>
-            <p:custDataLst>
-              <p:tags r:id="rId1"/>
-            </p:custDataLst>
-          </p:nvPr>
-        </p:nvPicPr>
-        <p:blipFill>
-          <a:blip r:embed="rId3" cstate="print">
-            <a:extLst>
-              <a:ext uri="{28A0092B-C50C-407E-A947-70E740481C1C}">
-                <a14:useLocalDpi xmlns:a14="http://schemas.microsoft.com/office/drawing/2010/main" xmlns="" val="0"/>
-              </a:ext>
-            </a:extLst>
-          </a:blip>
-          <a:srcRect/>
-          <a:stretch>
-            <a:fillRect/>
-          </a:stretch>
-        </p:blipFill>
-        <p:spPr bwMode="auto">
-          <a:xfrm>
-            <a:off x="1777999" y="1206500"/>
-            <a:ext cx="8554669" cy="5532120"/>
-          </a:xfrm>
-          <a:prstGeom prst="rect">
-            <a:avLst/>
-          </a:prstGeom>
-          <a:noFill/>
-          <a:extLst>
-            <a:ext uri="{909E8E84-426E-40DD-AFC4-6F175D3DCCD1}">
-              <a14:hiddenFill xmlns:a14="http://schemas.microsoft.com/office/drawing/2010/main" xmlns="">
-                <a:solidFill>
-                  <a:srgbClr val="FFFFFF"/>
-                </a:solidFill>
-              </a14:hiddenFill>
-            </a:ext>
-          </a:extLst>
-        </p:spPr>
-      </p:pic>
       <p:sp>
         <p:nvSpPr>
           <p:cNvPr id="2" name="Содержимое 1"/>
@@ -8650,117 +8542,78 @@
         </p:nvSpPr>
         <p:spPr>
           <a:xfrm>
-            <a:off x="1358900" y="1114553"/>
-            <a:ext cx="5461000" cy="2847847"/>
+            <a:off x="838200" y="1178052"/>
+            <a:ext cx="10515600" cy="5311647"/>
           </a:xfrm>
         </p:spPr>
         <p:txBody>
-          <a:bodyPr>
-            <a:normAutofit/>
-          </a:bodyPr>
-          <a:lstStyle/>
-          <a:p>
-            <a:pPr>
-              <a:spcBef>
-                <a:spcPts val="600"/>
-              </a:spcBef>
-              <a:buFontTx/>
-              <a:buNone/>
-            </a:pPr>
-            <a:r>
-              <a:rPr lang="en-US" sz="2000" dirty="0" smtClean="0"/>
-              <a:t>	</a:t>
-            </a:r>
-            <a:r>
-              <a:rPr lang="en-US" sz="2800" dirty="0" smtClean="0"/>
-              <a:t>What is the physical address of virtual address</a:t>
-            </a:r>
-            <a:r>
-              <a:rPr lang="en-US" sz="2800" b="1" dirty="0" smtClean="0"/>
-              <a:t> 0x247C?</a:t>
-            </a:r>
-          </a:p>
-          <a:p>
-            <a:pPr lvl="1">
-              <a:spcBef>
-                <a:spcPts val="600"/>
-              </a:spcBef>
-            </a:pPr>
-            <a:r>
-              <a:rPr lang="en-US" sz="2400" dirty="0" smtClean="0"/>
-              <a:t>VPN =</a:t>
-            </a:r>
-            <a:r>
-              <a:rPr lang="en-US" sz="2400" b="1" dirty="0" smtClean="0"/>
-              <a:t> 0x2</a:t>
-            </a:r>
-          </a:p>
-          <a:p>
-            <a:pPr lvl="1">
-              <a:spcBef>
-                <a:spcPts val="600"/>
-              </a:spcBef>
-            </a:pPr>
-            <a:r>
-              <a:rPr lang="en-US" sz="2400" dirty="0" smtClean="0"/>
-              <a:t>VPN 0x2 maps to PPN</a:t>
-            </a:r>
-            <a:r>
-              <a:rPr lang="en-US" sz="2400" dirty="0" smtClean="0">
-                <a:solidFill>
-                  <a:schemeClr val="accent2"/>
-                </a:solidFill>
-              </a:rPr>
-              <a:t> </a:t>
-            </a:r>
-            <a:r>
-              <a:rPr lang="en-US" sz="2400" b="1" dirty="0" smtClean="0">
-                <a:solidFill>
-                  <a:srgbClr val="C00000"/>
-                </a:solidFill>
-              </a:rPr>
-              <a:t>0x7FFF</a:t>
-            </a:r>
-          </a:p>
-          <a:p>
-            <a:pPr lvl="1">
-              <a:spcBef>
-                <a:spcPts val="600"/>
-              </a:spcBef>
-            </a:pPr>
-            <a:r>
-              <a:rPr lang="en-US" sz="2400" dirty="0" smtClean="0"/>
-              <a:t>12-bit page offset: </a:t>
-            </a:r>
-            <a:r>
-              <a:rPr lang="en-US" sz="2400" b="1" dirty="0" smtClean="0"/>
-              <a:t>0x47C</a:t>
-            </a:r>
-            <a:endParaRPr lang="en-US" sz="2400" dirty="0" smtClean="0"/>
-          </a:p>
-          <a:p>
-            <a:pPr lvl="1">
-              <a:spcBef>
-                <a:spcPts val="600"/>
-              </a:spcBef>
-            </a:pPr>
-            <a:r>
-              <a:rPr lang="en-US" sz="2400" dirty="0" smtClean="0"/>
-              <a:t>Physical address = </a:t>
-            </a:r>
-            <a:r>
-              <a:rPr lang="en-US" sz="2400" b="1" dirty="0" smtClean="0">
-                <a:solidFill>
-                  <a:srgbClr val="C00000"/>
-                </a:solidFill>
-              </a:rPr>
-              <a:t>0x7FFF</a:t>
-            </a:r>
-            <a:r>
-              <a:rPr lang="en-US" sz="2400" b="1" dirty="0" smtClean="0"/>
-              <a:t>47C</a:t>
-            </a:r>
-            <a:endParaRPr lang="ru-RU" sz="2800" dirty="0"/>
+          <a:bodyPr/>
+          <a:lstStyle/>
+          <a:p>
+            <a:r>
+              <a:rPr lang="en-AU" altLang="en-US" dirty="0" smtClean="0"/>
+              <a:t>Operate </a:t>
+            </a:r>
+            <a:r>
+              <a:rPr lang="en-AU" altLang="en-US" dirty="0" err="1" smtClean="0"/>
+              <a:t>elementwise</a:t>
+            </a:r>
+            <a:r>
+              <a:rPr lang="en-AU" altLang="en-US" dirty="0" smtClean="0"/>
+              <a:t> on vectors of data</a:t>
+            </a:r>
+          </a:p>
+          <a:p>
+            <a:pPr lvl="1"/>
+            <a:r>
+              <a:rPr lang="en-AU" altLang="en-US" dirty="0" smtClean="0"/>
+              <a:t>E.g., MMX and SSE instructions in x86</a:t>
+            </a:r>
+          </a:p>
+          <a:p>
+            <a:pPr lvl="2"/>
+            <a:r>
+              <a:rPr lang="en-AU" altLang="en-US" sz="2800" dirty="0" smtClean="0"/>
+              <a:t>Multiple data elements in 128-bit wide registers</a:t>
+            </a:r>
+          </a:p>
+          <a:p>
+            <a:r>
+              <a:rPr lang="en-AU" altLang="en-US" dirty="0" smtClean="0"/>
+              <a:t>All processors execute the same instruction at the same time</a:t>
+            </a:r>
+          </a:p>
+          <a:p>
+            <a:pPr lvl="1"/>
+            <a:r>
+              <a:rPr lang="en-AU" altLang="en-US" dirty="0" smtClean="0"/>
+              <a:t>Each with different data address, etc.</a:t>
+            </a:r>
+          </a:p>
+          <a:p>
+            <a:r>
+              <a:rPr lang="en-AU" altLang="en-US" dirty="0" smtClean="0"/>
+              <a:t>Simplifies synchronization</a:t>
+            </a:r>
+          </a:p>
+          <a:p>
+            <a:r>
+              <a:rPr lang="en-AU" altLang="en-US" dirty="0" smtClean="0"/>
+              <a:t>Reduced instruction control hardware</a:t>
+            </a:r>
+          </a:p>
+          <a:p>
+            <a:r>
+              <a:rPr lang="en-AU" altLang="en-US" dirty="0" smtClean="0"/>
+              <a:t>Works best for highly data-parallel applications</a:t>
+            </a:r>
+          </a:p>
+          <a:p>
+            <a:pPr lvl="1"/>
+            <a:endParaRPr lang="en-AU" altLang="en-US" dirty="0" smtClean="0"/>
+          </a:p>
+          <a:p>
+            <a:endParaRPr lang="ru-RU" dirty="0"/>
           </a:p>
         </p:txBody>
       </p:sp>
@@ -8801,66 +8654,14 @@
         </p:nvSpPr>
         <p:spPr/>
         <p:txBody>
-          <a:bodyPr>
-            <a:normAutofit/>
-          </a:bodyPr>
-          <a:lstStyle/>
-          <a:p>
-            <a:r>
-              <a:rPr lang="en-US" dirty="0" smtClean="0"/>
-              <a:t>Virtual </a:t>
-            </a:r>
-            <a:r>
-              <a:rPr lang="en-US" dirty="0" smtClean="0"/>
-              <a:t>Memory Example</a:t>
+          <a:bodyPr/>
+          <a:lstStyle/>
+          <a:p>
+            <a:r>
+              <a:rPr lang="en-AU" altLang="en-US" dirty="0" smtClean="0"/>
+              <a:t>SIMD</a:t>
             </a:r>
             <a:endParaRPr lang="ru-RU" dirty="0"/>
-          </a:p>
-        </p:txBody>
-      </p:sp>
-      <p:sp>
-        <p:nvSpPr>
-          <p:cNvPr id="6" name="Прямоугольник 5"/>
-          <p:cNvSpPr/>
-          <p:nvPr/>
-        </p:nvSpPr>
-        <p:spPr>
-          <a:xfrm>
-            <a:off x="4978400" y="6604000"/>
-            <a:ext cx="2146300" cy="152400"/>
-          </a:xfrm>
-          <a:prstGeom prst="rect">
-            <a:avLst/>
-          </a:prstGeom>
-          <a:solidFill>
-            <a:schemeClr val="bg1"/>
-          </a:solidFill>
-          <a:ln>
-            <a:noFill/>
-          </a:ln>
-        </p:spPr>
-        <p:style>
-          <a:lnRef idx="2">
-            <a:schemeClr val="accent1">
-              <a:shade val="50000"/>
-            </a:schemeClr>
-          </a:lnRef>
-          <a:fillRef idx="1">
-            <a:schemeClr val="accent1"/>
-          </a:fillRef>
-          <a:effectRef idx="0">
-            <a:schemeClr val="accent1"/>
-          </a:effectRef>
-          <a:fontRef idx="minor">
-            <a:schemeClr val="lt1"/>
-          </a:fontRef>
-        </p:style>
-        <p:txBody>
-          <a:bodyPr rtlCol="0" anchor="ctr"/>
-          <a:lstStyle/>
-          <a:p>
-            <a:pPr algn="ctr"/>
-            <a:endParaRPr lang="ru-RU"/>
           </a:p>
         </p:txBody>
       </p:sp>
@@ -8901,82 +8702,56 @@
         </p:nvSpPr>
         <p:spPr>
           <a:xfrm>
-            <a:off x="838200" y="1178052"/>
-            <a:ext cx="10515600" cy="5438648"/>
+            <a:off x="838200" y="1066800"/>
+            <a:ext cx="10896600" cy="5524499"/>
           </a:xfrm>
         </p:spPr>
         <p:txBody>
           <a:bodyPr>
-            <a:normAutofit lnSpcReduction="10000"/>
+            <a:normAutofit/>
           </a:bodyPr>
           <a:lstStyle/>
           <a:p>
-            <a:r>
-              <a:rPr lang="en-US" altLang="en-US" dirty="0" smtClean="0"/>
-              <a:t>Used to perform address translation</a:t>
-            </a:r>
-          </a:p>
-          <a:p>
-            <a:r>
-              <a:rPr lang="en-US" altLang="en-US" dirty="0" smtClean="0"/>
-              <a:t>Stores </a:t>
-            </a:r>
-            <a:r>
-              <a:rPr lang="en-US" altLang="en-US" dirty="0" smtClean="0"/>
-              <a:t>placement information</a:t>
-            </a:r>
-          </a:p>
-          <a:p>
-            <a:pPr lvl="1"/>
-            <a:r>
-              <a:rPr lang="en-US" altLang="en-US" dirty="0" smtClean="0"/>
-              <a:t>Array of page table entries, indexed by virtual page number</a:t>
-            </a:r>
-          </a:p>
-          <a:p>
-            <a:pPr lvl="1"/>
-            <a:r>
-              <a:rPr lang="en-US" altLang="en-US" dirty="0" smtClean="0"/>
-              <a:t>Page table register in CPU points to page table in physical memory</a:t>
-            </a:r>
-          </a:p>
-          <a:p>
-            <a:r>
-              <a:rPr lang="en-US" altLang="en-US" dirty="0" smtClean="0"/>
-              <a:t>If page is present in memory</a:t>
-            </a:r>
-          </a:p>
-          <a:p>
-            <a:pPr lvl="1"/>
-            <a:r>
-              <a:rPr lang="en-US" altLang="en-US" dirty="0" smtClean="0"/>
-              <a:t>PTE stores the physical page number</a:t>
-            </a:r>
-          </a:p>
-          <a:p>
-            <a:pPr lvl="1"/>
-            <a:r>
-              <a:rPr lang="en-US" altLang="en-US" dirty="0" smtClean="0"/>
-              <a:t>Plus other status bits (referenced, dirty, …)</a:t>
-            </a:r>
-          </a:p>
-          <a:p>
-            <a:r>
-              <a:rPr lang="en-US" altLang="en-US" dirty="0" smtClean="0"/>
-              <a:t>If page is not present</a:t>
-            </a:r>
-          </a:p>
-          <a:p>
-            <a:pPr lvl="1"/>
-            <a:r>
-              <a:rPr lang="en-US" altLang="en-US" dirty="0" smtClean="0"/>
-              <a:t>PTE can refer to location in swap space on </a:t>
-            </a:r>
-            <a:r>
-              <a:rPr lang="en-US" altLang="en-US" dirty="0" smtClean="0"/>
-              <a:t>disk</a:t>
-            </a:r>
-            <a:endParaRPr lang="en-US" altLang="en-US" dirty="0" smtClean="0"/>
+            <a:pPr>
+              <a:spcBef>
+                <a:spcPts val="600"/>
+              </a:spcBef>
+            </a:pPr>
+            <a:r>
+              <a:rPr lang="en-US" altLang="en-US" sz="2800" dirty="0" smtClean="0"/>
+              <a:t>Vector instructions have a variable vector width, multimedia extensions have a fixed width</a:t>
+            </a:r>
+          </a:p>
+          <a:p>
+            <a:pPr>
+              <a:spcBef>
+                <a:spcPts val="600"/>
+              </a:spcBef>
+            </a:pPr>
+            <a:r>
+              <a:rPr lang="en-US" altLang="en-US" sz="2800" dirty="0" smtClean="0"/>
+              <a:t>Vector instructions support </a:t>
+            </a:r>
+            <a:r>
+              <a:rPr lang="en-US" altLang="en-US" sz="2800" dirty="0" err="1" smtClean="0"/>
+              <a:t>strided</a:t>
+            </a:r>
+            <a:r>
+              <a:rPr lang="en-US" altLang="en-US" sz="2800" dirty="0" smtClean="0"/>
+              <a:t> access, multimedia extensions do not</a:t>
+            </a:r>
+          </a:p>
+          <a:p>
+            <a:pPr>
+              <a:spcBef>
+                <a:spcPts val="600"/>
+              </a:spcBef>
+            </a:pPr>
+            <a:r>
+              <a:rPr lang="en-US" altLang="en-US" sz="2800" dirty="0" smtClean="0"/>
+              <a:t>Vector units can be combination of pipelined and arrayed functional units:</a:t>
+            </a:r>
+            <a:endParaRPr lang="ru-RU" sz="2800" dirty="0"/>
           </a:p>
         </p:txBody>
       </p:sp>
@@ -9021,43 +8796,83 @@
           <a:lstStyle/>
           <a:p>
             <a:r>
-              <a:rPr lang="en-US" dirty="0" smtClean="0"/>
-              <a:t>Page Table</a:t>
-            </a:r>
-            <a:endParaRPr lang="ru-RU" dirty="0"/>
-          </a:p>
-        </p:txBody>
-      </p:sp>
+              <a:rPr lang="en-US" altLang="en-US" dirty="0" smtClean="0"/>
+              <a:t>Vector vs. Multimedia Extensions</a:t>
+            </a:r>
+            <a:endParaRPr lang="ru-RU" b="0" dirty="0"/>
+          </a:p>
+        </p:txBody>
+      </p:sp>
+      <p:pic>
+        <p:nvPicPr>
+          <p:cNvPr id="5" name="Picture 2"/>
+          <p:cNvPicPr>
+            <a:picLocks noChangeAspect="1" noChangeArrowheads="1"/>
+          </p:cNvPicPr>
+          <p:nvPr/>
+        </p:nvPicPr>
+        <p:blipFill>
+          <a:blip r:embed="rId2" cstate="print"/>
+          <a:srcRect/>
+          <a:stretch>
+            <a:fillRect/>
+          </a:stretch>
+        </p:blipFill>
+        <p:spPr bwMode="auto">
+          <a:xfrm>
+            <a:off x="6600821" y="3409946"/>
+            <a:ext cx="4160520" cy="3429000"/>
+          </a:xfrm>
+          <a:prstGeom prst="rect">
+            <a:avLst/>
+          </a:prstGeom>
+          <a:noFill/>
+          <a:ln w="9525">
+            <a:noFill/>
+            <a:miter lim="800000"/>
+            <a:headEnd/>
+            <a:tailEnd/>
+          </a:ln>
+        </p:spPr>
+      </p:pic>
+      <p:pic>
+        <p:nvPicPr>
+          <p:cNvPr id="6" name="Picture 2"/>
+          <p:cNvPicPr>
+            <a:picLocks noChangeAspect="1" noChangeArrowheads="1"/>
+          </p:cNvPicPr>
+          <p:nvPr/>
+        </p:nvPicPr>
+        <p:blipFill>
+          <a:blip r:embed="rId3" cstate="print"/>
+          <a:srcRect/>
+          <a:stretch>
+            <a:fillRect/>
+          </a:stretch>
+        </p:blipFill>
+        <p:spPr bwMode="auto">
+          <a:xfrm>
+            <a:off x="1393819" y="3589020"/>
+            <a:ext cx="4640580" cy="3192780"/>
+          </a:xfrm>
+          <a:prstGeom prst="rect">
+            <a:avLst/>
+          </a:prstGeom>
+          <a:noFill/>
+          <a:ln w="9525">
+            <a:noFill/>
+            <a:miter lim="800000"/>
+            <a:headEnd/>
+            <a:tailEnd/>
+          </a:ln>
+        </p:spPr>
+      </p:pic>
     </p:spTree>
   </p:cSld>
   <p:clrMapOvr>
     <a:masterClrMapping/>
   </p:clrMapOvr>
 </p:sld>
-</file>
-
-<file path=ppt/tags/tag1.xml><?xml version="1.0" encoding="utf-8"?>
-<p:tagLst xmlns:a="http://schemas.openxmlformats.org/drawingml/2006/main" xmlns:r="http://schemas.openxmlformats.org/officeDocument/2006/relationships" xmlns:p="http://schemas.openxmlformats.org/presentationml/2006/main">
-  <p:tag name="_INSTRUCTOR VIEW19C14C36-AC8E-43BC-9DB6-C2AAF774C7DC|PANE__TAG" val="_"/>
-</p:tagLst>
-</file>
-
-<file path=ppt/tags/tag2.xml><?xml version="1.0" encoding="utf-8"?>
-<p:tagLst xmlns:a="http://schemas.openxmlformats.org/drawingml/2006/main" xmlns:r="http://schemas.openxmlformats.org/officeDocument/2006/relationships" xmlns:p="http://schemas.openxmlformats.org/presentationml/2006/main">
-  <p:tag name="_INSTRUCTOR VIEW19C14C36-AC8E-43BC-9DB6-C2AAF774C7DC|PANE__TAG" val="_"/>
-</p:tagLst>
-</file>
-
-<file path=ppt/tags/tag3.xml><?xml version="1.0" encoding="utf-8"?>
-<p:tagLst xmlns:a="http://schemas.openxmlformats.org/drawingml/2006/main" xmlns:r="http://schemas.openxmlformats.org/officeDocument/2006/relationships" xmlns:p="http://schemas.openxmlformats.org/presentationml/2006/main">
-  <p:tag name="_INSTRUCTOR VIEW19C14C36-AC8E-43BC-9DB6-C2AAF774C7DC|PANE__TAG" val="_"/>
-</p:tagLst>
-</file>
-
-<file path=ppt/tags/tag4.xml><?xml version="1.0" encoding="utf-8"?>
-<p:tagLst xmlns:a="http://schemas.openxmlformats.org/drawingml/2006/main" xmlns:r="http://schemas.openxmlformats.org/officeDocument/2006/relationships" xmlns:p="http://schemas.openxmlformats.org/presentationml/2006/main">
-  <p:tag name="_INSTRUCTOR VIEW19C14C36-AC8E-43BC-9DB6-C2AAF774C7DC|PANE__TAG" val="_"/>
-</p:tagLst>
 </file>
 
 <file path=ppt/theme/theme1.xml><?xml version="1.0" encoding="utf-8"?>
